--- a/Filtering and summary statistics/filtering+stats.pptx
+++ b/Filtering and summary statistics/filtering+stats.pptx
@@ -1,43 +1,430 @@
 
 <file path=ppt/presentation.xml><?xml version="1.0" encoding="utf-8"?>
-<p:presentation xmlns:a="http://schemas.openxmlformats.org/drawingml/2006/main" xmlns:p="http://schemas.openxmlformats.org/presentationml/2006/main" xmlns:r="http://schemas.openxmlformats.org/officeDocument/2006/relationships">
+<p:presentation xmlns:a="http://schemas.openxmlformats.org/drawingml/2006/main" xmlns:r="http://schemas.openxmlformats.org/officeDocument/2006/relationships" xmlns:p="http://schemas.openxmlformats.org/presentationml/2006/main">
   <p:sldMasterIdLst>
-    <p:sldMasterId id="2147483648" r:id="rId2"/>
-    <p:sldMasterId id="2147483661" r:id="rId3"/>
-    <p:sldMasterId id="2147483674" r:id="rId4"/>
+    <p:sldMasterId id="2147483648" r:id="rId1"/>
+    <p:sldMasterId id="2147483661" r:id="rId2"/>
+    <p:sldMasterId id="2147483674" r:id="rId3"/>
   </p:sldMasterIdLst>
   <p:notesMasterIdLst>
-    <p:notesMasterId r:id="rId5"/>
+    <p:notesMasterId r:id="rId24"/>
   </p:notesMasterIdLst>
   <p:sldIdLst>
-    <p:sldId id="256" r:id="rId6"/>
-    <p:sldId id="257" r:id="rId7"/>
-    <p:sldId id="258" r:id="rId8"/>
-    <p:sldId id="259" r:id="rId9"/>
-    <p:sldId id="260" r:id="rId10"/>
-    <p:sldId id="261" r:id="rId11"/>
-    <p:sldId id="262" r:id="rId12"/>
-    <p:sldId id="263" r:id="rId13"/>
-    <p:sldId id="264" r:id="rId14"/>
-    <p:sldId id="265" r:id="rId15"/>
-    <p:sldId id="266" r:id="rId16"/>
-    <p:sldId id="267" r:id="rId17"/>
-    <p:sldId id="268" r:id="rId18"/>
-    <p:sldId id="269" r:id="rId19"/>
-    <p:sldId id="270" r:id="rId20"/>
-    <p:sldId id="271" r:id="rId21"/>
-    <p:sldId id="272" r:id="rId22"/>
-    <p:sldId id="273" r:id="rId23"/>
-    <p:sldId id="274" r:id="rId24"/>
-    <p:sldId id="275" r:id="rId25"/>
+    <p:sldId id="256" r:id="rId4"/>
+    <p:sldId id="257" r:id="rId5"/>
+    <p:sldId id="258" r:id="rId6"/>
+    <p:sldId id="259" r:id="rId7"/>
+    <p:sldId id="260" r:id="rId8"/>
+    <p:sldId id="261" r:id="rId9"/>
+    <p:sldId id="262" r:id="rId10"/>
+    <p:sldId id="263" r:id="rId11"/>
+    <p:sldId id="264" r:id="rId12"/>
+    <p:sldId id="265" r:id="rId13"/>
+    <p:sldId id="266" r:id="rId14"/>
+    <p:sldId id="267" r:id="rId15"/>
+    <p:sldId id="268" r:id="rId16"/>
+    <p:sldId id="269" r:id="rId17"/>
+    <p:sldId id="270" r:id="rId18"/>
+    <p:sldId id="271" r:id="rId19"/>
+    <p:sldId id="272" r:id="rId20"/>
+    <p:sldId id="273" r:id="rId21"/>
+    <p:sldId id="274" r:id="rId22"/>
+    <p:sldId id="275" r:id="rId23"/>
   </p:sldIdLst>
-  <p:sldSz cx="9144000" cy="5143500"/>
+  <p:sldSz cx="9144000" cy="5143500" type="screen16x9"/>
   <p:notesSz cx="6858000" cy="9144000"/>
+  <p:defaultTextStyle>
+    <a:defPPr>
+      <a:defRPr lang="he-IL"/>
+    </a:defPPr>
+    <a:lvl1pPr marL="0" algn="r" defTabSz="914400" rtl="1" eaLnBrk="1" latinLnBrk="0" hangingPunct="1">
+      <a:defRPr sz="1800" kern="1200">
+        <a:solidFill>
+          <a:schemeClr val="tx1"/>
+        </a:solidFill>
+        <a:latin typeface="+mn-lt"/>
+        <a:ea typeface="+mn-ea"/>
+        <a:cs typeface="+mn-cs"/>
+      </a:defRPr>
+    </a:lvl1pPr>
+    <a:lvl2pPr marL="457200" algn="r" defTabSz="914400" rtl="1" eaLnBrk="1" latinLnBrk="0" hangingPunct="1">
+      <a:defRPr sz="1800" kern="1200">
+        <a:solidFill>
+          <a:schemeClr val="tx1"/>
+        </a:solidFill>
+        <a:latin typeface="+mn-lt"/>
+        <a:ea typeface="+mn-ea"/>
+        <a:cs typeface="+mn-cs"/>
+      </a:defRPr>
+    </a:lvl2pPr>
+    <a:lvl3pPr marL="914400" algn="r" defTabSz="914400" rtl="1" eaLnBrk="1" latinLnBrk="0" hangingPunct="1">
+      <a:defRPr sz="1800" kern="1200">
+        <a:solidFill>
+          <a:schemeClr val="tx1"/>
+        </a:solidFill>
+        <a:latin typeface="+mn-lt"/>
+        <a:ea typeface="+mn-ea"/>
+        <a:cs typeface="+mn-cs"/>
+      </a:defRPr>
+    </a:lvl3pPr>
+    <a:lvl4pPr marL="1371600" algn="r" defTabSz="914400" rtl="1" eaLnBrk="1" latinLnBrk="0" hangingPunct="1">
+      <a:defRPr sz="1800" kern="1200">
+        <a:solidFill>
+          <a:schemeClr val="tx1"/>
+        </a:solidFill>
+        <a:latin typeface="+mn-lt"/>
+        <a:ea typeface="+mn-ea"/>
+        <a:cs typeface="+mn-cs"/>
+      </a:defRPr>
+    </a:lvl4pPr>
+    <a:lvl5pPr marL="1828800" algn="r" defTabSz="914400" rtl="1" eaLnBrk="1" latinLnBrk="0" hangingPunct="1">
+      <a:defRPr sz="1800" kern="1200">
+        <a:solidFill>
+          <a:schemeClr val="tx1"/>
+        </a:solidFill>
+        <a:latin typeface="+mn-lt"/>
+        <a:ea typeface="+mn-ea"/>
+        <a:cs typeface="+mn-cs"/>
+      </a:defRPr>
+    </a:lvl5pPr>
+    <a:lvl6pPr marL="2286000" algn="r" defTabSz="914400" rtl="1" eaLnBrk="1" latinLnBrk="0" hangingPunct="1">
+      <a:defRPr sz="1800" kern="1200">
+        <a:solidFill>
+          <a:schemeClr val="tx1"/>
+        </a:solidFill>
+        <a:latin typeface="+mn-lt"/>
+        <a:ea typeface="+mn-ea"/>
+        <a:cs typeface="+mn-cs"/>
+      </a:defRPr>
+    </a:lvl6pPr>
+    <a:lvl7pPr marL="2743200" algn="r" defTabSz="914400" rtl="1" eaLnBrk="1" latinLnBrk="0" hangingPunct="1">
+      <a:defRPr sz="1800" kern="1200">
+        <a:solidFill>
+          <a:schemeClr val="tx1"/>
+        </a:solidFill>
+        <a:latin typeface="+mn-lt"/>
+        <a:ea typeface="+mn-ea"/>
+        <a:cs typeface="+mn-cs"/>
+      </a:defRPr>
+    </a:lvl7pPr>
+    <a:lvl8pPr marL="3200400" algn="r" defTabSz="914400" rtl="1" eaLnBrk="1" latinLnBrk="0" hangingPunct="1">
+      <a:defRPr sz="1800" kern="1200">
+        <a:solidFill>
+          <a:schemeClr val="tx1"/>
+        </a:solidFill>
+        <a:latin typeface="+mn-lt"/>
+        <a:ea typeface="+mn-ea"/>
+        <a:cs typeface="+mn-cs"/>
+      </a:defRPr>
+    </a:lvl8pPr>
+    <a:lvl9pPr marL="3657600" algn="r" defTabSz="914400" rtl="1" eaLnBrk="1" latinLnBrk="0" hangingPunct="1">
+      <a:defRPr sz="1800" kern="1200">
+        <a:solidFill>
+          <a:schemeClr val="tx1"/>
+        </a:solidFill>
+        <a:latin typeface="+mn-lt"/>
+        <a:ea typeface="+mn-ea"/>
+        <a:cs typeface="+mn-cs"/>
+      </a:defRPr>
+    </a:lvl9pPr>
+  </p:defaultTextStyle>
 </p:presentation>
 </file>
 
 <file path=ppt/notesMasters/notesMaster1.xml><?xml version="1.0" encoding="utf-8"?>
-<p:notesMaster xmlns:a="http://schemas.openxmlformats.org/drawingml/2006/main" xmlns:p="http://schemas.openxmlformats.org/presentationml/2006/main" xmlns:r="http://schemas.openxmlformats.org/officeDocument/2006/relationships">
+<p:notesMaster xmlns:a="http://schemas.openxmlformats.org/drawingml/2006/main" xmlns:r="http://schemas.openxmlformats.org/officeDocument/2006/relationships" xmlns:p="http://schemas.openxmlformats.org/presentationml/2006/main">
+  <p:cSld>
+    <p:bg>
+      <p:bgRef idx="1001">
+        <a:schemeClr val="bg1"/>
+      </p:bgRef>
+    </p:bg>
+    <p:spTree>
+      <p:nvGrpSpPr>
+        <p:cNvPr id="1" name=""/>
+        <p:cNvGrpSpPr/>
+        <p:nvPr/>
+      </p:nvGrpSpPr>
+      <p:grpSpPr>
+        <a:xfrm>
+          <a:off x="0" y="0"/>
+          <a:ext cx="0" cy="0"/>
+          <a:chOff x="0" y="0"/>
+          <a:chExt cx="0" cy="0"/>
+        </a:xfrm>
+      </p:grpSpPr>
+      <p:sp>
+        <p:nvSpPr>
+          <p:cNvPr id="112" name="PlaceHolder 1"/>
+          <p:cNvSpPr>
+            <a:spLocks noGrp="1"/>
+          </p:cNvSpPr>
+          <p:nvPr>
+            <p:ph type="body"/>
+          </p:nvPr>
+        </p:nvSpPr>
+        <p:spPr>
+          <a:xfrm>
+            <a:off x="756000" y="5078520"/>
+            <a:ext cx="6047640" cy="4811040"/>
+          </a:xfrm>
+          <a:prstGeom prst="rect">
+            <a:avLst/>
+          </a:prstGeom>
+        </p:spPr>
+        <p:txBody>
+          <a:bodyPr lIns="0" tIns="0" rIns="0" bIns="0"/>
+          <a:lstStyle/>
+          <a:p>
+            <a:r>
+              <a:rPr lang="x-none" sz="2000">
+                <a:latin typeface="Arial"/>
+              </a:rPr>
+              <a:t>Click to edit the notes format</a:t>
+            </a:r>
+            <a:endParaRPr/>
+          </a:p>
+        </p:txBody>
+      </p:sp>
+      <p:sp>
+        <p:nvSpPr>
+          <p:cNvPr id="113" name="PlaceHolder 2"/>
+          <p:cNvSpPr>
+            <a:spLocks noGrp="1"/>
+          </p:cNvSpPr>
+          <p:nvPr>
+            <p:ph type="hdr"/>
+          </p:nvPr>
+        </p:nvSpPr>
+        <p:spPr>
+          <a:xfrm>
+            <a:off x="0" y="0"/>
+            <a:ext cx="3280680" cy="534240"/>
+          </a:xfrm>
+          <a:prstGeom prst="rect">
+            <a:avLst/>
+          </a:prstGeom>
+        </p:spPr>
+        <p:txBody>
+          <a:bodyPr lIns="0" tIns="0" rIns="0" bIns="0"/>
+          <a:lstStyle/>
+          <a:p>
+            <a:r>
+              <a:rPr lang="x-none" sz="1400">
+                <a:latin typeface="Times New Roman"/>
+              </a:rPr>
+              <a:t>&lt;header&gt;</a:t>
+            </a:r>
+            <a:endParaRPr/>
+          </a:p>
+        </p:txBody>
+      </p:sp>
+      <p:sp>
+        <p:nvSpPr>
+          <p:cNvPr id="114" name="PlaceHolder 3"/>
+          <p:cNvSpPr>
+            <a:spLocks noGrp="1"/>
+          </p:cNvSpPr>
+          <p:nvPr>
+            <p:ph type="dt"/>
+          </p:nvPr>
+        </p:nvSpPr>
+        <p:spPr>
+          <a:xfrm>
+            <a:off x="4278960" y="0"/>
+            <a:ext cx="3280680" cy="534240"/>
+          </a:xfrm>
+          <a:prstGeom prst="rect">
+            <a:avLst/>
+          </a:prstGeom>
+        </p:spPr>
+        <p:txBody>
+          <a:bodyPr lIns="0" tIns="0" rIns="0" bIns="0"/>
+          <a:lstStyle/>
+          <a:p>
+            <a:pPr algn="r"/>
+            <a:r>
+              <a:rPr lang="x-none" sz="1400">
+                <a:latin typeface="Times New Roman"/>
+              </a:rPr>
+              <a:t>&lt;date/time&gt;</a:t>
+            </a:r>
+            <a:endParaRPr/>
+          </a:p>
+        </p:txBody>
+      </p:sp>
+      <p:sp>
+        <p:nvSpPr>
+          <p:cNvPr id="115" name="PlaceHolder 4"/>
+          <p:cNvSpPr>
+            <a:spLocks noGrp="1"/>
+          </p:cNvSpPr>
+          <p:nvPr>
+            <p:ph type="ftr"/>
+          </p:nvPr>
+        </p:nvSpPr>
+        <p:spPr>
+          <a:xfrm>
+            <a:off x="0" y="10157400"/>
+            <a:ext cx="3280680" cy="534240"/>
+          </a:xfrm>
+          <a:prstGeom prst="rect">
+            <a:avLst/>
+          </a:prstGeom>
+        </p:spPr>
+        <p:txBody>
+          <a:bodyPr lIns="0" tIns="0" rIns="0" bIns="0" anchor="b"/>
+          <a:lstStyle/>
+          <a:p>
+            <a:r>
+              <a:rPr lang="x-none" sz="1400">
+                <a:latin typeface="Times New Roman"/>
+              </a:rPr>
+              <a:t>&lt;footer&gt;</a:t>
+            </a:r>
+            <a:endParaRPr/>
+          </a:p>
+        </p:txBody>
+      </p:sp>
+      <p:sp>
+        <p:nvSpPr>
+          <p:cNvPr id="116" name="PlaceHolder 5"/>
+          <p:cNvSpPr>
+            <a:spLocks noGrp="1"/>
+          </p:cNvSpPr>
+          <p:nvPr>
+            <p:ph type="sldNum"/>
+          </p:nvPr>
+        </p:nvSpPr>
+        <p:spPr>
+          <a:xfrm>
+            <a:off x="4278960" y="10157400"/>
+            <a:ext cx="3280680" cy="534240"/>
+          </a:xfrm>
+          <a:prstGeom prst="rect">
+            <a:avLst/>
+          </a:prstGeom>
+        </p:spPr>
+        <p:txBody>
+          <a:bodyPr lIns="0" tIns="0" rIns="0" bIns="0" anchor="b"/>
+          <a:lstStyle/>
+          <a:p>
+            <a:pPr algn="r"/>
+            <a:fld id="{5CABE2CA-FB66-41AC-915A-4C58267DCF51}" type="slidenum">
+              <a:rPr lang="x-none" sz="1400">
+                <a:latin typeface="Times New Roman"/>
+              </a:rPr>
+              <a:t>‹#›</a:t>
+            </a:fld>
+            <a:endParaRPr/>
+          </a:p>
+        </p:txBody>
+      </p:sp>
+    </p:spTree>
+    <p:extLst>
+      <p:ext uri="{BB962C8B-B14F-4D97-AF65-F5344CB8AC3E}">
+        <p14:creationId xmlns:p14="http://schemas.microsoft.com/office/powerpoint/2010/main" val="3109536177"/>
+      </p:ext>
+    </p:extLst>
+  </p:cSld>
+  <p:clrMap bg1="lt1" tx1="dk1" bg2="lt2" tx2="dk2" accent1="accent1" accent2="accent2" accent3="accent3" accent4="accent4" accent5="accent5" accent6="accent6" hlink="hlink" folHlink="folHlink"/>
+  <p:notesStyle>
+    <a:lvl1pPr marL="0" algn="r" defTabSz="914400" rtl="1" eaLnBrk="1" latinLnBrk="0" hangingPunct="1">
+      <a:defRPr sz="1200" kern="1200">
+        <a:solidFill>
+          <a:schemeClr val="tx1"/>
+        </a:solidFill>
+        <a:latin typeface="+mn-lt"/>
+        <a:ea typeface="+mn-ea"/>
+        <a:cs typeface="+mn-cs"/>
+      </a:defRPr>
+    </a:lvl1pPr>
+    <a:lvl2pPr marL="457200" algn="r" defTabSz="914400" rtl="1" eaLnBrk="1" latinLnBrk="0" hangingPunct="1">
+      <a:defRPr sz="1200" kern="1200">
+        <a:solidFill>
+          <a:schemeClr val="tx1"/>
+        </a:solidFill>
+        <a:latin typeface="+mn-lt"/>
+        <a:ea typeface="+mn-ea"/>
+        <a:cs typeface="+mn-cs"/>
+      </a:defRPr>
+    </a:lvl2pPr>
+    <a:lvl3pPr marL="914400" algn="r" defTabSz="914400" rtl="1" eaLnBrk="1" latinLnBrk="0" hangingPunct="1">
+      <a:defRPr sz="1200" kern="1200">
+        <a:solidFill>
+          <a:schemeClr val="tx1"/>
+        </a:solidFill>
+        <a:latin typeface="+mn-lt"/>
+        <a:ea typeface="+mn-ea"/>
+        <a:cs typeface="+mn-cs"/>
+      </a:defRPr>
+    </a:lvl3pPr>
+    <a:lvl4pPr marL="1371600" algn="r" defTabSz="914400" rtl="1" eaLnBrk="1" latinLnBrk="0" hangingPunct="1">
+      <a:defRPr sz="1200" kern="1200">
+        <a:solidFill>
+          <a:schemeClr val="tx1"/>
+        </a:solidFill>
+        <a:latin typeface="+mn-lt"/>
+        <a:ea typeface="+mn-ea"/>
+        <a:cs typeface="+mn-cs"/>
+      </a:defRPr>
+    </a:lvl4pPr>
+    <a:lvl5pPr marL="1828800" algn="r" defTabSz="914400" rtl="1" eaLnBrk="1" latinLnBrk="0" hangingPunct="1">
+      <a:defRPr sz="1200" kern="1200">
+        <a:solidFill>
+          <a:schemeClr val="tx1"/>
+        </a:solidFill>
+        <a:latin typeface="+mn-lt"/>
+        <a:ea typeface="+mn-ea"/>
+        <a:cs typeface="+mn-cs"/>
+      </a:defRPr>
+    </a:lvl5pPr>
+    <a:lvl6pPr marL="2286000" algn="r" defTabSz="914400" rtl="1" eaLnBrk="1" latinLnBrk="0" hangingPunct="1">
+      <a:defRPr sz="1200" kern="1200">
+        <a:solidFill>
+          <a:schemeClr val="tx1"/>
+        </a:solidFill>
+        <a:latin typeface="+mn-lt"/>
+        <a:ea typeface="+mn-ea"/>
+        <a:cs typeface="+mn-cs"/>
+      </a:defRPr>
+    </a:lvl6pPr>
+    <a:lvl7pPr marL="2743200" algn="r" defTabSz="914400" rtl="1" eaLnBrk="1" latinLnBrk="0" hangingPunct="1">
+      <a:defRPr sz="1200" kern="1200">
+        <a:solidFill>
+          <a:schemeClr val="tx1"/>
+        </a:solidFill>
+        <a:latin typeface="+mn-lt"/>
+        <a:ea typeface="+mn-ea"/>
+        <a:cs typeface="+mn-cs"/>
+      </a:defRPr>
+    </a:lvl7pPr>
+    <a:lvl8pPr marL="3200400" algn="r" defTabSz="914400" rtl="1" eaLnBrk="1" latinLnBrk="0" hangingPunct="1">
+      <a:defRPr sz="1200" kern="1200">
+        <a:solidFill>
+          <a:schemeClr val="tx1"/>
+        </a:solidFill>
+        <a:latin typeface="+mn-lt"/>
+        <a:ea typeface="+mn-ea"/>
+        <a:cs typeface="+mn-cs"/>
+      </a:defRPr>
+    </a:lvl8pPr>
+    <a:lvl9pPr marL="3657600" algn="r" defTabSz="914400" rtl="1" eaLnBrk="1" latinLnBrk="0" hangingPunct="1">
+      <a:defRPr sz="1200" kern="1200">
+        <a:solidFill>
+          <a:schemeClr val="tx1"/>
+        </a:solidFill>
+        <a:latin typeface="+mn-lt"/>
+        <a:ea typeface="+mn-ea"/>
+        <a:cs typeface="+mn-cs"/>
+      </a:defRPr>
+    </a:lvl9pPr>
+  </p:notesStyle>
+</p:notesMaster>
+</file>
+
+<file path=ppt/notesSlides/notesSlide1.xml><?xml version="1.0" encoding="utf-8"?>
+<p:notes xmlns:a="http://schemas.openxmlformats.org/drawingml/2006/main" xmlns:r="http://schemas.openxmlformats.org/officeDocument/2006/relationships" xmlns:p="http://schemas.openxmlformats.org/presentationml/2006/main">
   <p:cSld>
     <p:spTree>
       <p:nvGrpSpPr>
@@ -55,7 +442,7 @@
       </p:grpSpPr>
       <p:sp>
         <p:nvSpPr>
-          <p:cNvPr id="112" name="PlaceHolder 1"/>
+          <p:cNvPr id="178" name="PlaceHolder 1"/>
           <p:cNvSpPr>
             <a:spLocks noGrp="1"/>
           </p:cNvSpPr>
@@ -65,164 +452,61 @@
         </p:nvSpPr>
         <p:spPr>
           <a:xfrm>
-            <a:off x="756000" y="5078520"/>
-            <a:ext cx="6047640" cy="4811040"/>
-          </a:xfrm>
-          <a:prstGeom prst="rect">
-            <a:avLst/>
-          </a:prstGeom>
-        </p:spPr>
-        <p:txBody>
-          <a:bodyPr lIns="0" rIns="0" tIns="0" bIns="0"/>
-          <a:p>
-            <a:r>
-              <a:rPr lang="zxx" sz="2000">
+            <a:off x="685800" y="4343400"/>
+            <a:ext cx="5485680" cy="4114080"/>
+          </a:xfrm>
+          <a:prstGeom prst="rect">
+            <a:avLst/>
+          </a:prstGeom>
+        </p:spPr>
+        <p:txBody>
+          <a:bodyPr lIns="0" tIns="91440" rIns="0" bIns="91440"/>
+          <a:lstStyle/>
+          <a:p>
+            <a:pPr>
+              <a:lnSpc>
+                <a:spcPct val="100000"/>
+              </a:lnSpc>
+            </a:pPr>
+            <a:r>
+              <a:rPr lang="x-none" sz="1100">
                 <a:latin typeface="Arial"/>
               </a:rPr>
-              <a:t>Click to edit the notes format</a:t>
-            </a:r>
-            <a:endParaRPr/>
-          </a:p>
-        </p:txBody>
-      </p:sp>
-      <p:sp>
-        <p:nvSpPr>
-          <p:cNvPr id="113" name="PlaceHolder 2"/>
-          <p:cNvSpPr>
-            <a:spLocks noGrp="1"/>
-          </p:cNvSpPr>
-          <p:nvPr>
-            <p:ph type="hdr"/>
-          </p:nvPr>
-        </p:nvSpPr>
-        <p:spPr>
-          <a:xfrm>
-            <a:off x="0" y="0"/>
-            <a:ext cx="3280680" cy="534240"/>
-          </a:xfrm>
-          <a:prstGeom prst="rect">
-            <a:avLst/>
-          </a:prstGeom>
-        </p:spPr>
-        <p:txBody>
-          <a:bodyPr lIns="0" rIns="0" tIns="0" bIns="0"/>
-          <a:p>
-            <a:r>
-              <a:rPr lang="zxx" sz="1400">
-                <a:latin typeface="Times New Roman"/>
-              </a:rPr>
-              <a:t>&lt;header&gt;</a:t>
-            </a:r>
-            <a:endParaRPr/>
-          </a:p>
-        </p:txBody>
-      </p:sp>
-      <p:sp>
-        <p:nvSpPr>
-          <p:cNvPr id="114" name="PlaceHolder 3"/>
-          <p:cNvSpPr>
-            <a:spLocks noGrp="1"/>
-          </p:cNvSpPr>
-          <p:nvPr>
-            <p:ph type="dt"/>
-          </p:nvPr>
-        </p:nvSpPr>
-        <p:spPr>
-          <a:xfrm>
-            <a:off x="4278960" y="0"/>
-            <a:ext cx="3280680" cy="534240"/>
-          </a:xfrm>
-          <a:prstGeom prst="rect">
-            <a:avLst/>
-          </a:prstGeom>
-        </p:spPr>
-        <p:txBody>
-          <a:bodyPr lIns="0" rIns="0" tIns="0" bIns="0"/>
-          <a:p>
-            <a:pPr algn="r"/>
-            <a:r>
-              <a:rPr lang="zxx" sz="1400">
-                <a:latin typeface="Times New Roman"/>
-              </a:rPr>
-              <a:t>&lt;date/time&gt;</a:t>
-            </a:r>
-            <a:endParaRPr/>
-          </a:p>
-        </p:txBody>
-      </p:sp>
-      <p:sp>
-        <p:nvSpPr>
-          <p:cNvPr id="115" name="PlaceHolder 4"/>
-          <p:cNvSpPr>
-            <a:spLocks noGrp="1"/>
-          </p:cNvSpPr>
-          <p:nvPr>
-            <p:ph type="ftr"/>
-          </p:nvPr>
-        </p:nvSpPr>
-        <p:spPr>
-          <a:xfrm>
-            <a:off x="0" y="10157400"/>
-            <a:ext cx="3280680" cy="534240"/>
-          </a:xfrm>
-          <a:prstGeom prst="rect">
-            <a:avLst/>
-          </a:prstGeom>
-        </p:spPr>
-        <p:txBody>
-          <a:bodyPr lIns="0" rIns="0" tIns="0" bIns="0" anchor="b"/>
-          <a:p>
-            <a:r>
-              <a:rPr lang="zxx" sz="1400">
-                <a:latin typeface="Times New Roman"/>
-              </a:rPr>
-              <a:t>&lt;footer&gt;</a:t>
-            </a:r>
-            <a:endParaRPr/>
-          </a:p>
-        </p:txBody>
-      </p:sp>
-      <p:sp>
-        <p:nvSpPr>
-          <p:cNvPr id="116" name="PlaceHolder 5"/>
-          <p:cNvSpPr>
-            <a:spLocks noGrp="1"/>
-          </p:cNvSpPr>
-          <p:nvPr>
-            <p:ph type="sldNum"/>
-          </p:nvPr>
-        </p:nvSpPr>
-        <p:spPr>
-          <a:xfrm>
-            <a:off x="4278960" y="10157400"/>
-            <a:ext cx="3280680" cy="534240"/>
-          </a:xfrm>
-          <a:prstGeom prst="rect">
-            <a:avLst/>
-          </a:prstGeom>
-        </p:spPr>
-        <p:txBody>
-          <a:bodyPr lIns="0" rIns="0" tIns="0" bIns="0" anchor="b"/>
-          <a:p>
-            <a:pPr algn="r"/>
-            <a:fld id="{5CABE2CA-FB66-41AC-915A-4C58267DCF51}" type="slidenum">
-              <a:rPr lang="zxx" sz="1400">
-                <a:latin typeface="Times New Roman"/>
-              </a:rPr>
-              <a:t>&lt;number&gt;</a:t>
-            </a:fld>
+              <a:t>Only non negative numbers could be defined as squared</a:t>
+            </a:r>
+            <a:endParaRPr/>
+          </a:p>
+          <a:p>
+            <a:pPr>
+              <a:lnSpc>
+                <a:spcPct val="100000"/>
+              </a:lnSpc>
+            </a:pPr>
+            <a:r>
+              <a:rPr lang="x-none" sz="1100">
+                <a:latin typeface="Arial"/>
+              </a:rPr>
+              <a:t>Peak at 100% are probably sequence of squared numbers or cyclical sequences with squared numbers</a:t>
+            </a:r>
             <a:endParaRPr/>
           </a:p>
         </p:txBody>
       </p:sp>
     </p:spTree>
+    <p:extLst>
+      <p:ext uri="{BB962C8B-B14F-4D97-AF65-F5344CB8AC3E}">
+        <p14:creationId xmlns:p14="http://schemas.microsoft.com/office/powerpoint/2010/main" val="2020269604"/>
+      </p:ext>
+    </p:extLst>
   </p:cSld>
-  <p:clrMap bg1="lt1" bg2="lt2" tx1="dk1" tx2="dk2" accent1="accent1" accent2="accent2" accent3="accent3" accent4="accent4" accent5="accent5" accent6="accent6" hlink="hlink" folHlink="folHlink"/>
-</p:notesMaster>
+  <p:clrMapOvr>
+    <a:masterClrMapping/>
+  </p:clrMapOvr>
+</p:notes>
 </file>
 
-<file path=ppt/notesSlides/notesSlide10.xml><?xml version="1.0" encoding="utf-8"?>
-<p:notes xmlns:a="http://schemas.openxmlformats.org/drawingml/2006/main" xmlns:p="http://schemas.openxmlformats.org/presentationml/2006/main" xmlns:r="http://schemas.openxmlformats.org/officeDocument/2006/relationships">
+<file path=ppt/notesSlides/notesSlide2.xml><?xml version="1.0" encoding="utf-8"?>
+<p:notes xmlns:a="http://schemas.openxmlformats.org/drawingml/2006/main" xmlns:r="http://schemas.openxmlformats.org/officeDocument/2006/relationships" xmlns:p="http://schemas.openxmlformats.org/presentationml/2006/main">
   <p:cSld>
     <p:spTree>
       <p:nvGrpSpPr>
@@ -240,7 +524,7 @@
       </p:grpSpPr>
       <p:sp>
         <p:nvSpPr>
-          <p:cNvPr id="181" name="PlaceHolder 1"/>
+          <p:cNvPr id="179" name="PlaceHolder 1"/>
           <p:cNvSpPr>
             <a:spLocks noGrp="1"/>
           </p:cNvSpPr>
@@ -258,7 +542,8 @@
           </a:prstGeom>
         </p:spPr>
         <p:txBody>
-          <a:bodyPr lIns="0" rIns="0" tIns="91440" bIns="91440"/>
+          <a:bodyPr lIns="0" tIns="91440" rIns="0" bIns="91440"/>
+          <a:lstStyle/>
           <a:p>
             <a:pPr>
               <a:lnSpc>
@@ -266,22 +551,46 @@
               </a:lnSpc>
             </a:pPr>
             <a:r>
-              <a:rPr lang="zxx" sz="1100">
+              <a:rPr lang="x-none" sz="1100">
                 <a:latin typeface="Arial"/>
               </a:rPr>
-              <a:t>Brown represents the sequences where the median was negative. In this graph we took the negative of these medians so we could show it in  log scale</a:t>
-            </a:r>
+              <a:t>Only non negative numbers could be defined as cubed</a:t>
+            </a:r>
+            <a:endParaRPr/>
+          </a:p>
+          <a:p>
+            <a:pPr>
+              <a:lnSpc>
+                <a:spcPct val="100000"/>
+              </a:lnSpc>
+            </a:pPr>
+            <a:endParaRPr/>
+          </a:p>
+          <a:p>
+            <a:pPr>
+              <a:lnSpc>
+                <a:spcPct val="100000"/>
+              </a:lnSpc>
+            </a:pPr>
             <a:endParaRPr/>
           </a:p>
         </p:txBody>
       </p:sp>
     </p:spTree>
+    <p:extLst>
+      <p:ext uri="{BB962C8B-B14F-4D97-AF65-F5344CB8AC3E}">
+        <p14:creationId xmlns:p14="http://schemas.microsoft.com/office/powerpoint/2010/main" val="3037933673"/>
+      </p:ext>
+    </p:extLst>
   </p:cSld>
+  <p:clrMapOvr>
+    <a:masterClrMapping/>
+  </p:clrMapOvr>
 </p:notes>
 </file>
 
-<file path=ppt/notesSlides/notesSlide12.xml><?xml version="1.0" encoding="utf-8"?>
-<p:notes xmlns:a="http://schemas.openxmlformats.org/drawingml/2006/main" xmlns:p="http://schemas.openxmlformats.org/presentationml/2006/main" xmlns:r="http://schemas.openxmlformats.org/officeDocument/2006/relationships">
+<file path=ppt/notesSlides/notesSlide3.xml><?xml version="1.0" encoding="utf-8"?>
+<p:notes xmlns:a="http://schemas.openxmlformats.org/drawingml/2006/main" xmlns:r="http://schemas.openxmlformats.org/officeDocument/2006/relationships" xmlns:p="http://schemas.openxmlformats.org/presentationml/2006/main">
   <p:cSld>
     <p:spTree>
       <p:nvGrpSpPr>
@@ -299,7 +608,7 @@
       </p:grpSpPr>
       <p:sp>
         <p:nvSpPr>
-          <p:cNvPr id="182" name="PlaceHolder 1"/>
+          <p:cNvPr id="180" name="PlaceHolder 1"/>
           <p:cNvSpPr>
             <a:spLocks noGrp="1"/>
           </p:cNvSpPr>
@@ -317,30 +626,41 @@
           </a:prstGeom>
         </p:spPr>
         <p:txBody>
-          <a:bodyPr lIns="0" rIns="0" tIns="91440" bIns="91440"/>
+          <a:bodyPr lIns="0" tIns="91440" rIns="0" bIns="91440"/>
+          <a:lstStyle/>
           <a:p>
             <a:pPr>
               <a:lnSpc>
                 <a:spcPct val="100000"/>
               </a:lnSpc>
             </a:pPr>
-            <a:r>
-              <a:rPr lang="zxx" sz="1100">
-                <a:latin typeface="Arial"/>
-              </a:rPr>
-              <a:t>Only non-negative numbers could be prime.</a:t>
-            </a:r>
+            <a:endParaRPr/>
+          </a:p>
+          <a:p>
+            <a:pPr>
+              <a:lnSpc>
+                <a:spcPct val="100000"/>
+              </a:lnSpc>
+            </a:pPr>
             <a:endParaRPr/>
           </a:p>
         </p:txBody>
       </p:sp>
     </p:spTree>
+    <p:extLst>
+      <p:ext uri="{BB962C8B-B14F-4D97-AF65-F5344CB8AC3E}">
+        <p14:creationId xmlns:p14="http://schemas.microsoft.com/office/powerpoint/2010/main" val="3295984644"/>
+      </p:ext>
+    </p:extLst>
   </p:cSld>
+  <p:clrMapOvr>
+    <a:masterClrMapping/>
+  </p:clrMapOvr>
 </p:notes>
 </file>
 
-<file path=ppt/notesSlides/notesSlide13.xml><?xml version="1.0" encoding="utf-8"?>
-<p:notes xmlns:a="http://schemas.openxmlformats.org/drawingml/2006/main" xmlns:p="http://schemas.openxmlformats.org/presentationml/2006/main" xmlns:r="http://schemas.openxmlformats.org/officeDocument/2006/relationships">
+<file path=ppt/notesSlides/notesSlide4.xml><?xml version="1.0" encoding="utf-8"?>
+<p:notes xmlns:a="http://schemas.openxmlformats.org/drawingml/2006/main" xmlns:r="http://schemas.openxmlformats.org/officeDocument/2006/relationships" xmlns:p="http://schemas.openxmlformats.org/presentationml/2006/main">
   <p:cSld>
     <p:spTree>
       <p:nvGrpSpPr>
@@ -358,7 +678,7 @@
       </p:grpSpPr>
       <p:sp>
         <p:nvSpPr>
-          <p:cNvPr id="183" name="PlaceHolder 1"/>
+          <p:cNvPr id="181" name="PlaceHolder 1"/>
           <p:cNvSpPr>
             <a:spLocks noGrp="1"/>
           </p:cNvSpPr>
@@ -376,7 +696,8 @@
           </a:prstGeom>
         </p:spPr>
         <p:txBody>
-          <a:bodyPr lIns="0" rIns="0" tIns="91440" bIns="91440"/>
+          <a:bodyPr lIns="0" tIns="91440" rIns="0" bIns="91440"/>
+          <a:lstStyle/>
           <a:p>
             <a:pPr>
               <a:lnSpc>
@@ -384,22 +705,30 @@
               </a:lnSpc>
             </a:pPr>
             <a:r>
-              <a:rPr lang="zxx" sz="1100">
+              <a:rPr lang="x-none" sz="1100">
                 <a:latin typeface="Arial"/>
               </a:rPr>
-              <a:t>Since all sequence lengths were in the same order of magnitude (40-123) we  took the last 10 numbers in the sequence to define convergence</a:t>
+              <a:t>Brown represents the sequences where the median was negative. In this graph we took the negative of these medians so we could show it in  log scale</a:t>
             </a:r>
             <a:endParaRPr/>
           </a:p>
         </p:txBody>
       </p:sp>
     </p:spTree>
+    <p:extLst>
+      <p:ext uri="{BB962C8B-B14F-4D97-AF65-F5344CB8AC3E}">
+        <p14:creationId xmlns:p14="http://schemas.microsoft.com/office/powerpoint/2010/main" val="1000497364"/>
+      </p:ext>
+    </p:extLst>
   </p:cSld>
+  <p:clrMapOvr>
+    <a:masterClrMapping/>
+  </p:clrMapOvr>
 </p:notes>
 </file>
 
-<file path=ppt/notesSlides/notesSlide14.xml><?xml version="1.0" encoding="utf-8"?>
-<p:notes xmlns:a="http://schemas.openxmlformats.org/drawingml/2006/main" xmlns:p="http://schemas.openxmlformats.org/presentationml/2006/main" xmlns:r="http://schemas.openxmlformats.org/officeDocument/2006/relationships">
+<file path=ppt/notesSlides/notesSlide5.xml><?xml version="1.0" encoding="utf-8"?>
+<p:notes xmlns:a="http://schemas.openxmlformats.org/drawingml/2006/main" xmlns:r="http://schemas.openxmlformats.org/officeDocument/2006/relationships" xmlns:p="http://schemas.openxmlformats.org/presentationml/2006/main">
   <p:cSld>
     <p:spTree>
       <p:nvGrpSpPr>
@@ -417,7 +746,7 @@
       </p:grpSpPr>
       <p:sp>
         <p:nvSpPr>
-          <p:cNvPr id="184" name="PlaceHolder 1"/>
+          <p:cNvPr id="182" name="PlaceHolder 1"/>
           <p:cNvSpPr>
             <a:spLocks noGrp="1"/>
           </p:cNvSpPr>
@@ -435,7 +764,8 @@
           </a:prstGeom>
         </p:spPr>
         <p:txBody>
-          <a:bodyPr lIns="0" rIns="0" tIns="91440" bIns="91440"/>
+          <a:bodyPr lIns="0" tIns="91440" rIns="0" bIns="91440"/>
+          <a:lstStyle/>
           <a:p>
             <a:pPr>
               <a:lnSpc>
@@ -443,26 +773,30 @@
               </a:lnSpc>
             </a:pPr>
             <a:r>
-              <a:rPr lang="zxx" sz="1000">
-                <a:solidFill>
-                  <a:srgbClr val="404040"/>
-                </a:solidFill>
-                <a:latin typeface="Courier New"/>
-                <a:ea typeface="Courier New"/>
-              </a:rPr>
-              <a:t>p = seqperiod(x) returns the integer p that corresponds to the period of the sequence in a vector x. The period p is computed as the minimum length of a subsequence x(1:p) of x that repeats itself continuously every p samples in x</a:t>
+              <a:rPr lang="x-none" sz="1100">
+                <a:latin typeface="Arial"/>
+              </a:rPr>
+              <a:t>Only non-negative numbers could be prime.</a:t>
             </a:r>
             <a:endParaRPr/>
           </a:p>
         </p:txBody>
       </p:sp>
     </p:spTree>
+    <p:extLst>
+      <p:ext uri="{BB962C8B-B14F-4D97-AF65-F5344CB8AC3E}">
+        <p14:creationId xmlns:p14="http://schemas.microsoft.com/office/powerpoint/2010/main" val="1017107430"/>
+      </p:ext>
+    </p:extLst>
   </p:cSld>
+  <p:clrMapOvr>
+    <a:masterClrMapping/>
+  </p:clrMapOvr>
 </p:notes>
 </file>
 
-<file path=ppt/notesSlides/notesSlide7.xml><?xml version="1.0" encoding="utf-8"?>
-<p:notes xmlns:a="http://schemas.openxmlformats.org/drawingml/2006/main" xmlns:p="http://schemas.openxmlformats.org/presentationml/2006/main" xmlns:r="http://schemas.openxmlformats.org/officeDocument/2006/relationships">
+<file path=ppt/notesSlides/notesSlide6.xml><?xml version="1.0" encoding="utf-8"?>
+<p:notes xmlns:a="http://schemas.openxmlformats.org/drawingml/2006/main" xmlns:r="http://schemas.openxmlformats.org/officeDocument/2006/relationships" xmlns:p="http://schemas.openxmlformats.org/presentationml/2006/main">
   <p:cSld>
     <p:spTree>
       <p:nvGrpSpPr>
@@ -480,7 +814,7 @@
       </p:grpSpPr>
       <p:sp>
         <p:nvSpPr>
-          <p:cNvPr id="178" name="PlaceHolder 1"/>
+          <p:cNvPr id="183" name="PlaceHolder 1"/>
           <p:cNvSpPr>
             <a:spLocks noGrp="1"/>
           </p:cNvSpPr>
@@ -498,7 +832,8 @@
           </a:prstGeom>
         </p:spPr>
         <p:txBody>
-          <a:bodyPr lIns="0" rIns="0" tIns="91440" bIns="91440"/>
+          <a:bodyPr lIns="0" tIns="91440" rIns="0" bIns="91440"/>
+          <a:lstStyle/>
           <a:p>
             <a:pPr>
               <a:lnSpc>
@@ -506,36 +841,30 @@
               </a:lnSpc>
             </a:pPr>
             <a:r>
-              <a:rPr lang="zxx" sz="1100">
+              <a:rPr lang="x-none" sz="1100">
                 <a:latin typeface="Arial"/>
               </a:rPr>
-              <a:t>Only non negative numbers could be defined as squared</a:t>
-            </a:r>
-            <a:endParaRPr/>
-          </a:p>
-          <a:p>
-            <a:pPr>
-              <a:lnSpc>
-                <a:spcPct val="100000"/>
-              </a:lnSpc>
-            </a:pPr>
-            <a:r>
-              <a:rPr lang="zxx" sz="1100">
-                <a:latin typeface="Arial"/>
-              </a:rPr>
-              <a:t>Peak at 100% are probably sequence of squared numbers or cyclical sequences with squared numbers</a:t>
+              <a:t>Since all sequence lengths were in the same order of magnitude (40-123) we  took the last 10 numbers in the sequence to define convergence</a:t>
             </a:r>
             <a:endParaRPr/>
           </a:p>
         </p:txBody>
       </p:sp>
     </p:spTree>
+    <p:extLst>
+      <p:ext uri="{BB962C8B-B14F-4D97-AF65-F5344CB8AC3E}">
+        <p14:creationId xmlns:p14="http://schemas.microsoft.com/office/powerpoint/2010/main" val="1664342803"/>
+      </p:ext>
+    </p:extLst>
   </p:cSld>
+  <p:clrMapOvr>
+    <a:masterClrMapping/>
+  </p:clrMapOvr>
 </p:notes>
 </file>
 
-<file path=ppt/notesSlides/notesSlide8.xml><?xml version="1.0" encoding="utf-8"?>
-<p:notes xmlns:a="http://schemas.openxmlformats.org/drawingml/2006/main" xmlns:p="http://schemas.openxmlformats.org/presentationml/2006/main" xmlns:r="http://schemas.openxmlformats.org/officeDocument/2006/relationships">
+<file path=ppt/notesSlides/notesSlide7.xml><?xml version="1.0" encoding="utf-8"?>
+<p:notes xmlns:a="http://schemas.openxmlformats.org/drawingml/2006/main" xmlns:r="http://schemas.openxmlformats.org/officeDocument/2006/relationships" xmlns:p="http://schemas.openxmlformats.org/presentationml/2006/main">
   <p:cSld>
     <p:spTree>
       <p:nvGrpSpPr>
@@ -553,7 +882,7 @@
       </p:grpSpPr>
       <p:sp>
         <p:nvSpPr>
-          <p:cNvPr id="179" name="PlaceHolder 1"/>
+          <p:cNvPr id="184" name="PlaceHolder 1"/>
           <p:cNvSpPr>
             <a:spLocks noGrp="1"/>
           </p:cNvSpPr>
@@ -571,7 +900,8 @@
           </a:prstGeom>
         </p:spPr>
         <p:txBody>
-          <a:bodyPr lIns="0" rIns="0" tIns="91440" bIns="91440"/>
+          <a:bodyPr lIns="0" tIns="91440" rIns="0" bIns="91440"/>
+          <a:lstStyle/>
           <a:p>
             <a:pPr>
               <a:lnSpc>
@@ -579,99 +909,34 @@
               </a:lnSpc>
             </a:pPr>
             <a:r>
-              <a:rPr lang="zxx" sz="1100">
-                <a:latin typeface="Arial"/>
-              </a:rPr>
-              <a:t>Only non negative numbers could be defined as cubed</a:t>
-            </a:r>
-            <a:endParaRPr/>
-          </a:p>
-          <a:p>
-            <a:pPr>
-              <a:lnSpc>
-                <a:spcPct val="100000"/>
-              </a:lnSpc>
-            </a:pPr>
-            <a:endParaRPr/>
-          </a:p>
-          <a:p>
-            <a:pPr>
-              <a:lnSpc>
-                <a:spcPct val="100000"/>
-              </a:lnSpc>
-            </a:pPr>
+              <a:rPr lang="x-none" sz="1000">
+                <a:solidFill>
+                  <a:srgbClr val="404040"/>
+                </a:solidFill>
+                <a:latin typeface="Courier New"/>
+                <a:ea typeface="Courier New"/>
+              </a:rPr>
+              <a:t>p = seqperiod(x) returns the integer p that corresponds to the period of the sequence in a vector x. The period p is computed as the minimum length of a subsequence x(1:p) of x that repeats itself continuously every p samples in x</a:t>
+            </a:r>
             <a:endParaRPr/>
           </a:p>
         </p:txBody>
       </p:sp>
     </p:spTree>
+    <p:extLst>
+      <p:ext uri="{BB962C8B-B14F-4D97-AF65-F5344CB8AC3E}">
+        <p14:creationId xmlns:p14="http://schemas.microsoft.com/office/powerpoint/2010/main" val="1020038678"/>
+      </p:ext>
+    </p:extLst>
   </p:cSld>
-</p:notes>
-</file>
-
-<file path=ppt/notesSlides/notesSlide9.xml><?xml version="1.0" encoding="utf-8"?>
-<p:notes xmlns:a="http://schemas.openxmlformats.org/drawingml/2006/main" xmlns:p="http://schemas.openxmlformats.org/presentationml/2006/main" xmlns:r="http://schemas.openxmlformats.org/officeDocument/2006/relationships">
-  <p:cSld>
-    <p:spTree>
-      <p:nvGrpSpPr>
-        <p:cNvPr id="1" name=""/>
-        <p:cNvGrpSpPr/>
-        <p:nvPr/>
-      </p:nvGrpSpPr>
-      <p:grpSpPr>
-        <a:xfrm>
-          <a:off x="0" y="0"/>
-          <a:ext cx="0" cy="0"/>
-          <a:chOff x="0" y="0"/>
-          <a:chExt cx="0" cy="0"/>
-        </a:xfrm>
-      </p:grpSpPr>
-      <p:sp>
-        <p:nvSpPr>
-          <p:cNvPr id="180" name="PlaceHolder 1"/>
-          <p:cNvSpPr>
-            <a:spLocks noGrp="1"/>
-          </p:cNvSpPr>
-          <p:nvPr>
-            <p:ph type="body"/>
-          </p:nvPr>
-        </p:nvSpPr>
-        <p:spPr>
-          <a:xfrm>
-            <a:off x="685800" y="4343400"/>
-            <a:ext cx="5485680" cy="4114080"/>
-          </a:xfrm>
-          <a:prstGeom prst="rect">
-            <a:avLst/>
-          </a:prstGeom>
-        </p:spPr>
-        <p:txBody>
-          <a:bodyPr lIns="0" rIns="0" tIns="91440" bIns="91440"/>
-          <a:p>
-            <a:pPr>
-              <a:lnSpc>
-                <a:spcPct val="100000"/>
-              </a:lnSpc>
-            </a:pPr>
-            <a:endParaRPr/>
-          </a:p>
-          <a:p>
-            <a:pPr>
-              <a:lnSpc>
-                <a:spcPct val="100000"/>
-              </a:lnSpc>
-            </a:pPr>
-            <a:endParaRPr/>
-          </a:p>
-        </p:txBody>
-      </p:sp>
-    </p:spTree>
-  </p:cSld>
+  <p:clrMapOvr>
+    <a:masterClrMapping/>
+  </p:clrMapOvr>
 </p:notes>
 </file>
 
 <file path=ppt/slideLayouts/slideLayout1.xml><?xml version="1.0" encoding="utf-8"?>
-<p:sldLayout xmlns:a="http://schemas.openxmlformats.org/drawingml/2006/main" xmlns:p="http://schemas.openxmlformats.org/presentationml/2006/main" xmlns:r="http://schemas.openxmlformats.org/officeDocument/2006/relationships" type="blank" preserve="1">
+<p:sldLayout xmlns:a="http://schemas.openxmlformats.org/drawingml/2006/main" xmlns:r="http://schemas.openxmlformats.org/officeDocument/2006/relationships" xmlns:p="http://schemas.openxmlformats.org/presentationml/2006/main" type="blank" preserve="1">
   <p:cSld name="Blank Slide">
     <p:spTree>
       <p:nvGrpSpPr>
@@ -689,11 +954,14 @@
       </p:grpSpPr>
     </p:spTree>
   </p:cSld>
+  <p:clrMapOvr>
+    <a:masterClrMapping/>
+  </p:clrMapOvr>
 </p:sldLayout>
 </file>
 
 <file path=ppt/slideLayouts/slideLayout10.xml><?xml version="1.0" encoding="utf-8"?>
-<p:sldLayout xmlns:a="http://schemas.openxmlformats.org/drawingml/2006/main" xmlns:p="http://schemas.openxmlformats.org/presentationml/2006/main" xmlns:r="http://schemas.openxmlformats.org/officeDocument/2006/relationships" type="objOverTx" preserve="1">
+<p:sldLayout xmlns:a="http://schemas.openxmlformats.org/drawingml/2006/main" xmlns:r="http://schemas.openxmlformats.org/officeDocument/2006/relationships" xmlns:p="http://schemas.openxmlformats.org/presentationml/2006/main" type="objOverTx" preserve="1">
   <p:cSld name="Title, Content over Content">
     <p:spTree>
       <p:nvGrpSpPr>
@@ -729,7 +997,8 @@
           </a:prstGeom>
         </p:spPr>
         <p:txBody>
-          <a:bodyPr lIns="0" rIns="0" tIns="0" bIns="0" anchor="ctr"/>
+          <a:bodyPr lIns="0" tIns="0" rIns="0" bIns="0" anchor="ctr"/>
+          <a:lstStyle/>
           <a:p>
             <a:pPr algn="ctr"/>
             <a:endParaRPr/>
@@ -756,7 +1025,8 @@
           </a:prstGeom>
         </p:spPr>
         <p:txBody>
-          <a:bodyPr lIns="0" rIns="0" tIns="0" bIns="0"/>
+          <a:bodyPr lIns="0" tIns="0" rIns="0" bIns="0"/>
+          <a:lstStyle/>
           <a:p>
             <a:endParaRPr/>
           </a:p>
@@ -782,7 +1052,8 @@
           </a:prstGeom>
         </p:spPr>
         <p:txBody>
-          <a:bodyPr lIns="0" rIns="0" tIns="0" bIns="0"/>
+          <a:bodyPr lIns="0" tIns="0" rIns="0" bIns="0"/>
+          <a:lstStyle/>
           <a:p>
             <a:endParaRPr/>
           </a:p>
@@ -790,11 +1061,14 @@
       </p:sp>
     </p:spTree>
   </p:cSld>
+  <p:clrMapOvr>
+    <a:masterClrMapping/>
+  </p:clrMapOvr>
 </p:sldLayout>
 </file>
 
 <file path=ppt/slideLayouts/slideLayout11.xml><?xml version="1.0" encoding="utf-8"?>
-<p:sldLayout xmlns:a="http://schemas.openxmlformats.org/drawingml/2006/main" xmlns:p="http://schemas.openxmlformats.org/presentationml/2006/main" xmlns:r="http://schemas.openxmlformats.org/officeDocument/2006/relationships" type="fourObj" preserve="1">
+<p:sldLayout xmlns:a="http://schemas.openxmlformats.org/drawingml/2006/main" xmlns:r="http://schemas.openxmlformats.org/officeDocument/2006/relationships" xmlns:p="http://schemas.openxmlformats.org/presentationml/2006/main" type="fourObj" preserve="1">
   <p:cSld name="Title, 4 Content">
     <p:spTree>
       <p:nvGrpSpPr>
@@ -830,7 +1104,8 @@
           </a:prstGeom>
         </p:spPr>
         <p:txBody>
-          <a:bodyPr lIns="0" rIns="0" tIns="0" bIns="0" anchor="ctr"/>
+          <a:bodyPr lIns="0" tIns="0" rIns="0" bIns="0" anchor="ctr"/>
+          <a:lstStyle/>
           <a:p>
             <a:pPr algn="ctr"/>
             <a:endParaRPr/>
@@ -857,7 +1132,8 @@
           </a:prstGeom>
         </p:spPr>
         <p:txBody>
-          <a:bodyPr lIns="0" rIns="0" tIns="0" bIns="0"/>
+          <a:bodyPr lIns="0" tIns="0" rIns="0" bIns="0"/>
+          <a:lstStyle/>
           <a:p>
             <a:endParaRPr/>
           </a:p>
@@ -883,7 +1159,8 @@
           </a:prstGeom>
         </p:spPr>
         <p:txBody>
-          <a:bodyPr lIns="0" rIns="0" tIns="0" bIns="0"/>
+          <a:bodyPr lIns="0" tIns="0" rIns="0" bIns="0"/>
+          <a:lstStyle/>
           <a:p>
             <a:endParaRPr/>
           </a:p>
@@ -909,7 +1186,8 @@
           </a:prstGeom>
         </p:spPr>
         <p:txBody>
-          <a:bodyPr lIns="0" rIns="0" tIns="0" bIns="0"/>
+          <a:bodyPr lIns="0" tIns="0" rIns="0" bIns="0"/>
+          <a:lstStyle/>
           <a:p>
             <a:endParaRPr/>
           </a:p>
@@ -935,7 +1213,8 @@
           </a:prstGeom>
         </p:spPr>
         <p:txBody>
-          <a:bodyPr lIns="0" rIns="0" tIns="0" bIns="0"/>
+          <a:bodyPr lIns="0" tIns="0" rIns="0" bIns="0"/>
+          <a:lstStyle/>
           <a:p>
             <a:endParaRPr/>
           </a:p>
@@ -943,11 +1222,14 @@
       </p:sp>
     </p:spTree>
   </p:cSld>
+  <p:clrMapOvr>
+    <a:masterClrMapping/>
+  </p:clrMapOvr>
 </p:sldLayout>
 </file>
 
 <file path=ppt/slideLayouts/slideLayout12.xml><?xml version="1.0" encoding="utf-8"?>
-<p:sldLayout xmlns:a="http://schemas.openxmlformats.org/drawingml/2006/main" xmlns:p="http://schemas.openxmlformats.org/presentationml/2006/main" xmlns:r="http://schemas.openxmlformats.org/officeDocument/2006/relationships" type="blank" preserve="1">
+<p:sldLayout xmlns:a="http://schemas.openxmlformats.org/drawingml/2006/main" xmlns:r="http://schemas.openxmlformats.org/officeDocument/2006/relationships" xmlns:p="http://schemas.openxmlformats.org/presentationml/2006/main" type="blank" preserve="1">
   <p:cSld name="Title, 6 Content">
     <p:spTree>
       <p:nvGrpSpPr>
@@ -983,7 +1265,8 @@
           </a:prstGeom>
         </p:spPr>
         <p:txBody>
-          <a:bodyPr lIns="0" rIns="0" tIns="0" bIns="0" anchor="ctr"/>
+          <a:bodyPr lIns="0" tIns="0" rIns="0" bIns="0" anchor="ctr"/>
+          <a:lstStyle/>
           <a:p>
             <a:pPr algn="ctr"/>
             <a:endParaRPr/>
@@ -1010,7 +1293,8 @@
           </a:prstGeom>
         </p:spPr>
         <p:txBody>
-          <a:bodyPr lIns="0" rIns="0" tIns="0" bIns="0"/>
+          <a:bodyPr lIns="0" tIns="0" rIns="0" bIns="0"/>
+          <a:lstStyle/>
           <a:p>
             <a:endParaRPr/>
           </a:p>
@@ -1036,7 +1320,8 @@
           </a:prstGeom>
         </p:spPr>
         <p:txBody>
-          <a:bodyPr lIns="0" rIns="0" tIns="0" bIns="0"/>
+          <a:bodyPr lIns="0" tIns="0" rIns="0" bIns="0"/>
+          <a:lstStyle/>
           <a:p>
             <a:endParaRPr/>
           </a:p>
@@ -1044,7 +1329,7 @@
       </p:sp>
       <p:pic>
         <p:nvPicPr>
-          <p:cNvPr id="36" name="" descr=""/>
+          <p:cNvPr id="36" name="Picture 35"/>
           <p:cNvPicPr/>
           <p:nvPr/>
         </p:nvPicPr>
@@ -1069,12 +1354,12 @@
       </p:pic>
       <p:pic>
         <p:nvPicPr>
-          <p:cNvPr id="37" name="" descr=""/>
+          <p:cNvPr id="37" name="Picture 36"/>
           <p:cNvPicPr/>
           <p:nvPr/>
         </p:nvPicPr>
         <p:blipFill>
-          <a:blip r:embed="rId3"/>
+          <a:blip r:embed="rId2"/>
           <a:stretch>
             <a:fillRect/>
           </a:stretch>
@@ -1094,11 +1379,14 @@
       </p:pic>
     </p:spTree>
   </p:cSld>
+  <p:clrMapOvr>
+    <a:masterClrMapping/>
+  </p:clrMapOvr>
 </p:sldLayout>
 </file>
 
 <file path=ppt/slideLayouts/slideLayout13.xml><?xml version="1.0" encoding="utf-8"?>
-<p:sldLayout xmlns:a="http://schemas.openxmlformats.org/drawingml/2006/main" xmlns:p="http://schemas.openxmlformats.org/presentationml/2006/main" xmlns:r="http://schemas.openxmlformats.org/officeDocument/2006/relationships" type="blank" preserve="1">
+<p:sldLayout xmlns:a="http://schemas.openxmlformats.org/drawingml/2006/main" xmlns:r="http://schemas.openxmlformats.org/officeDocument/2006/relationships" xmlns:p="http://schemas.openxmlformats.org/presentationml/2006/main" type="blank" preserve="1">
   <p:cSld name="Blank Slide">
     <p:spTree>
       <p:nvGrpSpPr>
@@ -1116,11 +1404,14 @@
       </p:grpSpPr>
     </p:spTree>
   </p:cSld>
+  <p:clrMapOvr>
+    <a:masterClrMapping/>
+  </p:clrMapOvr>
 </p:sldLayout>
 </file>
 
 <file path=ppt/slideLayouts/slideLayout14.xml><?xml version="1.0" encoding="utf-8"?>
-<p:sldLayout xmlns:a="http://schemas.openxmlformats.org/drawingml/2006/main" xmlns:p="http://schemas.openxmlformats.org/presentationml/2006/main" xmlns:r="http://schemas.openxmlformats.org/officeDocument/2006/relationships" type="tx" preserve="1">
+<p:sldLayout xmlns:a="http://schemas.openxmlformats.org/drawingml/2006/main" xmlns:r="http://schemas.openxmlformats.org/officeDocument/2006/relationships" xmlns:p="http://schemas.openxmlformats.org/presentationml/2006/main" type="tx" preserve="1">
   <p:cSld name="Title Slide">
     <p:spTree>
       <p:nvGrpSpPr>
@@ -1156,7 +1447,8 @@
           </a:prstGeom>
         </p:spPr>
         <p:txBody>
-          <a:bodyPr lIns="0" rIns="0" tIns="0" bIns="0" anchor="ctr"/>
+          <a:bodyPr lIns="0" tIns="0" rIns="0" bIns="0" anchor="ctr"/>
+          <a:lstStyle/>
           <a:p>
             <a:pPr algn="ctr"/>
             <a:endParaRPr/>
@@ -1183,7 +1475,8 @@
           </a:prstGeom>
         </p:spPr>
         <p:txBody>
-          <a:bodyPr lIns="0" rIns="0" tIns="0" bIns="0" anchor="ctr"/>
+          <a:bodyPr lIns="0" tIns="0" rIns="0" bIns="0" anchor="ctr"/>
+          <a:lstStyle/>
           <a:p>
             <a:pPr algn="ctr"/>
             <a:endParaRPr/>
@@ -1192,11 +1485,14 @@
       </p:sp>
     </p:spTree>
   </p:cSld>
+  <p:clrMapOvr>
+    <a:masterClrMapping/>
+  </p:clrMapOvr>
 </p:sldLayout>
 </file>
 
 <file path=ppt/slideLayouts/slideLayout15.xml><?xml version="1.0" encoding="utf-8"?>
-<p:sldLayout xmlns:a="http://schemas.openxmlformats.org/drawingml/2006/main" xmlns:p="http://schemas.openxmlformats.org/presentationml/2006/main" xmlns:r="http://schemas.openxmlformats.org/officeDocument/2006/relationships" type="obj" preserve="1">
+<p:sldLayout xmlns:a="http://schemas.openxmlformats.org/drawingml/2006/main" xmlns:r="http://schemas.openxmlformats.org/officeDocument/2006/relationships" xmlns:p="http://schemas.openxmlformats.org/presentationml/2006/main" type="obj" preserve="1">
   <p:cSld name="Title, Content">
     <p:spTree>
       <p:nvGrpSpPr>
@@ -1232,7 +1528,8 @@
           </a:prstGeom>
         </p:spPr>
         <p:txBody>
-          <a:bodyPr lIns="0" rIns="0" tIns="0" bIns="0" anchor="ctr"/>
+          <a:bodyPr lIns="0" tIns="0" rIns="0" bIns="0" anchor="ctr"/>
+          <a:lstStyle/>
           <a:p>
             <a:pPr algn="ctr"/>
             <a:endParaRPr/>
@@ -1259,7 +1556,8 @@
           </a:prstGeom>
         </p:spPr>
         <p:txBody>
-          <a:bodyPr lIns="0" rIns="0" tIns="0" bIns="0"/>
+          <a:bodyPr lIns="0" tIns="0" rIns="0" bIns="0"/>
+          <a:lstStyle/>
           <a:p>
             <a:endParaRPr/>
           </a:p>
@@ -1267,11 +1565,14 @@
       </p:sp>
     </p:spTree>
   </p:cSld>
+  <p:clrMapOvr>
+    <a:masterClrMapping/>
+  </p:clrMapOvr>
 </p:sldLayout>
 </file>
 
 <file path=ppt/slideLayouts/slideLayout16.xml><?xml version="1.0" encoding="utf-8"?>
-<p:sldLayout xmlns:a="http://schemas.openxmlformats.org/drawingml/2006/main" xmlns:p="http://schemas.openxmlformats.org/presentationml/2006/main" xmlns:r="http://schemas.openxmlformats.org/officeDocument/2006/relationships" type="twoObj" preserve="1">
+<p:sldLayout xmlns:a="http://schemas.openxmlformats.org/drawingml/2006/main" xmlns:r="http://schemas.openxmlformats.org/officeDocument/2006/relationships" xmlns:p="http://schemas.openxmlformats.org/presentationml/2006/main" type="twoObj" preserve="1">
   <p:cSld name="Title, 2 Content">
     <p:spTree>
       <p:nvGrpSpPr>
@@ -1307,7 +1608,8 @@
           </a:prstGeom>
         </p:spPr>
         <p:txBody>
-          <a:bodyPr lIns="0" rIns="0" tIns="0" bIns="0" anchor="ctr"/>
+          <a:bodyPr lIns="0" tIns="0" rIns="0" bIns="0" anchor="ctr"/>
+          <a:lstStyle/>
           <a:p>
             <a:pPr algn="ctr"/>
             <a:endParaRPr/>
@@ -1334,7 +1636,8 @@
           </a:prstGeom>
         </p:spPr>
         <p:txBody>
-          <a:bodyPr lIns="0" rIns="0" tIns="0" bIns="0"/>
+          <a:bodyPr lIns="0" tIns="0" rIns="0" bIns="0"/>
+          <a:lstStyle/>
           <a:p>
             <a:endParaRPr/>
           </a:p>
@@ -1360,7 +1663,8 @@
           </a:prstGeom>
         </p:spPr>
         <p:txBody>
-          <a:bodyPr lIns="0" rIns="0" tIns="0" bIns="0"/>
+          <a:bodyPr lIns="0" tIns="0" rIns="0" bIns="0"/>
+          <a:lstStyle/>
           <a:p>
             <a:endParaRPr/>
           </a:p>
@@ -1368,11 +1672,14 @@
       </p:sp>
     </p:spTree>
   </p:cSld>
+  <p:clrMapOvr>
+    <a:masterClrMapping/>
+  </p:clrMapOvr>
 </p:sldLayout>
 </file>
 
 <file path=ppt/slideLayouts/slideLayout17.xml><?xml version="1.0" encoding="utf-8"?>
-<p:sldLayout xmlns:a="http://schemas.openxmlformats.org/drawingml/2006/main" xmlns:p="http://schemas.openxmlformats.org/presentationml/2006/main" xmlns:r="http://schemas.openxmlformats.org/officeDocument/2006/relationships" type="titleOnly" preserve="1">
+<p:sldLayout xmlns:a="http://schemas.openxmlformats.org/drawingml/2006/main" xmlns:r="http://schemas.openxmlformats.org/officeDocument/2006/relationships" xmlns:p="http://schemas.openxmlformats.org/presentationml/2006/main" type="titleOnly" preserve="1">
   <p:cSld name="Title Only">
     <p:spTree>
       <p:nvGrpSpPr>
@@ -1408,7 +1715,8 @@
           </a:prstGeom>
         </p:spPr>
         <p:txBody>
-          <a:bodyPr lIns="0" rIns="0" tIns="0" bIns="0" anchor="ctr"/>
+          <a:bodyPr lIns="0" tIns="0" rIns="0" bIns="0" anchor="ctr"/>
+          <a:lstStyle/>
           <a:p>
             <a:pPr algn="ctr"/>
             <a:endParaRPr/>
@@ -1417,11 +1725,14 @@
       </p:sp>
     </p:spTree>
   </p:cSld>
+  <p:clrMapOvr>
+    <a:masterClrMapping/>
+  </p:clrMapOvr>
 </p:sldLayout>
 </file>
 
 <file path=ppt/slideLayouts/slideLayout18.xml><?xml version="1.0" encoding="utf-8"?>
-<p:sldLayout xmlns:a="http://schemas.openxmlformats.org/drawingml/2006/main" xmlns:p="http://schemas.openxmlformats.org/presentationml/2006/main" xmlns:r="http://schemas.openxmlformats.org/officeDocument/2006/relationships" type="objOnly" preserve="1">
+<p:sldLayout xmlns:a="http://schemas.openxmlformats.org/drawingml/2006/main" xmlns:r="http://schemas.openxmlformats.org/officeDocument/2006/relationships" xmlns:p="http://schemas.openxmlformats.org/presentationml/2006/main" type="objOnly" preserve="1">
   <p:cSld name="Centered Text">
     <p:spTree>
       <p:nvGrpSpPr>
@@ -1457,7 +1768,8 @@
           </a:prstGeom>
         </p:spPr>
         <p:txBody>
-          <a:bodyPr lIns="0" rIns="0" tIns="0" bIns="0" anchor="ctr"/>
+          <a:bodyPr lIns="0" tIns="0" rIns="0" bIns="0" anchor="ctr"/>
+          <a:lstStyle/>
           <a:p>
             <a:pPr algn="ctr"/>
             <a:endParaRPr/>
@@ -1466,11 +1778,14 @@
       </p:sp>
     </p:spTree>
   </p:cSld>
+  <p:clrMapOvr>
+    <a:masterClrMapping/>
+  </p:clrMapOvr>
 </p:sldLayout>
 </file>
 
 <file path=ppt/slideLayouts/slideLayout19.xml><?xml version="1.0" encoding="utf-8"?>
-<p:sldLayout xmlns:a="http://schemas.openxmlformats.org/drawingml/2006/main" xmlns:p="http://schemas.openxmlformats.org/presentationml/2006/main" xmlns:r="http://schemas.openxmlformats.org/officeDocument/2006/relationships" type="twoObjAndObj" preserve="1">
+<p:sldLayout xmlns:a="http://schemas.openxmlformats.org/drawingml/2006/main" xmlns:r="http://schemas.openxmlformats.org/officeDocument/2006/relationships" xmlns:p="http://schemas.openxmlformats.org/presentationml/2006/main" type="twoObjAndObj" preserve="1">
   <p:cSld name="Title, 2 Content and Content">
     <p:spTree>
       <p:nvGrpSpPr>
@@ -1506,7 +1821,8 @@
           </a:prstGeom>
         </p:spPr>
         <p:txBody>
-          <a:bodyPr lIns="0" rIns="0" tIns="0" bIns="0" anchor="ctr"/>
+          <a:bodyPr lIns="0" tIns="0" rIns="0" bIns="0" anchor="ctr"/>
+          <a:lstStyle/>
           <a:p>
             <a:pPr algn="ctr"/>
             <a:endParaRPr/>
@@ -1533,7 +1849,8 @@
           </a:prstGeom>
         </p:spPr>
         <p:txBody>
-          <a:bodyPr lIns="0" rIns="0" tIns="0" bIns="0"/>
+          <a:bodyPr lIns="0" tIns="0" rIns="0" bIns="0"/>
+          <a:lstStyle/>
           <a:p>
             <a:endParaRPr/>
           </a:p>
@@ -1559,7 +1876,8 @@
           </a:prstGeom>
         </p:spPr>
         <p:txBody>
-          <a:bodyPr lIns="0" rIns="0" tIns="0" bIns="0"/>
+          <a:bodyPr lIns="0" tIns="0" rIns="0" bIns="0"/>
+          <a:lstStyle/>
           <a:p>
             <a:endParaRPr/>
           </a:p>
@@ -1585,7 +1903,8 @@
           </a:prstGeom>
         </p:spPr>
         <p:txBody>
-          <a:bodyPr lIns="0" rIns="0" tIns="0" bIns="0"/>
+          <a:bodyPr lIns="0" tIns="0" rIns="0" bIns="0"/>
+          <a:lstStyle/>
           <a:p>
             <a:endParaRPr/>
           </a:p>
@@ -1593,11 +1912,14 @@
       </p:sp>
     </p:spTree>
   </p:cSld>
+  <p:clrMapOvr>
+    <a:masterClrMapping/>
+  </p:clrMapOvr>
 </p:sldLayout>
 </file>
 
 <file path=ppt/slideLayouts/slideLayout2.xml><?xml version="1.0" encoding="utf-8"?>
-<p:sldLayout xmlns:a="http://schemas.openxmlformats.org/drawingml/2006/main" xmlns:p="http://schemas.openxmlformats.org/presentationml/2006/main" xmlns:r="http://schemas.openxmlformats.org/officeDocument/2006/relationships" type="tx" preserve="1">
+<p:sldLayout xmlns:a="http://schemas.openxmlformats.org/drawingml/2006/main" xmlns:r="http://schemas.openxmlformats.org/officeDocument/2006/relationships" xmlns:p="http://schemas.openxmlformats.org/presentationml/2006/main" type="tx" preserve="1">
   <p:cSld name="Title Slide">
     <p:spTree>
       <p:nvGrpSpPr>
@@ -1633,7 +1955,8 @@
           </a:prstGeom>
         </p:spPr>
         <p:txBody>
-          <a:bodyPr lIns="0" rIns="0" tIns="0" bIns="0" anchor="ctr"/>
+          <a:bodyPr lIns="0" tIns="0" rIns="0" bIns="0" anchor="ctr"/>
+          <a:lstStyle/>
           <a:p>
             <a:pPr algn="ctr"/>
             <a:endParaRPr/>
@@ -1660,7 +1983,8 @@
           </a:prstGeom>
         </p:spPr>
         <p:txBody>
-          <a:bodyPr lIns="0" rIns="0" tIns="0" bIns="0" anchor="ctr"/>
+          <a:bodyPr lIns="0" tIns="0" rIns="0" bIns="0" anchor="ctr"/>
+          <a:lstStyle/>
           <a:p>
             <a:pPr algn="ctr"/>
             <a:endParaRPr/>
@@ -1669,11 +1993,14 @@
       </p:sp>
     </p:spTree>
   </p:cSld>
+  <p:clrMapOvr>
+    <a:masterClrMapping/>
+  </p:clrMapOvr>
 </p:sldLayout>
 </file>
 
 <file path=ppt/slideLayouts/slideLayout20.xml><?xml version="1.0" encoding="utf-8"?>
-<p:sldLayout xmlns:a="http://schemas.openxmlformats.org/drawingml/2006/main" xmlns:p="http://schemas.openxmlformats.org/presentationml/2006/main" xmlns:r="http://schemas.openxmlformats.org/officeDocument/2006/relationships" type="objAndTwoObj" preserve="1">
+<p:sldLayout xmlns:a="http://schemas.openxmlformats.org/drawingml/2006/main" xmlns:r="http://schemas.openxmlformats.org/officeDocument/2006/relationships" xmlns:p="http://schemas.openxmlformats.org/presentationml/2006/main" type="objAndTwoObj" preserve="1">
   <p:cSld name="Title Content and 2 Content">
     <p:spTree>
       <p:nvGrpSpPr>
@@ -1709,7 +2036,8 @@
           </a:prstGeom>
         </p:spPr>
         <p:txBody>
-          <a:bodyPr lIns="0" rIns="0" tIns="0" bIns="0" anchor="ctr"/>
+          <a:bodyPr lIns="0" tIns="0" rIns="0" bIns="0" anchor="ctr"/>
+          <a:lstStyle/>
           <a:p>
             <a:pPr algn="ctr"/>
             <a:endParaRPr/>
@@ -1736,7 +2064,8 @@
           </a:prstGeom>
         </p:spPr>
         <p:txBody>
-          <a:bodyPr lIns="0" rIns="0" tIns="0" bIns="0"/>
+          <a:bodyPr lIns="0" tIns="0" rIns="0" bIns="0"/>
+          <a:lstStyle/>
           <a:p>
             <a:endParaRPr/>
           </a:p>
@@ -1762,7 +2091,8 @@
           </a:prstGeom>
         </p:spPr>
         <p:txBody>
-          <a:bodyPr lIns="0" rIns="0" tIns="0" bIns="0"/>
+          <a:bodyPr lIns="0" tIns="0" rIns="0" bIns="0"/>
+          <a:lstStyle/>
           <a:p>
             <a:endParaRPr/>
           </a:p>
@@ -1788,7 +2118,8 @@
           </a:prstGeom>
         </p:spPr>
         <p:txBody>
-          <a:bodyPr lIns="0" rIns="0" tIns="0" bIns="0"/>
+          <a:bodyPr lIns="0" tIns="0" rIns="0" bIns="0"/>
+          <a:lstStyle/>
           <a:p>
             <a:endParaRPr/>
           </a:p>
@@ -1796,11 +2127,14 @@
       </p:sp>
     </p:spTree>
   </p:cSld>
+  <p:clrMapOvr>
+    <a:masterClrMapping/>
+  </p:clrMapOvr>
 </p:sldLayout>
 </file>
 
 <file path=ppt/slideLayouts/slideLayout21.xml><?xml version="1.0" encoding="utf-8"?>
-<p:sldLayout xmlns:a="http://schemas.openxmlformats.org/drawingml/2006/main" xmlns:p="http://schemas.openxmlformats.org/presentationml/2006/main" xmlns:r="http://schemas.openxmlformats.org/officeDocument/2006/relationships" type="twoObjOverTx" preserve="1">
+<p:sldLayout xmlns:a="http://schemas.openxmlformats.org/drawingml/2006/main" xmlns:r="http://schemas.openxmlformats.org/officeDocument/2006/relationships" xmlns:p="http://schemas.openxmlformats.org/presentationml/2006/main" type="twoObjOverTx" preserve="1">
   <p:cSld name="Title, 2 Content over Content">
     <p:spTree>
       <p:nvGrpSpPr>
@@ -1836,7 +2170,8 @@
           </a:prstGeom>
         </p:spPr>
         <p:txBody>
-          <a:bodyPr lIns="0" rIns="0" tIns="0" bIns="0" anchor="ctr"/>
+          <a:bodyPr lIns="0" tIns="0" rIns="0" bIns="0" anchor="ctr"/>
+          <a:lstStyle/>
           <a:p>
             <a:pPr algn="ctr"/>
             <a:endParaRPr/>
@@ -1863,7 +2198,8 @@
           </a:prstGeom>
         </p:spPr>
         <p:txBody>
-          <a:bodyPr lIns="0" rIns="0" tIns="0" bIns="0"/>
+          <a:bodyPr lIns="0" tIns="0" rIns="0" bIns="0"/>
+          <a:lstStyle/>
           <a:p>
             <a:endParaRPr/>
           </a:p>
@@ -1889,7 +2225,8 @@
           </a:prstGeom>
         </p:spPr>
         <p:txBody>
-          <a:bodyPr lIns="0" rIns="0" tIns="0" bIns="0"/>
+          <a:bodyPr lIns="0" tIns="0" rIns="0" bIns="0"/>
+          <a:lstStyle/>
           <a:p>
             <a:endParaRPr/>
           </a:p>
@@ -1915,7 +2252,8 @@
           </a:prstGeom>
         </p:spPr>
         <p:txBody>
-          <a:bodyPr lIns="0" rIns="0" tIns="0" bIns="0"/>
+          <a:bodyPr lIns="0" tIns="0" rIns="0" bIns="0"/>
+          <a:lstStyle/>
           <a:p>
             <a:endParaRPr/>
           </a:p>
@@ -1923,11 +2261,14 @@
       </p:sp>
     </p:spTree>
   </p:cSld>
+  <p:clrMapOvr>
+    <a:masterClrMapping/>
+  </p:clrMapOvr>
 </p:sldLayout>
 </file>
 
 <file path=ppt/slideLayouts/slideLayout22.xml><?xml version="1.0" encoding="utf-8"?>
-<p:sldLayout xmlns:a="http://schemas.openxmlformats.org/drawingml/2006/main" xmlns:p="http://schemas.openxmlformats.org/presentationml/2006/main" xmlns:r="http://schemas.openxmlformats.org/officeDocument/2006/relationships" type="objOverTx" preserve="1">
+<p:sldLayout xmlns:a="http://schemas.openxmlformats.org/drawingml/2006/main" xmlns:r="http://schemas.openxmlformats.org/officeDocument/2006/relationships" xmlns:p="http://schemas.openxmlformats.org/presentationml/2006/main" type="objOverTx" preserve="1">
   <p:cSld name="Title, Content over Content">
     <p:spTree>
       <p:nvGrpSpPr>
@@ -1963,7 +2304,8 @@
           </a:prstGeom>
         </p:spPr>
         <p:txBody>
-          <a:bodyPr lIns="0" rIns="0" tIns="0" bIns="0" anchor="ctr"/>
+          <a:bodyPr lIns="0" tIns="0" rIns="0" bIns="0" anchor="ctr"/>
+          <a:lstStyle/>
           <a:p>
             <a:pPr algn="ctr"/>
             <a:endParaRPr/>
@@ -1990,7 +2332,8 @@
           </a:prstGeom>
         </p:spPr>
         <p:txBody>
-          <a:bodyPr lIns="0" rIns="0" tIns="0" bIns="0"/>
+          <a:bodyPr lIns="0" tIns="0" rIns="0" bIns="0"/>
+          <a:lstStyle/>
           <a:p>
             <a:endParaRPr/>
           </a:p>
@@ -2016,7 +2359,8 @@
           </a:prstGeom>
         </p:spPr>
         <p:txBody>
-          <a:bodyPr lIns="0" rIns="0" tIns="0" bIns="0"/>
+          <a:bodyPr lIns="0" tIns="0" rIns="0" bIns="0"/>
+          <a:lstStyle/>
           <a:p>
             <a:endParaRPr/>
           </a:p>
@@ -2024,11 +2368,14 @@
       </p:sp>
     </p:spTree>
   </p:cSld>
+  <p:clrMapOvr>
+    <a:masterClrMapping/>
+  </p:clrMapOvr>
 </p:sldLayout>
 </file>
 
 <file path=ppt/slideLayouts/slideLayout23.xml><?xml version="1.0" encoding="utf-8"?>
-<p:sldLayout xmlns:a="http://schemas.openxmlformats.org/drawingml/2006/main" xmlns:p="http://schemas.openxmlformats.org/presentationml/2006/main" xmlns:r="http://schemas.openxmlformats.org/officeDocument/2006/relationships" type="fourObj" preserve="1">
+<p:sldLayout xmlns:a="http://schemas.openxmlformats.org/drawingml/2006/main" xmlns:r="http://schemas.openxmlformats.org/officeDocument/2006/relationships" xmlns:p="http://schemas.openxmlformats.org/presentationml/2006/main" type="fourObj" preserve="1">
   <p:cSld name="Title, 4 Content">
     <p:spTree>
       <p:nvGrpSpPr>
@@ -2064,7 +2411,8 @@
           </a:prstGeom>
         </p:spPr>
         <p:txBody>
-          <a:bodyPr lIns="0" rIns="0" tIns="0" bIns="0" anchor="ctr"/>
+          <a:bodyPr lIns="0" tIns="0" rIns="0" bIns="0" anchor="ctr"/>
+          <a:lstStyle/>
           <a:p>
             <a:pPr algn="ctr"/>
             <a:endParaRPr/>
@@ -2091,7 +2439,8 @@
           </a:prstGeom>
         </p:spPr>
         <p:txBody>
-          <a:bodyPr lIns="0" rIns="0" tIns="0" bIns="0"/>
+          <a:bodyPr lIns="0" tIns="0" rIns="0" bIns="0"/>
+          <a:lstStyle/>
           <a:p>
             <a:endParaRPr/>
           </a:p>
@@ -2117,7 +2466,8 @@
           </a:prstGeom>
         </p:spPr>
         <p:txBody>
-          <a:bodyPr lIns="0" rIns="0" tIns="0" bIns="0"/>
+          <a:bodyPr lIns="0" tIns="0" rIns="0" bIns="0"/>
+          <a:lstStyle/>
           <a:p>
             <a:endParaRPr/>
           </a:p>
@@ -2143,7 +2493,8 @@
           </a:prstGeom>
         </p:spPr>
         <p:txBody>
-          <a:bodyPr lIns="0" rIns="0" tIns="0" bIns="0"/>
+          <a:bodyPr lIns="0" tIns="0" rIns="0" bIns="0"/>
+          <a:lstStyle/>
           <a:p>
             <a:endParaRPr/>
           </a:p>
@@ -2169,7 +2520,8 @@
           </a:prstGeom>
         </p:spPr>
         <p:txBody>
-          <a:bodyPr lIns="0" rIns="0" tIns="0" bIns="0"/>
+          <a:bodyPr lIns="0" tIns="0" rIns="0" bIns="0"/>
+          <a:lstStyle/>
           <a:p>
             <a:endParaRPr/>
           </a:p>
@@ -2177,11 +2529,14 @@
       </p:sp>
     </p:spTree>
   </p:cSld>
+  <p:clrMapOvr>
+    <a:masterClrMapping/>
+  </p:clrMapOvr>
 </p:sldLayout>
 </file>
 
 <file path=ppt/slideLayouts/slideLayout24.xml><?xml version="1.0" encoding="utf-8"?>
-<p:sldLayout xmlns:a="http://schemas.openxmlformats.org/drawingml/2006/main" xmlns:p="http://schemas.openxmlformats.org/presentationml/2006/main" xmlns:r="http://schemas.openxmlformats.org/officeDocument/2006/relationships" type="blank" preserve="1">
+<p:sldLayout xmlns:a="http://schemas.openxmlformats.org/drawingml/2006/main" xmlns:r="http://schemas.openxmlformats.org/officeDocument/2006/relationships" xmlns:p="http://schemas.openxmlformats.org/presentationml/2006/main" type="blank" preserve="1">
   <p:cSld name="Title, 6 Content">
     <p:spTree>
       <p:nvGrpSpPr>
@@ -2217,7 +2572,8 @@
           </a:prstGeom>
         </p:spPr>
         <p:txBody>
-          <a:bodyPr lIns="0" rIns="0" tIns="0" bIns="0" anchor="ctr"/>
+          <a:bodyPr lIns="0" tIns="0" rIns="0" bIns="0" anchor="ctr"/>
+          <a:lstStyle/>
           <a:p>
             <a:pPr algn="ctr"/>
             <a:endParaRPr/>
@@ -2244,7 +2600,8 @@
           </a:prstGeom>
         </p:spPr>
         <p:txBody>
-          <a:bodyPr lIns="0" rIns="0" tIns="0" bIns="0"/>
+          <a:bodyPr lIns="0" tIns="0" rIns="0" bIns="0"/>
+          <a:lstStyle/>
           <a:p>
             <a:endParaRPr/>
           </a:p>
@@ -2270,7 +2627,8 @@
           </a:prstGeom>
         </p:spPr>
         <p:txBody>
-          <a:bodyPr lIns="0" rIns="0" tIns="0" bIns="0"/>
+          <a:bodyPr lIns="0" tIns="0" rIns="0" bIns="0"/>
+          <a:lstStyle/>
           <a:p>
             <a:endParaRPr/>
           </a:p>
@@ -2278,7 +2636,7 @@
       </p:sp>
       <p:pic>
         <p:nvPicPr>
-          <p:cNvPr id="74" name="" descr=""/>
+          <p:cNvPr id="74" name="Picture 73"/>
           <p:cNvPicPr/>
           <p:nvPr/>
         </p:nvPicPr>
@@ -2303,12 +2661,12 @@
       </p:pic>
       <p:pic>
         <p:nvPicPr>
-          <p:cNvPr id="75" name="" descr=""/>
+          <p:cNvPr id="75" name="Picture 74"/>
           <p:cNvPicPr/>
           <p:nvPr/>
         </p:nvPicPr>
         <p:blipFill>
-          <a:blip r:embed="rId3"/>
+          <a:blip r:embed="rId2"/>
           <a:stretch>
             <a:fillRect/>
           </a:stretch>
@@ -2328,11 +2686,14 @@
       </p:pic>
     </p:spTree>
   </p:cSld>
+  <p:clrMapOvr>
+    <a:masterClrMapping/>
+  </p:clrMapOvr>
 </p:sldLayout>
 </file>
 
 <file path=ppt/slideLayouts/slideLayout25.xml><?xml version="1.0" encoding="utf-8"?>
-<p:sldLayout xmlns:a="http://schemas.openxmlformats.org/drawingml/2006/main" xmlns:p="http://schemas.openxmlformats.org/presentationml/2006/main" xmlns:r="http://schemas.openxmlformats.org/officeDocument/2006/relationships" type="blank" preserve="1">
+<p:sldLayout xmlns:a="http://schemas.openxmlformats.org/drawingml/2006/main" xmlns:r="http://schemas.openxmlformats.org/officeDocument/2006/relationships" xmlns:p="http://schemas.openxmlformats.org/presentationml/2006/main" type="blank" preserve="1">
   <p:cSld name="Blank Slide">
     <p:spTree>
       <p:nvGrpSpPr>
@@ -2350,11 +2711,14 @@
       </p:grpSpPr>
     </p:spTree>
   </p:cSld>
+  <p:clrMapOvr>
+    <a:masterClrMapping/>
+  </p:clrMapOvr>
 </p:sldLayout>
 </file>
 
 <file path=ppt/slideLayouts/slideLayout26.xml><?xml version="1.0" encoding="utf-8"?>
-<p:sldLayout xmlns:a="http://schemas.openxmlformats.org/drawingml/2006/main" xmlns:p="http://schemas.openxmlformats.org/presentationml/2006/main" xmlns:r="http://schemas.openxmlformats.org/officeDocument/2006/relationships" type="tx" preserve="1">
+<p:sldLayout xmlns:a="http://schemas.openxmlformats.org/drawingml/2006/main" xmlns:r="http://schemas.openxmlformats.org/officeDocument/2006/relationships" xmlns:p="http://schemas.openxmlformats.org/presentationml/2006/main" type="tx" preserve="1">
   <p:cSld name="Title Slide">
     <p:spTree>
       <p:nvGrpSpPr>
@@ -2390,7 +2754,8 @@
           </a:prstGeom>
         </p:spPr>
         <p:txBody>
-          <a:bodyPr lIns="0" rIns="0" tIns="0" bIns="0" anchor="ctr"/>
+          <a:bodyPr lIns="0" tIns="0" rIns="0" bIns="0" anchor="ctr"/>
+          <a:lstStyle/>
           <a:p>
             <a:pPr algn="ctr"/>
             <a:endParaRPr/>
@@ -2417,7 +2782,8 @@
           </a:prstGeom>
         </p:spPr>
         <p:txBody>
-          <a:bodyPr lIns="0" rIns="0" tIns="0" bIns="0" anchor="ctr"/>
+          <a:bodyPr lIns="0" tIns="0" rIns="0" bIns="0" anchor="ctr"/>
+          <a:lstStyle/>
           <a:p>
             <a:pPr algn="ctr"/>
             <a:endParaRPr/>
@@ -2426,11 +2792,14 @@
       </p:sp>
     </p:spTree>
   </p:cSld>
+  <p:clrMapOvr>
+    <a:masterClrMapping/>
+  </p:clrMapOvr>
 </p:sldLayout>
 </file>
 
 <file path=ppt/slideLayouts/slideLayout27.xml><?xml version="1.0" encoding="utf-8"?>
-<p:sldLayout xmlns:a="http://schemas.openxmlformats.org/drawingml/2006/main" xmlns:p="http://schemas.openxmlformats.org/presentationml/2006/main" xmlns:r="http://schemas.openxmlformats.org/officeDocument/2006/relationships" type="obj" preserve="1">
+<p:sldLayout xmlns:a="http://schemas.openxmlformats.org/drawingml/2006/main" xmlns:r="http://schemas.openxmlformats.org/officeDocument/2006/relationships" xmlns:p="http://schemas.openxmlformats.org/presentationml/2006/main" type="obj" preserve="1">
   <p:cSld name="Title, Content">
     <p:spTree>
       <p:nvGrpSpPr>
@@ -2466,7 +2835,8 @@
           </a:prstGeom>
         </p:spPr>
         <p:txBody>
-          <a:bodyPr lIns="0" rIns="0" tIns="0" bIns="0" anchor="ctr"/>
+          <a:bodyPr lIns="0" tIns="0" rIns="0" bIns="0" anchor="ctr"/>
+          <a:lstStyle/>
           <a:p>
             <a:pPr algn="ctr"/>
             <a:endParaRPr/>
@@ -2493,7 +2863,8 @@
           </a:prstGeom>
         </p:spPr>
         <p:txBody>
-          <a:bodyPr lIns="0" rIns="0" tIns="0" bIns="0"/>
+          <a:bodyPr lIns="0" tIns="0" rIns="0" bIns="0"/>
+          <a:lstStyle/>
           <a:p>
             <a:endParaRPr/>
           </a:p>
@@ -2501,11 +2872,14 @@
       </p:sp>
     </p:spTree>
   </p:cSld>
+  <p:clrMapOvr>
+    <a:masterClrMapping/>
+  </p:clrMapOvr>
 </p:sldLayout>
 </file>
 
 <file path=ppt/slideLayouts/slideLayout28.xml><?xml version="1.0" encoding="utf-8"?>
-<p:sldLayout xmlns:a="http://schemas.openxmlformats.org/drawingml/2006/main" xmlns:p="http://schemas.openxmlformats.org/presentationml/2006/main" xmlns:r="http://schemas.openxmlformats.org/officeDocument/2006/relationships" type="twoObj" preserve="1">
+<p:sldLayout xmlns:a="http://schemas.openxmlformats.org/drawingml/2006/main" xmlns:r="http://schemas.openxmlformats.org/officeDocument/2006/relationships" xmlns:p="http://schemas.openxmlformats.org/presentationml/2006/main" type="twoObj" preserve="1">
   <p:cSld name="Title, 2 Content">
     <p:spTree>
       <p:nvGrpSpPr>
@@ -2541,7 +2915,8 @@
           </a:prstGeom>
         </p:spPr>
         <p:txBody>
-          <a:bodyPr lIns="0" rIns="0" tIns="0" bIns="0" anchor="ctr"/>
+          <a:bodyPr lIns="0" tIns="0" rIns="0" bIns="0" anchor="ctr"/>
+          <a:lstStyle/>
           <a:p>
             <a:pPr algn="ctr"/>
             <a:endParaRPr/>
@@ -2568,7 +2943,8 @@
           </a:prstGeom>
         </p:spPr>
         <p:txBody>
-          <a:bodyPr lIns="0" rIns="0" tIns="0" bIns="0"/>
+          <a:bodyPr lIns="0" tIns="0" rIns="0" bIns="0"/>
+          <a:lstStyle/>
           <a:p>
             <a:endParaRPr/>
           </a:p>
@@ -2594,7 +2970,8 @@
           </a:prstGeom>
         </p:spPr>
         <p:txBody>
-          <a:bodyPr lIns="0" rIns="0" tIns="0" bIns="0"/>
+          <a:bodyPr lIns="0" tIns="0" rIns="0" bIns="0"/>
+          <a:lstStyle/>
           <a:p>
             <a:endParaRPr/>
           </a:p>
@@ -2602,11 +2979,14 @@
       </p:sp>
     </p:spTree>
   </p:cSld>
+  <p:clrMapOvr>
+    <a:masterClrMapping/>
+  </p:clrMapOvr>
 </p:sldLayout>
 </file>
 
 <file path=ppt/slideLayouts/slideLayout29.xml><?xml version="1.0" encoding="utf-8"?>
-<p:sldLayout xmlns:a="http://schemas.openxmlformats.org/drawingml/2006/main" xmlns:p="http://schemas.openxmlformats.org/presentationml/2006/main" xmlns:r="http://schemas.openxmlformats.org/officeDocument/2006/relationships" type="titleOnly" preserve="1">
+<p:sldLayout xmlns:a="http://schemas.openxmlformats.org/drawingml/2006/main" xmlns:r="http://schemas.openxmlformats.org/officeDocument/2006/relationships" xmlns:p="http://schemas.openxmlformats.org/presentationml/2006/main" type="titleOnly" preserve="1">
   <p:cSld name="Title Only">
     <p:spTree>
       <p:nvGrpSpPr>
@@ -2642,7 +3022,8 @@
           </a:prstGeom>
         </p:spPr>
         <p:txBody>
-          <a:bodyPr lIns="0" rIns="0" tIns="0" bIns="0" anchor="ctr"/>
+          <a:bodyPr lIns="0" tIns="0" rIns="0" bIns="0" anchor="ctr"/>
+          <a:lstStyle/>
           <a:p>
             <a:pPr algn="ctr"/>
             <a:endParaRPr/>
@@ -2651,11 +3032,14 @@
       </p:sp>
     </p:spTree>
   </p:cSld>
+  <p:clrMapOvr>
+    <a:masterClrMapping/>
+  </p:clrMapOvr>
 </p:sldLayout>
 </file>
 
 <file path=ppt/slideLayouts/slideLayout3.xml><?xml version="1.0" encoding="utf-8"?>
-<p:sldLayout xmlns:a="http://schemas.openxmlformats.org/drawingml/2006/main" xmlns:p="http://schemas.openxmlformats.org/presentationml/2006/main" xmlns:r="http://schemas.openxmlformats.org/officeDocument/2006/relationships" type="obj" preserve="1">
+<p:sldLayout xmlns:a="http://schemas.openxmlformats.org/drawingml/2006/main" xmlns:r="http://schemas.openxmlformats.org/officeDocument/2006/relationships" xmlns:p="http://schemas.openxmlformats.org/presentationml/2006/main" type="obj" preserve="1">
   <p:cSld name="Title, Content">
     <p:spTree>
       <p:nvGrpSpPr>
@@ -2691,7 +3075,8 @@
           </a:prstGeom>
         </p:spPr>
         <p:txBody>
-          <a:bodyPr lIns="0" rIns="0" tIns="0" bIns="0" anchor="ctr"/>
+          <a:bodyPr lIns="0" tIns="0" rIns="0" bIns="0" anchor="ctr"/>
+          <a:lstStyle/>
           <a:p>
             <a:pPr algn="ctr"/>
             <a:endParaRPr/>
@@ -2718,7 +3103,8 @@
           </a:prstGeom>
         </p:spPr>
         <p:txBody>
-          <a:bodyPr lIns="0" rIns="0" tIns="0" bIns="0"/>
+          <a:bodyPr lIns="0" tIns="0" rIns="0" bIns="0"/>
+          <a:lstStyle/>
           <a:p>
             <a:endParaRPr/>
           </a:p>
@@ -2726,11 +3112,14 @@
       </p:sp>
     </p:spTree>
   </p:cSld>
+  <p:clrMapOvr>
+    <a:masterClrMapping/>
+  </p:clrMapOvr>
 </p:sldLayout>
 </file>
 
 <file path=ppt/slideLayouts/slideLayout30.xml><?xml version="1.0" encoding="utf-8"?>
-<p:sldLayout xmlns:a="http://schemas.openxmlformats.org/drawingml/2006/main" xmlns:p="http://schemas.openxmlformats.org/presentationml/2006/main" xmlns:r="http://schemas.openxmlformats.org/officeDocument/2006/relationships" type="objOnly" preserve="1">
+<p:sldLayout xmlns:a="http://schemas.openxmlformats.org/drawingml/2006/main" xmlns:r="http://schemas.openxmlformats.org/officeDocument/2006/relationships" xmlns:p="http://schemas.openxmlformats.org/presentationml/2006/main" type="objOnly" preserve="1">
   <p:cSld name="Centered Text">
     <p:spTree>
       <p:nvGrpSpPr>
@@ -2766,7 +3155,8 @@
           </a:prstGeom>
         </p:spPr>
         <p:txBody>
-          <a:bodyPr lIns="0" rIns="0" tIns="0" bIns="0" anchor="ctr"/>
+          <a:bodyPr lIns="0" tIns="0" rIns="0" bIns="0" anchor="ctr"/>
+          <a:lstStyle/>
           <a:p>
             <a:pPr algn="ctr"/>
             <a:endParaRPr/>
@@ -2775,11 +3165,14 @@
       </p:sp>
     </p:spTree>
   </p:cSld>
+  <p:clrMapOvr>
+    <a:masterClrMapping/>
+  </p:clrMapOvr>
 </p:sldLayout>
 </file>
 
 <file path=ppt/slideLayouts/slideLayout31.xml><?xml version="1.0" encoding="utf-8"?>
-<p:sldLayout xmlns:a="http://schemas.openxmlformats.org/drawingml/2006/main" xmlns:p="http://schemas.openxmlformats.org/presentationml/2006/main" xmlns:r="http://schemas.openxmlformats.org/officeDocument/2006/relationships" type="twoObjAndObj" preserve="1">
+<p:sldLayout xmlns:a="http://schemas.openxmlformats.org/drawingml/2006/main" xmlns:r="http://schemas.openxmlformats.org/officeDocument/2006/relationships" xmlns:p="http://schemas.openxmlformats.org/presentationml/2006/main" type="twoObjAndObj" preserve="1">
   <p:cSld name="Title, 2 Content and Content">
     <p:spTree>
       <p:nvGrpSpPr>
@@ -2815,7 +3208,8 @@
           </a:prstGeom>
         </p:spPr>
         <p:txBody>
-          <a:bodyPr lIns="0" rIns="0" tIns="0" bIns="0" anchor="ctr"/>
+          <a:bodyPr lIns="0" tIns="0" rIns="0" bIns="0" anchor="ctr"/>
+          <a:lstStyle/>
           <a:p>
             <a:pPr algn="ctr"/>
             <a:endParaRPr/>
@@ -2842,7 +3236,8 @@
           </a:prstGeom>
         </p:spPr>
         <p:txBody>
-          <a:bodyPr lIns="0" rIns="0" tIns="0" bIns="0"/>
+          <a:bodyPr lIns="0" tIns="0" rIns="0" bIns="0"/>
+          <a:lstStyle/>
           <a:p>
             <a:endParaRPr/>
           </a:p>
@@ -2868,7 +3263,8 @@
           </a:prstGeom>
         </p:spPr>
         <p:txBody>
-          <a:bodyPr lIns="0" rIns="0" tIns="0" bIns="0"/>
+          <a:bodyPr lIns="0" tIns="0" rIns="0" bIns="0"/>
+          <a:lstStyle/>
           <a:p>
             <a:endParaRPr/>
           </a:p>
@@ -2894,7 +3290,8 @@
           </a:prstGeom>
         </p:spPr>
         <p:txBody>
-          <a:bodyPr lIns="0" rIns="0" tIns="0" bIns="0"/>
+          <a:bodyPr lIns="0" tIns="0" rIns="0" bIns="0"/>
+          <a:lstStyle/>
           <a:p>
             <a:endParaRPr/>
           </a:p>
@@ -2902,11 +3299,14 @@
       </p:sp>
     </p:spTree>
   </p:cSld>
+  <p:clrMapOvr>
+    <a:masterClrMapping/>
+  </p:clrMapOvr>
 </p:sldLayout>
 </file>
 
 <file path=ppt/slideLayouts/slideLayout32.xml><?xml version="1.0" encoding="utf-8"?>
-<p:sldLayout xmlns:a="http://schemas.openxmlformats.org/drawingml/2006/main" xmlns:p="http://schemas.openxmlformats.org/presentationml/2006/main" xmlns:r="http://schemas.openxmlformats.org/officeDocument/2006/relationships" type="objAndTwoObj" preserve="1">
+<p:sldLayout xmlns:a="http://schemas.openxmlformats.org/drawingml/2006/main" xmlns:r="http://schemas.openxmlformats.org/officeDocument/2006/relationships" xmlns:p="http://schemas.openxmlformats.org/presentationml/2006/main" type="objAndTwoObj" preserve="1">
   <p:cSld name="Title Content and 2 Content">
     <p:spTree>
       <p:nvGrpSpPr>
@@ -2942,7 +3342,8 @@
           </a:prstGeom>
         </p:spPr>
         <p:txBody>
-          <a:bodyPr lIns="0" rIns="0" tIns="0" bIns="0" anchor="ctr"/>
+          <a:bodyPr lIns="0" tIns="0" rIns="0" bIns="0" anchor="ctr"/>
+          <a:lstStyle/>
           <a:p>
             <a:pPr algn="ctr"/>
             <a:endParaRPr/>
@@ -2969,7 +3370,8 @@
           </a:prstGeom>
         </p:spPr>
         <p:txBody>
-          <a:bodyPr lIns="0" rIns="0" tIns="0" bIns="0"/>
+          <a:bodyPr lIns="0" tIns="0" rIns="0" bIns="0"/>
+          <a:lstStyle/>
           <a:p>
             <a:endParaRPr/>
           </a:p>
@@ -2995,7 +3397,8 @@
           </a:prstGeom>
         </p:spPr>
         <p:txBody>
-          <a:bodyPr lIns="0" rIns="0" tIns="0" bIns="0"/>
+          <a:bodyPr lIns="0" tIns="0" rIns="0" bIns="0"/>
+          <a:lstStyle/>
           <a:p>
             <a:endParaRPr/>
           </a:p>
@@ -3021,7 +3424,8 @@
           </a:prstGeom>
         </p:spPr>
         <p:txBody>
-          <a:bodyPr lIns="0" rIns="0" tIns="0" bIns="0"/>
+          <a:bodyPr lIns="0" tIns="0" rIns="0" bIns="0"/>
+          <a:lstStyle/>
           <a:p>
             <a:endParaRPr/>
           </a:p>
@@ -3029,11 +3433,14 @@
       </p:sp>
     </p:spTree>
   </p:cSld>
+  <p:clrMapOvr>
+    <a:masterClrMapping/>
+  </p:clrMapOvr>
 </p:sldLayout>
 </file>
 
 <file path=ppt/slideLayouts/slideLayout33.xml><?xml version="1.0" encoding="utf-8"?>
-<p:sldLayout xmlns:a="http://schemas.openxmlformats.org/drawingml/2006/main" xmlns:p="http://schemas.openxmlformats.org/presentationml/2006/main" xmlns:r="http://schemas.openxmlformats.org/officeDocument/2006/relationships" type="twoObjOverTx" preserve="1">
+<p:sldLayout xmlns:a="http://schemas.openxmlformats.org/drawingml/2006/main" xmlns:r="http://schemas.openxmlformats.org/officeDocument/2006/relationships" xmlns:p="http://schemas.openxmlformats.org/presentationml/2006/main" type="twoObjOverTx" preserve="1">
   <p:cSld name="Title, 2 Content over Content">
     <p:spTree>
       <p:nvGrpSpPr>
@@ -3069,7 +3476,8 @@
           </a:prstGeom>
         </p:spPr>
         <p:txBody>
-          <a:bodyPr lIns="0" rIns="0" tIns="0" bIns="0" anchor="ctr"/>
+          <a:bodyPr lIns="0" tIns="0" rIns="0" bIns="0" anchor="ctr"/>
+          <a:lstStyle/>
           <a:p>
             <a:pPr algn="ctr"/>
             <a:endParaRPr/>
@@ -3096,7 +3504,8 @@
           </a:prstGeom>
         </p:spPr>
         <p:txBody>
-          <a:bodyPr lIns="0" rIns="0" tIns="0" bIns="0"/>
+          <a:bodyPr lIns="0" tIns="0" rIns="0" bIns="0"/>
+          <a:lstStyle/>
           <a:p>
             <a:endParaRPr/>
           </a:p>
@@ -3122,7 +3531,8 @@
           </a:prstGeom>
         </p:spPr>
         <p:txBody>
-          <a:bodyPr lIns="0" rIns="0" tIns="0" bIns="0"/>
+          <a:bodyPr lIns="0" tIns="0" rIns="0" bIns="0"/>
+          <a:lstStyle/>
           <a:p>
             <a:endParaRPr/>
           </a:p>
@@ -3148,7 +3558,8 @@
           </a:prstGeom>
         </p:spPr>
         <p:txBody>
-          <a:bodyPr lIns="0" rIns="0" tIns="0" bIns="0"/>
+          <a:bodyPr lIns="0" tIns="0" rIns="0" bIns="0"/>
+          <a:lstStyle/>
           <a:p>
             <a:endParaRPr/>
           </a:p>
@@ -3156,11 +3567,14 @@
       </p:sp>
     </p:spTree>
   </p:cSld>
+  <p:clrMapOvr>
+    <a:masterClrMapping/>
+  </p:clrMapOvr>
 </p:sldLayout>
 </file>
 
 <file path=ppt/slideLayouts/slideLayout34.xml><?xml version="1.0" encoding="utf-8"?>
-<p:sldLayout xmlns:a="http://schemas.openxmlformats.org/drawingml/2006/main" xmlns:p="http://schemas.openxmlformats.org/presentationml/2006/main" xmlns:r="http://schemas.openxmlformats.org/officeDocument/2006/relationships" type="objOverTx" preserve="1">
+<p:sldLayout xmlns:a="http://schemas.openxmlformats.org/drawingml/2006/main" xmlns:r="http://schemas.openxmlformats.org/officeDocument/2006/relationships" xmlns:p="http://schemas.openxmlformats.org/presentationml/2006/main" type="objOverTx" preserve="1">
   <p:cSld name="Title, Content over Content">
     <p:spTree>
       <p:nvGrpSpPr>
@@ -3196,7 +3610,8 @@
           </a:prstGeom>
         </p:spPr>
         <p:txBody>
-          <a:bodyPr lIns="0" rIns="0" tIns="0" bIns="0" anchor="ctr"/>
+          <a:bodyPr lIns="0" tIns="0" rIns="0" bIns="0" anchor="ctr"/>
+          <a:lstStyle/>
           <a:p>
             <a:pPr algn="ctr"/>
             <a:endParaRPr/>
@@ -3223,7 +3638,8 @@
           </a:prstGeom>
         </p:spPr>
         <p:txBody>
-          <a:bodyPr lIns="0" rIns="0" tIns="0" bIns="0"/>
+          <a:bodyPr lIns="0" tIns="0" rIns="0" bIns="0"/>
+          <a:lstStyle/>
           <a:p>
             <a:endParaRPr/>
           </a:p>
@@ -3249,7 +3665,8 @@
           </a:prstGeom>
         </p:spPr>
         <p:txBody>
-          <a:bodyPr lIns="0" rIns="0" tIns="0" bIns="0"/>
+          <a:bodyPr lIns="0" tIns="0" rIns="0" bIns="0"/>
+          <a:lstStyle/>
           <a:p>
             <a:endParaRPr/>
           </a:p>
@@ -3257,11 +3674,14 @@
       </p:sp>
     </p:spTree>
   </p:cSld>
+  <p:clrMapOvr>
+    <a:masterClrMapping/>
+  </p:clrMapOvr>
 </p:sldLayout>
 </file>
 
 <file path=ppt/slideLayouts/slideLayout35.xml><?xml version="1.0" encoding="utf-8"?>
-<p:sldLayout xmlns:a="http://schemas.openxmlformats.org/drawingml/2006/main" xmlns:p="http://schemas.openxmlformats.org/presentationml/2006/main" xmlns:r="http://schemas.openxmlformats.org/officeDocument/2006/relationships" type="fourObj" preserve="1">
+<p:sldLayout xmlns:a="http://schemas.openxmlformats.org/drawingml/2006/main" xmlns:r="http://schemas.openxmlformats.org/officeDocument/2006/relationships" xmlns:p="http://schemas.openxmlformats.org/presentationml/2006/main" type="fourObj" preserve="1">
   <p:cSld name="Title, 4 Content">
     <p:spTree>
       <p:nvGrpSpPr>
@@ -3297,7 +3717,8 @@
           </a:prstGeom>
         </p:spPr>
         <p:txBody>
-          <a:bodyPr lIns="0" rIns="0" tIns="0" bIns="0" anchor="ctr"/>
+          <a:bodyPr lIns="0" tIns="0" rIns="0" bIns="0" anchor="ctr"/>
+          <a:lstStyle/>
           <a:p>
             <a:pPr algn="ctr"/>
             <a:endParaRPr/>
@@ -3324,7 +3745,8 @@
           </a:prstGeom>
         </p:spPr>
         <p:txBody>
-          <a:bodyPr lIns="0" rIns="0" tIns="0" bIns="0"/>
+          <a:bodyPr lIns="0" tIns="0" rIns="0" bIns="0"/>
+          <a:lstStyle/>
           <a:p>
             <a:endParaRPr/>
           </a:p>
@@ -3350,7 +3772,8 @@
           </a:prstGeom>
         </p:spPr>
         <p:txBody>
-          <a:bodyPr lIns="0" rIns="0" tIns="0" bIns="0"/>
+          <a:bodyPr lIns="0" tIns="0" rIns="0" bIns="0"/>
+          <a:lstStyle/>
           <a:p>
             <a:endParaRPr/>
           </a:p>
@@ -3376,7 +3799,8 @@
           </a:prstGeom>
         </p:spPr>
         <p:txBody>
-          <a:bodyPr lIns="0" rIns="0" tIns="0" bIns="0"/>
+          <a:bodyPr lIns="0" tIns="0" rIns="0" bIns="0"/>
+          <a:lstStyle/>
           <a:p>
             <a:endParaRPr/>
           </a:p>
@@ -3402,7 +3826,8 @@
           </a:prstGeom>
         </p:spPr>
         <p:txBody>
-          <a:bodyPr lIns="0" rIns="0" tIns="0" bIns="0"/>
+          <a:bodyPr lIns="0" tIns="0" rIns="0" bIns="0"/>
+          <a:lstStyle/>
           <a:p>
             <a:endParaRPr/>
           </a:p>
@@ -3410,11 +3835,14 @@
       </p:sp>
     </p:spTree>
   </p:cSld>
+  <p:clrMapOvr>
+    <a:masterClrMapping/>
+  </p:clrMapOvr>
 </p:sldLayout>
 </file>
 
 <file path=ppt/slideLayouts/slideLayout36.xml><?xml version="1.0" encoding="utf-8"?>
-<p:sldLayout xmlns:a="http://schemas.openxmlformats.org/drawingml/2006/main" xmlns:p="http://schemas.openxmlformats.org/presentationml/2006/main" xmlns:r="http://schemas.openxmlformats.org/officeDocument/2006/relationships" type="blank" preserve="1">
+<p:sldLayout xmlns:a="http://schemas.openxmlformats.org/drawingml/2006/main" xmlns:r="http://schemas.openxmlformats.org/officeDocument/2006/relationships" xmlns:p="http://schemas.openxmlformats.org/presentationml/2006/main" type="blank" preserve="1">
   <p:cSld name="Title, 6 Content">
     <p:spTree>
       <p:nvGrpSpPr>
@@ -3450,7 +3878,8 @@
           </a:prstGeom>
         </p:spPr>
         <p:txBody>
-          <a:bodyPr lIns="0" rIns="0" tIns="0" bIns="0" anchor="ctr"/>
+          <a:bodyPr lIns="0" tIns="0" rIns="0" bIns="0" anchor="ctr"/>
+          <a:lstStyle/>
           <a:p>
             <a:pPr algn="ctr"/>
             <a:endParaRPr/>
@@ -3477,7 +3906,8 @@
           </a:prstGeom>
         </p:spPr>
         <p:txBody>
-          <a:bodyPr lIns="0" rIns="0" tIns="0" bIns="0"/>
+          <a:bodyPr lIns="0" tIns="0" rIns="0" bIns="0"/>
+          <a:lstStyle/>
           <a:p>
             <a:endParaRPr/>
           </a:p>
@@ -3503,7 +3933,8 @@
           </a:prstGeom>
         </p:spPr>
         <p:txBody>
-          <a:bodyPr lIns="0" rIns="0" tIns="0" bIns="0"/>
+          <a:bodyPr lIns="0" tIns="0" rIns="0" bIns="0"/>
+          <a:lstStyle/>
           <a:p>
             <a:endParaRPr/>
           </a:p>
@@ -3511,7 +3942,7 @@
       </p:sp>
       <p:pic>
         <p:nvPicPr>
-          <p:cNvPr id="110" name="" descr=""/>
+          <p:cNvPr id="110" name="Picture 109"/>
           <p:cNvPicPr/>
           <p:nvPr/>
         </p:nvPicPr>
@@ -3536,12 +3967,12 @@
       </p:pic>
       <p:pic>
         <p:nvPicPr>
-          <p:cNvPr id="111" name="" descr=""/>
+          <p:cNvPr id="111" name="Picture 110"/>
           <p:cNvPicPr/>
           <p:nvPr/>
         </p:nvPicPr>
         <p:blipFill>
-          <a:blip r:embed="rId3"/>
+          <a:blip r:embed="rId2"/>
           <a:stretch>
             <a:fillRect/>
           </a:stretch>
@@ -3561,11 +3992,14 @@
       </p:pic>
     </p:spTree>
   </p:cSld>
+  <p:clrMapOvr>
+    <a:masterClrMapping/>
+  </p:clrMapOvr>
 </p:sldLayout>
 </file>
 
 <file path=ppt/slideLayouts/slideLayout4.xml><?xml version="1.0" encoding="utf-8"?>
-<p:sldLayout xmlns:a="http://schemas.openxmlformats.org/drawingml/2006/main" xmlns:p="http://schemas.openxmlformats.org/presentationml/2006/main" xmlns:r="http://schemas.openxmlformats.org/officeDocument/2006/relationships" type="twoObj" preserve="1">
+<p:sldLayout xmlns:a="http://schemas.openxmlformats.org/drawingml/2006/main" xmlns:r="http://schemas.openxmlformats.org/officeDocument/2006/relationships" xmlns:p="http://schemas.openxmlformats.org/presentationml/2006/main" type="twoObj" preserve="1">
   <p:cSld name="Title, 2 Content">
     <p:spTree>
       <p:nvGrpSpPr>
@@ -3601,7 +4035,8 @@
           </a:prstGeom>
         </p:spPr>
         <p:txBody>
-          <a:bodyPr lIns="0" rIns="0" tIns="0" bIns="0" anchor="ctr"/>
+          <a:bodyPr lIns="0" tIns="0" rIns="0" bIns="0" anchor="ctr"/>
+          <a:lstStyle/>
           <a:p>
             <a:pPr algn="ctr"/>
             <a:endParaRPr/>
@@ -3628,7 +4063,8 @@
           </a:prstGeom>
         </p:spPr>
         <p:txBody>
-          <a:bodyPr lIns="0" rIns="0" tIns="0" bIns="0"/>
+          <a:bodyPr lIns="0" tIns="0" rIns="0" bIns="0"/>
+          <a:lstStyle/>
           <a:p>
             <a:endParaRPr/>
           </a:p>
@@ -3654,7 +4090,8 @@
           </a:prstGeom>
         </p:spPr>
         <p:txBody>
-          <a:bodyPr lIns="0" rIns="0" tIns="0" bIns="0"/>
+          <a:bodyPr lIns="0" tIns="0" rIns="0" bIns="0"/>
+          <a:lstStyle/>
           <a:p>
             <a:endParaRPr/>
           </a:p>
@@ -3662,11 +4099,14 @@
       </p:sp>
     </p:spTree>
   </p:cSld>
+  <p:clrMapOvr>
+    <a:masterClrMapping/>
+  </p:clrMapOvr>
 </p:sldLayout>
 </file>
 
 <file path=ppt/slideLayouts/slideLayout5.xml><?xml version="1.0" encoding="utf-8"?>
-<p:sldLayout xmlns:a="http://schemas.openxmlformats.org/drawingml/2006/main" xmlns:p="http://schemas.openxmlformats.org/presentationml/2006/main" xmlns:r="http://schemas.openxmlformats.org/officeDocument/2006/relationships" type="titleOnly" preserve="1">
+<p:sldLayout xmlns:a="http://schemas.openxmlformats.org/drawingml/2006/main" xmlns:r="http://schemas.openxmlformats.org/officeDocument/2006/relationships" xmlns:p="http://schemas.openxmlformats.org/presentationml/2006/main" type="titleOnly" preserve="1">
   <p:cSld name="Title Only">
     <p:spTree>
       <p:nvGrpSpPr>
@@ -3702,7 +4142,8 @@
           </a:prstGeom>
         </p:spPr>
         <p:txBody>
-          <a:bodyPr lIns="0" rIns="0" tIns="0" bIns="0" anchor="ctr"/>
+          <a:bodyPr lIns="0" tIns="0" rIns="0" bIns="0" anchor="ctr"/>
+          <a:lstStyle/>
           <a:p>
             <a:pPr algn="ctr"/>
             <a:endParaRPr/>
@@ -3711,11 +4152,14 @@
       </p:sp>
     </p:spTree>
   </p:cSld>
+  <p:clrMapOvr>
+    <a:masterClrMapping/>
+  </p:clrMapOvr>
 </p:sldLayout>
 </file>
 
 <file path=ppt/slideLayouts/slideLayout6.xml><?xml version="1.0" encoding="utf-8"?>
-<p:sldLayout xmlns:a="http://schemas.openxmlformats.org/drawingml/2006/main" xmlns:p="http://schemas.openxmlformats.org/presentationml/2006/main" xmlns:r="http://schemas.openxmlformats.org/officeDocument/2006/relationships" type="objOnly" preserve="1">
+<p:sldLayout xmlns:a="http://schemas.openxmlformats.org/drawingml/2006/main" xmlns:r="http://schemas.openxmlformats.org/officeDocument/2006/relationships" xmlns:p="http://schemas.openxmlformats.org/presentationml/2006/main" type="objOnly" preserve="1">
   <p:cSld name="Centered Text">
     <p:spTree>
       <p:nvGrpSpPr>
@@ -3751,7 +4195,8 @@
           </a:prstGeom>
         </p:spPr>
         <p:txBody>
-          <a:bodyPr lIns="0" rIns="0" tIns="0" bIns="0" anchor="ctr"/>
+          <a:bodyPr lIns="0" tIns="0" rIns="0" bIns="0" anchor="ctr"/>
+          <a:lstStyle/>
           <a:p>
             <a:pPr algn="ctr"/>
             <a:endParaRPr/>
@@ -3760,11 +4205,14 @@
       </p:sp>
     </p:spTree>
   </p:cSld>
+  <p:clrMapOvr>
+    <a:masterClrMapping/>
+  </p:clrMapOvr>
 </p:sldLayout>
 </file>
 
 <file path=ppt/slideLayouts/slideLayout7.xml><?xml version="1.0" encoding="utf-8"?>
-<p:sldLayout xmlns:a="http://schemas.openxmlformats.org/drawingml/2006/main" xmlns:p="http://schemas.openxmlformats.org/presentationml/2006/main" xmlns:r="http://schemas.openxmlformats.org/officeDocument/2006/relationships" type="twoObjAndObj" preserve="1">
+<p:sldLayout xmlns:a="http://schemas.openxmlformats.org/drawingml/2006/main" xmlns:r="http://schemas.openxmlformats.org/officeDocument/2006/relationships" xmlns:p="http://schemas.openxmlformats.org/presentationml/2006/main" type="twoObjAndObj" preserve="1">
   <p:cSld name="Title, 2 Content and Content">
     <p:spTree>
       <p:nvGrpSpPr>
@@ -3800,7 +4248,8 @@
           </a:prstGeom>
         </p:spPr>
         <p:txBody>
-          <a:bodyPr lIns="0" rIns="0" tIns="0" bIns="0" anchor="ctr"/>
+          <a:bodyPr lIns="0" tIns="0" rIns="0" bIns="0" anchor="ctr"/>
+          <a:lstStyle/>
           <a:p>
             <a:pPr algn="ctr"/>
             <a:endParaRPr/>
@@ -3827,7 +4276,8 @@
           </a:prstGeom>
         </p:spPr>
         <p:txBody>
-          <a:bodyPr lIns="0" rIns="0" tIns="0" bIns="0"/>
+          <a:bodyPr lIns="0" tIns="0" rIns="0" bIns="0"/>
+          <a:lstStyle/>
           <a:p>
             <a:endParaRPr/>
           </a:p>
@@ -3853,7 +4303,8 @@
           </a:prstGeom>
         </p:spPr>
         <p:txBody>
-          <a:bodyPr lIns="0" rIns="0" tIns="0" bIns="0"/>
+          <a:bodyPr lIns="0" tIns="0" rIns="0" bIns="0"/>
+          <a:lstStyle/>
           <a:p>
             <a:endParaRPr/>
           </a:p>
@@ -3879,7 +4330,8 @@
           </a:prstGeom>
         </p:spPr>
         <p:txBody>
-          <a:bodyPr lIns="0" rIns="0" tIns="0" bIns="0"/>
+          <a:bodyPr lIns="0" tIns="0" rIns="0" bIns="0"/>
+          <a:lstStyle/>
           <a:p>
             <a:endParaRPr/>
           </a:p>
@@ -3887,11 +4339,14 @@
       </p:sp>
     </p:spTree>
   </p:cSld>
+  <p:clrMapOvr>
+    <a:masterClrMapping/>
+  </p:clrMapOvr>
 </p:sldLayout>
 </file>
 
 <file path=ppt/slideLayouts/slideLayout8.xml><?xml version="1.0" encoding="utf-8"?>
-<p:sldLayout xmlns:a="http://schemas.openxmlformats.org/drawingml/2006/main" xmlns:p="http://schemas.openxmlformats.org/presentationml/2006/main" xmlns:r="http://schemas.openxmlformats.org/officeDocument/2006/relationships" type="objAndTwoObj" preserve="1">
+<p:sldLayout xmlns:a="http://schemas.openxmlformats.org/drawingml/2006/main" xmlns:r="http://schemas.openxmlformats.org/officeDocument/2006/relationships" xmlns:p="http://schemas.openxmlformats.org/presentationml/2006/main" type="objAndTwoObj" preserve="1">
   <p:cSld name="Title Content and 2 Content">
     <p:spTree>
       <p:nvGrpSpPr>
@@ -3927,7 +4382,8 @@
           </a:prstGeom>
         </p:spPr>
         <p:txBody>
-          <a:bodyPr lIns="0" rIns="0" tIns="0" bIns="0" anchor="ctr"/>
+          <a:bodyPr lIns="0" tIns="0" rIns="0" bIns="0" anchor="ctr"/>
+          <a:lstStyle/>
           <a:p>
             <a:pPr algn="ctr"/>
             <a:endParaRPr/>
@@ -3954,7 +4410,8 @@
           </a:prstGeom>
         </p:spPr>
         <p:txBody>
-          <a:bodyPr lIns="0" rIns="0" tIns="0" bIns="0"/>
+          <a:bodyPr lIns="0" tIns="0" rIns="0" bIns="0"/>
+          <a:lstStyle/>
           <a:p>
             <a:endParaRPr/>
           </a:p>
@@ -3980,7 +4437,8 @@
           </a:prstGeom>
         </p:spPr>
         <p:txBody>
-          <a:bodyPr lIns="0" rIns="0" tIns="0" bIns="0"/>
+          <a:bodyPr lIns="0" tIns="0" rIns="0" bIns="0"/>
+          <a:lstStyle/>
           <a:p>
             <a:endParaRPr/>
           </a:p>
@@ -4006,7 +4464,8 @@
           </a:prstGeom>
         </p:spPr>
         <p:txBody>
-          <a:bodyPr lIns="0" rIns="0" tIns="0" bIns="0"/>
+          <a:bodyPr lIns="0" tIns="0" rIns="0" bIns="0"/>
+          <a:lstStyle/>
           <a:p>
             <a:endParaRPr/>
           </a:p>
@@ -4014,11 +4473,14 @@
       </p:sp>
     </p:spTree>
   </p:cSld>
+  <p:clrMapOvr>
+    <a:masterClrMapping/>
+  </p:clrMapOvr>
 </p:sldLayout>
 </file>
 
 <file path=ppt/slideLayouts/slideLayout9.xml><?xml version="1.0" encoding="utf-8"?>
-<p:sldLayout xmlns:a="http://schemas.openxmlformats.org/drawingml/2006/main" xmlns:p="http://schemas.openxmlformats.org/presentationml/2006/main" xmlns:r="http://schemas.openxmlformats.org/officeDocument/2006/relationships" type="twoObjOverTx" preserve="1">
+<p:sldLayout xmlns:a="http://schemas.openxmlformats.org/drawingml/2006/main" xmlns:r="http://schemas.openxmlformats.org/officeDocument/2006/relationships" xmlns:p="http://schemas.openxmlformats.org/presentationml/2006/main" type="twoObjOverTx" preserve="1">
   <p:cSld name="Title, 2 Content over Content">
     <p:spTree>
       <p:nvGrpSpPr>
@@ -4054,7 +4516,8 @@
           </a:prstGeom>
         </p:spPr>
         <p:txBody>
-          <a:bodyPr lIns="0" rIns="0" tIns="0" bIns="0" anchor="ctr"/>
+          <a:bodyPr lIns="0" tIns="0" rIns="0" bIns="0" anchor="ctr"/>
+          <a:lstStyle/>
           <a:p>
             <a:pPr algn="ctr"/>
             <a:endParaRPr/>
@@ -4081,7 +4544,8 @@
           </a:prstGeom>
         </p:spPr>
         <p:txBody>
-          <a:bodyPr lIns="0" rIns="0" tIns="0" bIns="0"/>
+          <a:bodyPr lIns="0" tIns="0" rIns="0" bIns="0"/>
+          <a:lstStyle/>
           <a:p>
             <a:endParaRPr/>
           </a:p>
@@ -4107,7 +4571,8 @@
           </a:prstGeom>
         </p:spPr>
         <p:txBody>
-          <a:bodyPr lIns="0" rIns="0" tIns="0" bIns="0"/>
+          <a:bodyPr lIns="0" tIns="0" rIns="0" bIns="0"/>
+          <a:lstStyle/>
           <a:p>
             <a:endParaRPr/>
           </a:p>
@@ -4133,7 +4598,8 @@
           </a:prstGeom>
         </p:spPr>
         <p:txBody>
-          <a:bodyPr lIns="0" rIns="0" tIns="0" bIns="0"/>
+          <a:bodyPr lIns="0" tIns="0" rIns="0" bIns="0"/>
+          <a:lstStyle/>
           <a:p>
             <a:endParaRPr/>
           </a:p>
@@ -4141,17 +4607,21 @@
       </p:sp>
     </p:spTree>
   </p:cSld>
+  <p:clrMapOvr>
+    <a:masterClrMapping/>
+  </p:clrMapOvr>
 </p:sldLayout>
 </file>
 
 <file path=ppt/slideMasters/slideMaster1.xml><?xml version="1.0" encoding="utf-8"?>
-<p:sldMaster xmlns:a="http://schemas.openxmlformats.org/drawingml/2006/main" xmlns:p="http://schemas.openxmlformats.org/presentationml/2006/main" xmlns:r="http://schemas.openxmlformats.org/officeDocument/2006/relationships">
+<p:sldMaster xmlns:a="http://schemas.openxmlformats.org/drawingml/2006/main" xmlns:r="http://schemas.openxmlformats.org/officeDocument/2006/relationships" xmlns:p="http://schemas.openxmlformats.org/presentationml/2006/main">
   <p:cSld>
     <p:bg>
       <p:bgPr>
         <a:solidFill>
-          <a:srgbClr val="4285f4"/>
+          <a:srgbClr val="4285F4"/>
         </a:solidFill>
+        <a:effectLst/>
       </p:bgPr>
     </p:bg>
     <p:spTree>
@@ -4170,7 +4640,7 @@
       </p:grpSpPr>
       <p:sp>
         <p:nvSpPr>
-          <p:cNvPr id="0" name="CustomShape 1"/>
+          <p:cNvPr id="4" name="CustomShape 1"/>
           <p:cNvSpPr/>
           <p:nvPr/>
         </p:nvSpPr>
@@ -4183,7 +4653,7 @@
             <a:avLst/>
           </a:prstGeom>
           <a:solidFill>
-            <a:srgbClr val="ffffff"/>
+            <a:srgbClr val="FFFFFF"/>
           </a:solidFill>
           <a:ln>
             <a:noFill/>
@@ -4192,7 +4662,7 @@
       </p:sp>
       <p:sp>
         <p:nvSpPr>
-          <p:cNvPr id="1" name="CustomShape 2"/>
+          <p:cNvPr id="5" name="CustomShape 2"/>
           <p:cNvSpPr/>
           <p:nvPr/>
         </p:nvSpPr>
@@ -4207,7 +4677,7 @@
             </a:avLst>
           </a:prstGeom>
           <a:solidFill>
-            <a:srgbClr val="ffffff"/>
+            <a:srgbClr val="FFFFFF"/>
           </a:solidFill>
           <a:ln>
             <a:noFill/>
@@ -4234,10 +4704,11 @@
           </a:prstGeom>
         </p:spPr>
         <p:txBody>
-          <a:bodyPr lIns="0" rIns="0" tIns="0" bIns="0" anchor="ctr"/>
-          <a:p>
-            <a:r>
-              <a:rPr lang="zxx">
+          <a:bodyPr lIns="0" tIns="0" rIns="0" bIns="0" anchor="ctr"/>
+          <a:lstStyle/>
+          <a:p>
+            <a:r>
+              <a:rPr lang="x-none">
                 <a:latin typeface="Arial"/>
               </a:rPr>
               <a:t>Click to edit the title text format</a:t>
@@ -4266,7 +4737,8 @@
           </a:prstGeom>
         </p:spPr>
         <p:txBody>
-          <a:bodyPr lIns="0" rIns="0" tIns="0" bIns="0"/>
+          <a:bodyPr lIns="0" tIns="0" rIns="0" bIns="0"/>
+          <a:lstStyle/>
           <a:p>
             <a:pPr>
               <a:buSzPct val="45000"/>
@@ -4274,7 +4746,7 @@
               <a:buChar char=""/>
             </a:pPr>
             <a:r>
-              <a:rPr lang="zxx" sz="3200">
+              <a:rPr lang="x-none" sz="3200">
                 <a:latin typeface="Arial"/>
               </a:rPr>
               <a:t>Click to edit the outline text format</a:t>
@@ -4288,7 +4760,7 @@
               <a:buChar char=""/>
             </a:pPr>
             <a:r>
-              <a:rPr lang="zxx" sz="2800">
+              <a:rPr lang="x-none" sz="2800">
                 <a:latin typeface="Arial"/>
               </a:rPr>
               <a:t>Second Outline Level</a:t>
@@ -4302,7 +4774,7 @@
               <a:buChar char=""/>
             </a:pPr>
             <a:r>
-              <a:rPr lang="zxx" sz="2400">
+              <a:rPr lang="x-none" sz="2400">
                 <a:latin typeface="Arial"/>
               </a:rPr>
               <a:t>Third Outline Level</a:t>
@@ -4316,7 +4788,7 @@
               <a:buChar char=""/>
             </a:pPr>
             <a:r>
-              <a:rPr lang="zxx" sz="2000">
+              <a:rPr lang="x-none" sz="2000">
                 <a:latin typeface="Arial"/>
               </a:rPr>
               <a:t>Fourth Outline Level</a:t>
@@ -4330,7 +4802,7 @@
               <a:buChar char=""/>
             </a:pPr>
             <a:r>
-              <a:rPr lang="zxx" sz="2000">
+              <a:rPr lang="x-none" sz="2000">
                 <a:latin typeface="Arial"/>
               </a:rPr>
               <a:t>Fifth Outline Level</a:t>
@@ -4344,7 +4816,7 @@
               <a:buChar char=""/>
             </a:pPr>
             <a:r>
-              <a:rPr lang="zxx" sz="2000">
+              <a:rPr lang="x-none" sz="2000">
                 <a:latin typeface="Arial"/>
               </a:rPr>
               <a:t>Sixth Outline Level</a:t>
@@ -4358,7 +4830,7 @@
               <a:buChar char=""/>
             </a:pPr>
             <a:r>
-              <a:rPr lang="zxx" sz="2000">
+              <a:rPr lang="x-none" sz="2000">
                 <a:latin typeface="Arial"/>
               </a:rPr>
               <a:t>Seventh Outline Level</a:t>
@@ -4369,32 +4841,313 @@
       </p:sp>
     </p:spTree>
   </p:cSld>
-  <p:clrMap bg1="lt1" bg2="lt2" tx1="dk1" tx2="dk2" accent1="accent1" accent2="accent2" accent3="accent3" accent4="accent4" accent5="accent5" accent6="accent6" hlink="hlink" folHlink="folHlink"/>
+  <p:clrMap bg1="lt1" tx1="dk1" bg2="lt2" tx2="dk2" accent1="accent1" accent2="accent2" accent3="accent3" accent4="accent4" accent5="accent5" accent6="accent6" hlink="hlink" folHlink="folHlink"/>
   <p:sldLayoutIdLst>
-    <p:sldLayoutId id="2147483649" r:id="rId2"/>
-    <p:sldLayoutId id="2147483650" r:id="rId3"/>
-    <p:sldLayoutId id="2147483651" r:id="rId4"/>
-    <p:sldLayoutId id="2147483652" r:id="rId5"/>
-    <p:sldLayoutId id="2147483653" r:id="rId6"/>
-    <p:sldLayoutId id="2147483654" r:id="rId7"/>
-    <p:sldLayoutId id="2147483655" r:id="rId8"/>
-    <p:sldLayoutId id="2147483656" r:id="rId9"/>
-    <p:sldLayoutId id="2147483657" r:id="rId10"/>
-    <p:sldLayoutId id="2147483658" r:id="rId11"/>
-    <p:sldLayoutId id="2147483659" r:id="rId12"/>
-    <p:sldLayoutId id="2147483660" r:id="rId13"/>
+    <p:sldLayoutId id="2147483649" r:id="rId1"/>
+    <p:sldLayoutId id="2147483650" r:id="rId2"/>
+    <p:sldLayoutId id="2147483651" r:id="rId3"/>
+    <p:sldLayoutId id="2147483652" r:id="rId4"/>
+    <p:sldLayoutId id="2147483653" r:id="rId5"/>
+    <p:sldLayoutId id="2147483654" r:id="rId6"/>
+    <p:sldLayoutId id="2147483655" r:id="rId7"/>
+    <p:sldLayoutId id="2147483656" r:id="rId8"/>
+    <p:sldLayoutId id="2147483657" r:id="rId9"/>
+    <p:sldLayoutId id="2147483658" r:id="rId10"/>
+    <p:sldLayoutId id="2147483659" r:id="rId11"/>
+    <p:sldLayoutId id="2147483660" r:id="rId12"/>
   </p:sldLayoutIdLst>
+  <p:txStyles>
+    <p:titleStyle>
+      <a:lvl1pPr algn="r" defTabSz="914400" rtl="1" eaLnBrk="1" latinLnBrk="0" hangingPunct="1">
+        <a:lnSpc>
+          <a:spcPct val="90000"/>
+        </a:lnSpc>
+        <a:spcBef>
+          <a:spcPct val="0"/>
+        </a:spcBef>
+        <a:buNone/>
+        <a:defRPr sz="4400" kern="1200">
+          <a:solidFill>
+            <a:schemeClr val="tx1"/>
+          </a:solidFill>
+          <a:latin typeface="+mj-lt"/>
+          <a:ea typeface="+mj-ea"/>
+          <a:cs typeface="+mj-cs"/>
+        </a:defRPr>
+      </a:lvl1pPr>
+    </p:titleStyle>
+    <p:bodyStyle>
+      <a:lvl1pPr marL="228600" indent="-228600" algn="r" defTabSz="914400" rtl="1" eaLnBrk="1" latinLnBrk="0" hangingPunct="1">
+        <a:lnSpc>
+          <a:spcPct val="90000"/>
+        </a:lnSpc>
+        <a:spcBef>
+          <a:spcPts val="1000"/>
+        </a:spcBef>
+        <a:buFont typeface="Arial" panose="020B0604020202020204" pitchFamily="34" charset="0"/>
+        <a:buChar char="•"/>
+        <a:defRPr sz="2800" kern="1200">
+          <a:solidFill>
+            <a:schemeClr val="tx1"/>
+          </a:solidFill>
+          <a:latin typeface="+mn-lt"/>
+          <a:ea typeface="+mn-ea"/>
+          <a:cs typeface="+mn-cs"/>
+        </a:defRPr>
+      </a:lvl1pPr>
+      <a:lvl2pPr marL="685800" indent="-228600" algn="r" defTabSz="914400" rtl="1" eaLnBrk="1" latinLnBrk="0" hangingPunct="1">
+        <a:lnSpc>
+          <a:spcPct val="90000"/>
+        </a:lnSpc>
+        <a:spcBef>
+          <a:spcPts val="500"/>
+        </a:spcBef>
+        <a:buFont typeface="Arial" panose="020B0604020202020204" pitchFamily="34" charset="0"/>
+        <a:buChar char="•"/>
+        <a:defRPr sz="2400" kern="1200">
+          <a:solidFill>
+            <a:schemeClr val="tx1"/>
+          </a:solidFill>
+          <a:latin typeface="+mn-lt"/>
+          <a:ea typeface="+mn-ea"/>
+          <a:cs typeface="+mn-cs"/>
+        </a:defRPr>
+      </a:lvl2pPr>
+      <a:lvl3pPr marL="1143000" indent="-228600" algn="r" defTabSz="914400" rtl="1" eaLnBrk="1" latinLnBrk="0" hangingPunct="1">
+        <a:lnSpc>
+          <a:spcPct val="90000"/>
+        </a:lnSpc>
+        <a:spcBef>
+          <a:spcPts val="500"/>
+        </a:spcBef>
+        <a:buFont typeface="Arial" panose="020B0604020202020204" pitchFamily="34" charset="0"/>
+        <a:buChar char="•"/>
+        <a:defRPr sz="2000" kern="1200">
+          <a:solidFill>
+            <a:schemeClr val="tx1"/>
+          </a:solidFill>
+          <a:latin typeface="+mn-lt"/>
+          <a:ea typeface="+mn-ea"/>
+          <a:cs typeface="+mn-cs"/>
+        </a:defRPr>
+      </a:lvl3pPr>
+      <a:lvl4pPr marL="1600200" indent="-228600" algn="r" defTabSz="914400" rtl="1" eaLnBrk="1" latinLnBrk="0" hangingPunct="1">
+        <a:lnSpc>
+          <a:spcPct val="90000"/>
+        </a:lnSpc>
+        <a:spcBef>
+          <a:spcPts val="500"/>
+        </a:spcBef>
+        <a:buFont typeface="Arial" panose="020B0604020202020204" pitchFamily="34" charset="0"/>
+        <a:buChar char="•"/>
+        <a:defRPr sz="1800" kern="1200">
+          <a:solidFill>
+            <a:schemeClr val="tx1"/>
+          </a:solidFill>
+          <a:latin typeface="+mn-lt"/>
+          <a:ea typeface="+mn-ea"/>
+          <a:cs typeface="+mn-cs"/>
+        </a:defRPr>
+      </a:lvl4pPr>
+      <a:lvl5pPr marL="2057400" indent="-228600" algn="r" defTabSz="914400" rtl="1" eaLnBrk="1" latinLnBrk="0" hangingPunct="1">
+        <a:lnSpc>
+          <a:spcPct val="90000"/>
+        </a:lnSpc>
+        <a:spcBef>
+          <a:spcPts val="500"/>
+        </a:spcBef>
+        <a:buFont typeface="Arial" panose="020B0604020202020204" pitchFamily="34" charset="0"/>
+        <a:buChar char="•"/>
+        <a:defRPr sz="1800" kern="1200">
+          <a:solidFill>
+            <a:schemeClr val="tx1"/>
+          </a:solidFill>
+          <a:latin typeface="+mn-lt"/>
+          <a:ea typeface="+mn-ea"/>
+          <a:cs typeface="+mn-cs"/>
+        </a:defRPr>
+      </a:lvl5pPr>
+      <a:lvl6pPr marL="2514600" indent="-228600" algn="r" defTabSz="914400" rtl="1" eaLnBrk="1" latinLnBrk="0" hangingPunct="1">
+        <a:lnSpc>
+          <a:spcPct val="90000"/>
+        </a:lnSpc>
+        <a:spcBef>
+          <a:spcPts val="500"/>
+        </a:spcBef>
+        <a:buFont typeface="Arial" panose="020B0604020202020204" pitchFamily="34" charset="0"/>
+        <a:buChar char="•"/>
+        <a:defRPr sz="1800" kern="1200">
+          <a:solidFill>
+            <a:schemeClr val="tx1"/>
+          </a:solidFill>
+          <a:latin typeface="+mn-lt"/>
+          <a:ea typeface="+mn-ea"/>
+          <a:cs typeface="+mn-cs"/>
+        </a:defRPr>
+      </a:lvl6pPr>
+      <a:lvl7pPr marL="2971800" indent="-228600" algn="r" defTabSz="914400" rtl="1" eaLnBrk="1" latinLnBrk="0" hangingPunct="1">
+        <a:lnSpc>
+          <a:spcPct val="90000"/>
+        </a:lnSpc>
+        <a:spcBef>
+          <a:spcPts val="500"/>
+        </a:spcBef>
+        <a:buFont typeface="Arial" panose="020B0604020202020204" pitchFamily="34" charset="0"/>
+        <a:buChar char="•"/>
+        <a:defRPr sz="1800" kern="1200">
+          <a:solidFill>
+            <a:schemeClr val="tx1"/>
+          </a:solidFill>
+          <a:latin typeface="+mn-lt"/>
+          <a:ea typeface="+mn-ea"/>
+          <a:cs typeface="+mn-cs"/>
+        </a:defRPr>
+      </a:lvl7pPr>
+      <a:lvl8pPr marL="3429000" indent="-228600" algn="r" defTabSz="914400" rtl="1" eaLnBrk="1" latinLnBrk="0" hangingPunct="1">
+        <a:lnSpc>
+          <a:spcPct val="90000"/>
+        </a:lnSpc>
+        <a:spcBef>
+          <a:spcPts val="500"/>
+        </a:spcBef>
+        <a:buFont typeface="Arial" panose="020B0604020202020204" pitchFamily="34" charset="0"/>
+        <a:buChar char="•"/>
+        <a:defRPr sz="1800" kern="1200">
+          <a:solidFill>
+            <a:schemeClr val="tx1"/>
+          </a:solidFill>
+          <a:latin typeface="+mn-lt"/>
+          <a:ea typeface="+mn-ea"/>
+          <a:cs typeface="+mn-cs"/>
+        </a:defRPr>
+      </a:lvl8pPr>
+      <a:lvl9pPr marL="3886200" indent="-228600" algn="r" defTabSz="914400" rtl="1" eaLnBrk="1" latinLnBrk="0" hangingPunct="1">
+        <a:lnSpc>
+          <a:spcPct val="90000"/>
+        </a:lnSpc>
+        <a:spcBef>
+          <a:spcPts val="500"/>
+        </a:spcBef>
+        <a:buFont typeface="Arial" panose="020B0604020202020204" pitchFamily="34" charset="0"/>
+        <a:buChar char="•"/>
+        <a:defRPr sz="1800" kern="1200">
+          <a:solidFill>
+            <a:schemeClr val="tx1"/>
+          </a:solidFill>
+          <a:latin typeface="+mn-lt"/>
+          <a:ea typeface="+mn-ea"/>
+          <a:cs typeface="+mn-cs"/>
+        </a:defRPr>
+      </a:lvl9pPr>
+    </p:bodyStyle>
+    <p:otherStyle>
+      <a:defPPr>
+        <a:defRPr lang="he-IL"/>
+      </a:defPPr>
+      <a:lvl1pPr marL="0" algn="r" defTabSz="914400" rtl="1" eaLnBrk="1" latinLnBrk="0" hangingPunct="1">
+        <a:defRPr sz="1800" kern="1200">
+          <a:solidFill>
+            <a:schemeClr val="tx1"/>
+          </a:solidFill>
+          <a:latin typeface="+mn-lt"/>
+          <a:ea typeface="+mn-ea"/>
+          <a:cs typeface="+mn-cs"/>
+        </a:defRPr>
+      </a:lvl1pPr>
+      <a:lvl2pPr marL="457200" algn="r" defTabSz="914400" rtl="1" eaLnBrk="1" latinLnBrk="0" hangingPunct="1">
+        <a:defRPr sz="1800" kern="1200">
+          <a:solidFill>
+            <a:schemeClr val="tx1"/>
+          </a:solidFill>
+          <a:latin typeface="+mn-lt"/>
+          <a:ea typeface="+mn-ea"/>
+          <a:cs typeface="+mn-cs"/>
+        </a:defRPr>
+      </a:lvl2pPr>
+      <a:lvl3pPr marL="914400" algn="r" defTabSz="914400" rtl="1" eaLnBrk="1" latinLnBrk="0" hangingPunct="1">
+        <a:defRPr sz="1800" kern="1200">
+          <a:solidFill>
+            <a:schemeClr val="tx1"/>
+          </a:solidFill>
+          <a:latin typeface="+mn-lt"/>
+          <a:ea typeface="+mn-ea"/>
+          <a:cs typeface="+mn-cs"/>
+        </a:defRPr>
+      </a:lvl3pPr>
+      <a:lvl4pPr marL="1371600" algn="r" defTabSz="914400" rtl="1" eaLnBrk="1" latinLnBrk="0" hangingPunct="1">
+        <a:defRPr sz="1800" kern="1200">
+          <a:solidFill>
+            <a:schemeClr val="tx1"/>
+          </a:solidFill>
+          <a:latin typeface="+mn-lt"/>
+          <a:ea typeface="+mn-ea"/>
+          <a:cs typeface="+mn-cs"/>
+        </a:defRPr>
+      </a:lvl4pPr>
+      <a:lvl5pPr marL="1828800" algn="r" defTabSz="914400" rtl="1" eaLnBrk="1" latinLnBrk="0" hangingPunct="1">
+        <a:defRPr sz="1800" kern="1200">
+          <a:solidFill>
+            <a:schemeClr val="tx1"/>
+          </a:solidFill>
+          <a:latin typeface="+mn-lt"/>
+          <a:ea typeface="+mn-ea"/>
+          <a:cs typeface="+mn-cs"/>
+        </a:defRPr>
+      </a:lvl5pPr>
+      <a:lvl6pPr marL="2286000" algn="r" defTabSz="914400" rtl="1" eaLnBrk="1" latinLnBrk="0" hangingPunct="1">
+        <a:defRPr sz="1800" kern="1200">
+          <a:solidFill>
+            <a:schemeClr val="tx1"/>
+          </a:solidFill>
+          <a:latin typeface="+mn-lt"/>
+          <a:ea typeface="+mn-ea"/>
+          <a:cs typeface="+mn-cs"/>
+        </a:defRPr>
+      </a:lvl6pPr>
+      <a:lvl7pPr marL="2743200" algn="r" defTabSz="914400" rtl="1" eaLnBrk="1" latinLnBrk="0" hangingPunct="1">
+        <a:defRPr sz="1800" kern="1200">
+          <a:solidFill>
+            <a:schemeClr val="tx1"/>
+          </a:solidFill>
+          <a:latin typeface="+mn-lt"/>
+          <a:ea typeface="+mn-ea"/>
+          <a:cs typeface="+mn-cs"/>
+        </a:defRPr>
+      </a:lvl7pPr>
+      <a:lvl8pPr marL="3200400" algn="r" defTabSz="914400" rtl="1" eaLnBrk="1" latinLnBrk="0" hangingPunct="1">
+        <a:defRPr sz="1800" kern="1200">
+          <a:solidFill>
+            <a:schemeClr val="tx1"/>
+          </a:solidFill>
+          <a:latin typeface="+mn-lt"/>
+          <a:ea typeface="+mn-ea"/>
+          <a:cs typeface="+mn-cs"/>
+        </a:defRPr>
+      </a:lvl8pPr>
+      <a:lvl9pPr marL="3657600" algn="r" defTabSz="914400" rtl="1" eaLnBrk="1" latinLnBrk="0" hangingPunct="1">
+        <a:defRPr sz="1800" kern="1200">
+          <a:solidFill>
+            <a:schemeClr val="tx1"/>
+          </a:solidFill>
+          <a:latin typeface="+mn-lt"/>
+          <a:ea typeface="+mn-ea"/>
+          <a:cs typeface="+mn-cs"/>
+        </a:defRPr>
+      </a:lvl9pPr>
+    </p:otherStyle>
+  </p:txStyles>
 </p:sldMaster>
 </file>
 
 <file path=ppt/slideMasters/slideMaster2.xml><?xml version="1.0" encoding="utf-8"?>
-<p:sldMaster xmlns:a="http://schemas.openxmlformats.org/drawingml/2006/main" xmlns:p="http://schemas.openxmlformats.org/presentationml/2006/main" xmlns:r="http://schemas.openxmlformats.org/officeDocument/2006/relationships">
+<p:sldMaster xmlns:a="http://schemas.openxmlformats.org/drawingml/2006/main" xmlns:r="http://schemas.openxmlformats.org/officeDocument/2006/relationships" xmlns:p="http://schemas.openxmlformats.org/presentationml/2006/main">
   <p:cSld>
     <p:bg>
       <p:bgPr>
         <a:solidFill>
-          <a:srgbClr val="4285f4"/>
+          <a:srgbClr val="4285F4"/>
         </a:solidFill>
+        <a:effectLst/>
       </p:bgPr>
     </p:bg>
     <p:spTree>
@@ -4418,7 +5171,7 @@
           <p:nvPr/>
         </p:nvSpPr>
         <p:spPr>
-          <a:xfrm flipH="1" rot="10800000">
+          <a:xfrm rot="10800000" flipH="1">
             <a:off x="0" y="1686960"/>
             <a:ext cx="9143280" cy="3456720"/>
           </a:xfrm>
@@ -4426,7 +5179,7 @@
             <a:avLst/>
           </a:prstGeom>
           <a:solidFill>
-            <a:srgbClr val="fafafa"/>
+            <a:srgbClr val="FAFAFA"/>
           </a:solidFill>
           <a:ln>
             <a:noFill/>
@@ -4450,10 +5203,10 @@
           <a:gradFill>
             <a:gsLst>
               <a:gs pos="0">
-                <a:srgbClr val="f9f9f9"/>
+                <a:srgbClr val="F9F9F9"/>
               </a:gs>
               <a:gs pos="100000">
-                <a:srgbClr val="dedede"/>
+                <a:srgbClr val="DEDEDE"/>
               </a:gs>
             </a:gsLst>
             <a:lin ang="16200000"/>
@@ -4483,10 +5236,11 @@
           </a:prstGeom>
         </p:spPr>
         <p:txBody>
-          <a:bodyPr lIns="0" rIns="0" tIns="0" bIns="0" anchor="ctr"/>
-          <a:p>
-            <a:r>
-              <a:rPr lang="zxx">
+          <a:bodyPr lIns="0" tIns="0" rIns="0" bIns="0" anchor="ctr"/>
+          <a:lstStyle/>
+          <a:p>
+            <a:r>
+              <a:rPr lang="x-none">
                 <a:latin typeface="Arial"/>
               </a:rPr>
               <a:t>Click to edit the title text format</a:t>
@@ -4515,7 +5269,8 @@
           </a:prstGeom>
         </p:spPr>
         <p:txBody>
-          <a:bodyPr lIns="0" rIns="0" tIns="0" bIns="0"/>
+          <a:bodyPr lIns="0" tIns="0" rIns="0" bIns="0"/>
+          <a:lstStyle/>
           <a:p>
             <a:pPr>
               <a:buSzPct val="45000"/>
@@ -4523,7 +5278,7 @@
               <a:buChar char=""/>
             </a:pPr>
             <a:r>
-              <a:rPr lang="zxx">
+              <a:rPr lang="x-none">
                 <a:latin typeface="Arial"/>
               </a:rPr>
               <a:t>Click to edit the outline text format</a:t>
@@ -4537,7 +5292,7 @@
               <a:buChar char=""/>
             </a:pPr>
             <a:r>
-              <a:rPr lang="zxx">
+              <a:rPr lang="x-none">
                 <a:latin typeface="Arial"/>
               </a:rPr>
               <a:t>Second Outline Level</a:t>
@@ -4551,7 +5306,7 @@
               <a:buChar char=""/>
             </a:pPr>
             <a:r>
-              <a:rPr lang="zxx">
+              <a:rPr lang="x-none">
                 <a:latin typeface="Arial"/>
               </a:rPr>
               <a:t>Third Outline Level</a:t>
@@ -4565,7 +5320,7 @@
               <a:buChar char=""/>
             </a:pPr>
             <a:r>
-              <a:rPr lang="zxx">
+              <a:rPr lang="x-none">
                 <a:latin typeface="Arial"/>
               </a:rPr>
               <a:t>Fourth Outline Level</a:t>
@@ -4579,7 +5334,7 @@
               <a:buChar char=""/>
             </a:pPr>
             <a:r>
-              <a:rPr lang="zxx">
+              <a:rPr lang="x-none">
                 <a:latin typeface="Arial"/>
               </a:rPr>
               <a:t>Fifth Outline Level</a:t>
@@ -4593,7 +5348,7 @@
               <a:buChar char=""/>
             </a:pPr>
             <a:r>
-              <a:rPr lang="zxx">
+              <a:rPr lang="x-none">
                 <a:latin typeface="Arial"/>
               </a:rPr>
               <a:t>Sixth Outline Level</a:t>
@@ -4607,7 +5362,7 @@
               <a:buChar char=""/>
             </a:pPr>
             <a:r>
-              <a:rPr lang="zxx">
+              <a:rPr lang="x-none">
                 <a:latin typeface="Arial"/>
               </a:rPr>
               <a:t>Seventh Outline Level</a:t>
@@ -4618,32 +5373,313 @@
       </p:sp>
     </p:spTree>
   </p:cSld>
-  <p:clrMap bg1="lt1" bg2="lt2" tx1="dk1" tx2="dk2" accent1="accent1" accent2="accent2" accent3="accent3" accent4="accent4" accent5="accent5" accent6="accent6" hlink="hlink" folHlink="folHlink"/>
+  <p:clrMap bg1="lt1" tx1="dk1" bg2="lt2" tx2="dk2" accent1="accent1" accent2="accent2" accent3="accent3" accent4="accent4" accent5="accent5" accent6="accent6" hlink="hlink" folHlink="folHlink"/>
   <p:sldLayoutIdLst>
-    <p:sldLayoutId id="2147483662" r:id="rId2"/>
-    <p:sldLayoutId id="2147483663" r:id="rId3"/>
-    <p:sldLayoutId id="2147483664" r:id="rId4"/>
-    <p:sldLayoutId id="2147483665" r:id="rId5"/>
-    <p:sldLayoutId id="2147483666" r:id="rId6"/>
-    <p:sldLayoutId id="2147483667" r:id="rId7"/>
-    <p:sldLayoutId id="2147483668" r:id="rId8"/>
-    <p:sldLayoutId id="2147483669" r:id="rId9"/>
-    <p:sldLayoutId id="2147483670" r:id="rId10"/>
-    <p:sldLayoutId id="2147483671" r:id="rId11"/>
-    <p:sldLayoutId id="2147483672" r:id="rId12"/>
-    <p:sldLayoutId id="2147483673" r:id="rId13"/>
+    <p:sldLayoutId id="2147483662" r:id="rId1"/>
+    <p:sldLayoutId id="2147483663" r:id="rId2"/>
+    <p:sldLayoutId id="2147483664" r:id="rId3"/>
+    <p:sldLayoutId id="2147483665" r:id="rId4"/>
+    <p:sldLayoutId id="2147483666" r:id="rId5"/>
+    <p:sldLayoutId id="2147483667" r:id="rId6"/>
+    <p:sldLayoutId id="2147483668" r:id="rId7"/>
+    <p:sldLayoutId id="2147483669" r:id="rId8"/>
+    <p:sldLayoutId id="2147483670" r:id="rId9"/>
+    <p:sldLayoutId id="2147483671" r:id="rId10"/>
+    <p:sldLayoutId id="2147483672" r:id="rId11"/>
+    <p:sldLayoutId id="2147483673" r:id="rId12"/>
   </p:sldLayoutIdLst>
+  <p:txStyles>
+    <p:titleStyle>
+      <a:lvl1pPr algn="r" defTabSz="914400" rtl="1" eaLnBrk="1" latinLnBrk="0" hangingPunct="1">
+        <a:lnSpc>
+          <a:spcPct val="90000"/>
+        </a:lnSpc>
+        <a:spcBef>
+          <a:spcPct val="0"/>
+        </a:spcBef>
+        <a:buNone/>
+        <a:defRPr sz="4400" kern="1200">
+          <a:solidFill>
+            <a:schemeClr val="tx1"/>
+          </a:solidFill>
+          <a:latin typeface="+mj-lt"/>
+          <a:ea typeface="+mj-ea"/>
+          <a:cs typeface="+mj-cs"/>
+        </a:defRPr>
+      </a:lvl1pPr>
+    </p:titleStyle>
+    <p:bodyStyle>
+      <a:lvl1pPr marL="228600" indent="-228600" algn="r" defTabSz="914400" rtl="1" eaLnBrk="1" latinLnBrk="0" hangingPunct="1">
+        <a:lnSpc>
+          <a:spcPct val="90000"/>
+        </a:lnSpc>
+        <a:spcBef>
+          <a:spcPts val="1000"/>
+        </a:spcBef>
+        <a:buFont typeface="Arial" panose="020B0604020202020204" pitchFamily="34" charset="0"/>
+        <a:buChar char="•"/>
+        <a:defRPr sz="2800" kern="1200">
+          <a:solidFill>
+            <a:schemeClr val="tx1"/>
+          </a:solidFill>
+          <a:latin typeface="+mn-lt"/>
+          <a:ea typeface="+mn-ea"/>
+          <a:cs typeface="+mn-cs"/>
+        </a:defRPr>
+      </a:lvl1pPr>
+      <a:lvl2pPr marL="685800" indent="-228600" algn="r" defTabSz="914400" rtl="1" eaLnBrk="1" latinLnBrk="0" hangingPunct="1">
+        <a:lnSpc>
+          <a:spcPct val="90000"/>
+        </a:lnSpc>
+        <a:spcBef>
+          <a:spcPts val="500"/>
+        </a:spcBef>
+        <a:buFont typeface="Arial" panose="020B0604020202020204" pitchFamily="34" charset="0"/>
+        <a:buChar char="•"/>
+        <a:defRPr sz="2400" kern="1200">
+          <a:solidFill>
+            <a:schemeClr val="tx1"/>
+          </a:solidFill>
+          <a:latin typeface="+mn-lt"/>
+          <a:ea typeface="+mn-ea"/>
+          <a:cs typeface="+mn-cs"/>
+        </a:defRPr>
+      </a:lvl2pPr>
+      <a:lvl3pPr marL="1143000" indent="-228600" algn="r" defTabSz="914400" rtl="1" eaLnBrk="1" latinLnBrk="0" hangingPunct="1">
+        <a:lnSpc>
+          <a:spcPct val="90000"/>
+        </a:lnSpc>
+        <a:spcBef>
+          <a:spcPts val="500"/>
+        </a:spcBef>
+        <a:buFont typeface="Arial" panose="020B0604020202020204" pitchFamily="34" charset="0"/>
+        <a:buChar char="•"/>
+        <a:defRPr sz="2000" kern="1200">
+          <a:solidFill>
+            <a:schemeClr val="tx1"/>
+          </a:solidFill>
+          <a:latin typeface="+mn-lt"/>
+          <a:ea typeface="+mn-ea"/>
+          <a:cs typeface="+mn-cs"/>
+        </a:defRPr>
+      </a:lvl3pPr>
+      <a:lvl4pPr marL="1600200" indent="-228600" algn="r" defTabSz="914400" rtl="1" eaLnBrk="1" latinLnBrk="0" hangingPunct="1">
+        <a:lnSpc>
+          <a:spcPct val="90000"/>
+        </a:lnSpc>
+        <a:spcBef>
+          <a:spcPts val="500"/>
+        </a:spcBef>
+        <a:buFont typeface="Arial" panose="020B0604020202020204" pitchFamily="34" charset="0"/>
+        <a:buChar char="•"/>
+        <a:defRPr sz="1800" kern="1200">
+          <a:solidFill>
+            <a:schemeClr val="tx1"/>
+          </a:solidFill>
+          <a:latin typeface="+mn-lt"/>
+          <a:ea typeface="+mn-ea"/>
+          <a:cs typeface="+mn-cs"/>
+        </a:defRPr>
+      </a:lvl4pPr>
+      <a:lvl5pPr marL="2057400" indent="-228600" algn="r" defTabSz="914400" rtl="1" eaLnBrk="1" latinLnBrk="0" hangingPunct="1">
+        <a:lnSpc>
+          <a:spcPct val="90000"/>
+        </a:lnSpc>
+        <a:spcBef>
+          <a:spcPts val="500"/>
+        </a:spcBef>
+        <a:buFont typeface="Arial" panose="020B0604020202020204" pitchFamily="34" charset="0"/>
+        <a:buChar char="•"/>
+        <a:defRPr sz="1800" kern="1200">
+          <a:solidFill>
+            <a:schemeClr val="tx1"/>
+          </a:solidFill>
+          <a:latin typeface="+mn-lt"/>
+          <a:ea typeface="+mn-ea"/>
+          <a:cs typeface="+mn-cs"/>
+        </a:defRPr>
+      </a:lvl5pPr>
+      <a:lvl6pPr marL="2514600" indent="-228600" algn="r" defTabSz="914400" rtl="1" eaLnBrk="1" latinLnBrk="0" hangingPunct="1">
+        <a:lnSpc>
+          <a:spcPct val="90000"/>
+        </a:lnSpc>
+        <a:spcBef>
+          <a:spcPts val="500"/>
+        </a:spcBef>
+        <a:buFont typeface="Arial" panose="020B0604020202020204" pitchFamily="34" charset="0"/>
+        <a:buChar char="•"/>
+        <a:defRPr sz="1800" kern="1200">
+          <a:solidFill>
+            <a:schemeClr val="tx1"/>
+          </a:solidFill>
+          <a:latin typeface="+mn-lt"/>
+          <a:ea typeface="+mn-ea"/>
+          <a:cs typeface="+mn-cs"/>
+        </a:defRPr>
+      </a:lvl6pPr>
+      <a:lvl7pPr marL="2971800" indent="-228600" algn="r" defTabSz="914400" rtl="1" eaLnBrk="1" latinLnBrk="0" hangingPunct="1">
+        <a:lnSpc>
+          <a:spcPct val="90000"/>
+        </a:lnSpc>
+        <a:spcBef>
+          <a:spcPts val="500"/>
+        </a:spcBef>
+        <a:buFont typeface="Arial" panose="020B0604020202020204" pitchFamily="34" charset="0"/>
+        <a:buChar char="•"/>
+        <a:defRPr sz="1800" kern="1200">
+          <a:solidFill>
+            <a:schemeClr val="tx1"/>
+          </a:solidFill>
+          <a:latin typeface="+mn-lt"/>
+          <a:ea typeface="+mn-ea"/>
+          <a:cs typeface="+mn-cs"/>
+        </a:defRPr>
+      </a:lvl7pPr>
+      <a:lvl8pPr marL="3429000" indent="-228600" algn="r" defTabSz="914400" rtl="1" eaLnBrk="1" latinLnBrk="0" hangingPunct="1">
+        <a:lnSpc>
+          <a:spcPct val="90000"/>
+        </a:lnSpc>
+        <a:spcBef>
+          <a:spcPts val="500"/>
+        </a:spcBef>
+        <a:buFont typeface="Arial" panose="020B0604020202020204" pitchFamily="34" charset="0"/>
+        <a:buChar char="•"/>
+        <a:defRPr sz="1800" kern="1200">
+          <a:solidFill>
+            <a:schemeClr val="tx1"/>
+          </a:solidFill>
+          <a:latin typeface="+mn-lt"/>
+          <a:ea typeface="+mn-ea"/>
+          <a:cs typeface="+mn-cs"/>
+        </a:defRPr>
+      </a:lvl8pPr>
+      <a:lvl9pPr marL="3886200" indent="-228600" algn="r" defTabSz="914400" rtl="1" eaLnBrk="1" latinLnBrk="0" hangingPunct="1">
+        <a:lnSpc>
+          <a:spcPct val="90000"/>
+        </a:lnSpc>
+        <a:spcBef>
+          <a:spcPts val="500"/>
+        </a:spcBef>
+        <a:buFont typeface="Arial" panose="020B0604020202020204" pitchFamily="34" charset="0"/>
+        <a:buChar char="•"/>
+        <a:defRPr sz="1800" kern="1200">
+          <a:solidFill>
+            <a:schemeClr val="tx1"/>
+          </a:solidFill>
+          <a:latin typeface="+mn-lt"/>
+          <a:ea typeface="+mn-ea"/>
+          <a:cs typeface="+mn-cs"/>
+        </a:defRPr>
+      </a:lvl9pPr>
+    </p:bodyStyle>
+    <p:otherStyle>
+      <a:defPPr>
+        <a:defRPr lang="he-IL"/>
+      </a:defPPr>
+      <a:lvl1pPr marL="0" algn="r" defTabSz="914400" rtl="1" eaLnBrk="1" latinLnBrk="0" hangingPunct="1">
+        <a:defRPr sz="1800" kern="1200">
+          <a:solidFill>
+            <a:schemeClr val="tx1"/>
+          </a:solidFill>
+          <a:latin typeface="+mn-lt"/>
+          <a:ea typeface="+mn-ea"/>
+          <a:cs typeface="+mn-cs"/>
+        </a:defRPr>
+      </a:lvl1pPr>
+      <a:lvl2pPr marL="457200" algn="r" defTabSz="914400" rtl="1" eaLnBrk="1" latinLnBrk="0" hangingPunct="1">
+        <a:defRPr sz="1800" kern="1200">
+          <a:solidFill>
+            <a:schemeClr val="tx1"/>
+          </a:solidFill>
+          <a:latin typeface="+mn-lt"/>
+          <a:ea typeface="+mn-ea"/>
+          <a:cs typeface="+mn-cs"/>
+        </a:defRPr>
+      </a:lvl2pPr>
+      <a:lvl3pPr marL="914400" algn="r" defTabSz="914400" rtl="1" eaLnBrk="1" latinLnBrk="0" hangingPunct="1">
+        <a:defRPr sz="1800" kern="1200">
+          <a:solidFill>
+            <a:schemeClr val="tx1"/>
+          </a:solidFill>
+          <a:latin typeface="+mn-lt"/>
+          <a:ea typeface="+mn-ea"/>
+          <a:cs typeface="+mn-cs"/>
+        </a:defRPr>
+      </a:lvl3pPr>
+      <a:lvl4pPr marL="1371600" algn="r" defTabSz="914400" rtl="1" eaLnBrk="1" latinLnBrk="0" hangingPunct="1">
+        <a:defRPr sz="1800" kern="1200">
+          <a:solidFill>
+            <a:schemeClr val="tx1"/>
+          </a:solidFill>
+          <a:latin typeface="+mn-lt"/>
+          <a:ea typeface="+mn-ea"/>
+          <a:cs typeface="+mn-cs"/>
+        </a:defRPr>
+      </a:lvl4pPr>
+      <a:lvl5pPr marL="1828800" algn="r" defTabSz="914400" rtl="1" eaLnBrk="1" latinLnBrk="0" hangingPunct="1">
+        <a:defRPr sz="1800" kern="1200">
+          <a:solidFill>
+            <a:schemeClr val="tx1"/>
+          </a:solidFill>
+          <a:latin typeface="+mn-lt"/>
+          <a:ea typeface="+mn-ea"/>
+          <a:cs typeface="+mn-cs"/>
+        </a:defRPr>
+      </a:lvl5pPr>
+      <a:lvl6pPr marL="2286000" algn="r" defTabSz="914400" rtl="1" eaLnBrk="1" latinLnBrk="0" hangingPunct="1">
+        <a:defRPr sz="1800" kern="1200">
+          <a:solidFill>
+            <a:schemeClr val="tx1"/>
+          </a:solidFill>
+          <a:latin typeface="+mn-lt"/>
+          <a:ea typeface="+mn-ea"/>
+          <a:cs typeface="+mn-cs"/>
+        </a:defRPr>
+      </a:lvl6pPr>
+      <a:lvl7pPr marL="2743200" algn="r" defTabSz="914400" rtl="1" eaLnBrk="1" latinLnBrk="0" hangingPunct="1">
+        <a:defRPr sz="1800" kern="1200">
+          <a:solidFill>
+            <a:schemeClr val="tx1"/>
+          </a:solidFill>
+          <a:latin typeface="+mn-lt"/>
+          <a:ea typeface="+mn-ea"/>
+          <a:cs typeface="+mn-cs"/>
+        </a:defRPr>
+      </a:lvl7pPr>
+      <a:lvl8pPr marL="3200400" algn="r" defTabSz="914400" rtl="1" eaLnBrk="1" latinLnBrk="0" hangingPunct="1">
+        <a:defRPr sz="1800" kern="1200">
+          <a:solidFill>
+            <a:schemeClr val="tx1"/>
+          </a:solidFill>
+          <a:latin typeface="+mn-lt"/>
+          <a:ea typeface="+mn-ea"/>
+          <a:cs typeface="+mn-cs"/>
+        </a:defRPr>
+      </a:lvl8pPr>
+      <a:lvl9pPr marL="3657600" algn="r" defTabSz="914400" rtl="1" eaLnBrk="1" latinLnBrk="0" hangingPunct="1">
+        <a:defRPr sz="1800" kern="1200">
+          <a:solidFill>
+            <a:schemeClr val="tx1"/>
+          </a:solidFill>
+          <a:latin typeface="+mn-lt"/>
+          <a:ea typeface="+mn-ea"/>
+          <a:cs typeface="+mn-cs"/>
+        </a:defRPr>
+      </a:lvl9pPr>
+    </p:otherStyle>
+  </p:txStyles>
 </p:sldMaster>
 </file>
 
 <file path=ppt/slideMasters/slideMaster3.xml><?xml version="1.0" encoding="utf-8"?>
-<p:sldMaster xmlns:a="http://schemas.openxmlformats.org/drawingml/2006/main" xmlns:p="http://schemas.openxmlformats.org/presentationml/2006/main" xmlns:r="http://schemas.openxmlformats.org/officeDocument/2006/relationships">
+<p:sldMaster xmlns:a="http://schemas.openxmlformats.org/drawingml/2006/main" xmlns:r="http://schemas.openxmlformats.org/officeDocument/2006/relationships" xmlns:p="http://schemas.openxmlformats.org/presentationml/2006/main">
   <p:cSld>
     <p:bg>
       <p:bgPr>
         <a:solidFill>
-          <a:srgbClr val="4285f4"/>
+          <a:srgbClr val="4285F4"/>
         </a:solidFill>
+        <a:effectLst/>
       </p:bgPr>
     </p:bg>
     <p:spTree>
@@ -4680,11 +5716,12 @@
           </a:prstGeom>
         </p:spPr>
         <p:txBody>
-          <a:bodyPr lIns="0" rIns="0" tIns="0" bIns="0" anchor="ctr"/>
+          <a:bodyPr lIns="0" tIns="0" rIns="0" bIns="0" anchor="ctr"/>
+          <a:lstStyle/>
           <a:p>
             <a:pPr algn="ctr"/>
             <a:r>
-              <a:rPr lang="zxx" sz="4400">
+              <a:rPr lang="x-none" sz="4400">
                 <a:latin typeface="Arial"/>
               </a:rPr>
               <a:t>Click to edit the title text format</a:t>
@@ -4713,7 +5750,8 @@
           </a:prstGeom>
         </p:spPr>
         <p:txBody>
-          <a:bodyPr lIns="0" rIns="0" tIns="0" bIns="0"/>
+          <a:bodyPr lIns="0" tIns="0" rIns="0" bIns="0"/>
+          <a:lstStyle/>
           <a:p>
             <a:pPr>
               <a:buSzPct val="45000"/>
@@ -4721,7 +5759,7 @@
               <a:buChar char=""/>
             </a:pPr>
             <a:r>
-              <a:rPr lang="zxx" sz="3200">
+              <a:rPr lang="x-none" sz="3200">
                 <a:latin typeface="Arial"/>
               </a:rPr>
               <a:t>Click to edit the outline text format</a:t>
@@ -4735,7 +5773,7 @@
               <a:buChar char=""/>
             </a:pPr>
             <a:r>
-              <a:rPr lang="zxx" sz="2800">
+              <a:rPr lang="x-none" sz="2800">
                 <a:latin typeface="Arial"/>
               </a:rPr>
               <a:t>Second Outline Level</a:t>
@@ -4749,7 +5787,7 @@
               <a:buChar char=""/>
             </a:pPr>
             <a:r>
-              <a:rPr lang="zxx" sz="2400">
+              <a:rPr lang="x-none" sz="2400">
                 <a:latin typeface="Arial"/>
               </a:rPr>
               <a:t>Third Outline Level</a:t>
@@ -4763,7 +5801,7 @@
               <a:buChar char=""/>
             </a:pPr>
             <a:r>
-              <a:rPr lang="zxx" sz="2000">
+              <a:rPr lang="x-none" sz="2000">
                 <a:latin typeface="Arial"/>
               </a:rPr>
               <a:t>Fourth Outline Level</a:t>
@@ -4777,7 +5815,7 @@
               <a:buChar char=""/>
             </a:pPr>
             <a:r>
-              <a:rPr lang="zxx" sz="2000">
+              <a:rPr lang="x-none" sz="2000">
                 <a:latin typeface="Arial"/>
               </a:rPr>
               <a:t>Fifth Outline Level</a:t>
@@ -4791,7 +5829,7 @@
               <a:buChar char=""/>
             </a:pPr>
             <a:r>
-              <a:rPr lang="zxx" sz="2000">
+              <a:rPr lang="x-none" sz="2000">
                 <a:latin typeface="Arial"/>
               </a:rPr>
               <a:t>Sixth Outline Level</a:t>
@@ -4805,7 +5843,7 @@
               <a:buChar char=""/>
             </a:pPr>
             <a:r>
-              <a:rPr lang="zxx" sz="2000">
+              <a:rPr lang="x-none" sz="2000">
                 <a:latin typeface="Arial"/>
               </a:rPr>
               <a:t>Seventh Outline Level</a:t>
@@ -4816,26 +5854,306 @@
       </p:sp>
     </p:spTree>
   </p:cSld>
-  <p:clrMap bg1="lt1" bg2="lt2" tx1="dk1" tx2="dk2" accent1="accent1" accent2="accent2" accent3="accent3" accent4="accent4" accent5="accent5" accent6="accent6" hlink="hlink" folHlink="folHlink"/>
+  <p:clrMap bg1="lt1" tx1="dk1" bg2="lt2" tx2="dk2" accent1="accent1" accent2="accent2" accent3="accent3" accent4="accent4" accent5="accent5" accent6="accent6" hlink="hlink" folHlink="folHlink"/>
   <p:sldLayoutIdLst>
-    <p:sldLayoutId id="2147483675" r:id="rId2"/>
-    <p:sldLayoutId id="2147483676" r:id="rId3"/>
-    <p:sldLayoutId id="2147483677" r:id="rId4"/>
-    <p:sldLayoutId id="2147483678" r:id="rId5"/>
-    <p:sldLayoutId id="2147483679" r:id="rId6"/>
-    <p:sldLayoutId id="2147483680" r:id="rId7"/>
-    <p:sldLayoutId id="2147483681" r:id="rId8"/>
-    <p:sldLayoutId id="2147483682" r:id="rId9"/>
-    <p:sldLayoutId id="2147483683" r:id="rId10"/>
-    <p:sldLayoutId id="2147483684" r:id="rId11"/>
-    <p:sldLayoutId id="2147483685" r:id="rId12"/>
-    <p:sldLayoutId id="2147483686" r:id="rId13"/>
+    <p:sldLayoutId id="2147483675" r:id="rId1"/>
+    <p:sldLayoutId id="2147483676" r:id="rId2"/>
+    <p:sldLayoutId id="2147483677" r:id="rId3"/>
+    <p:sldLayoutId id="2147483678" r:id="rId4"/>
+    <p:sldLayoutId id="2147483679" r:id="rId5"/>
+    <p:sldLayoutId id="2147483680" r:id="rId6"/>
+    <p:sldLayoutId id="2147483681" r:id="rId7"/>
+    <p:sldLayoutId id="2147483682" r:id="rId8"/>
+    <p:sldLayoutId id="2147483683" r:id="rId9"/>
+    <p:sldLayoutId id="2147483684" r:id="rId10"/>
+    <p:sldLayoutId id="2147483685" r:id="rId11"/>
+    <p:sldLayoutId id="2147483686" r:id="rId12"/>
   </p:sldLayoutIdLst>
+  <p:txStyles>
+    <p:titleStyle>
+      <a:lvl1pPr algn="r" defTabSz="914400" rtl="1" eaLnBrk="1" latinLnBrk="0" hangingPunct="1">
+        <a:lnSpc>
+          <a:spcPct val="90000"/>
+        </a:lnSpc>
+        <a:spcBef>
+          <a:spcPct val="0"/>
+        </a:spcBef>
+        <a:buNone/>
+        <a:defRPr sz="4400" kern="1200">
+          <a:solidFill>
+            <a:schemeClr val="tx1"/>
+          </a:solidFill>
+          <a:latin typeface="+mj-lt"/>
+          <a:ea typeface="+mj-ea"/>
+          <a:cs typeface="+mj-cs"/>
+        </a:defRPr>
+      </a:lvl1pPr>
+    </p:titleStyle>
+    <p:bodyStyle>
+      <a:lvl1pPr marL="228600" indent="-228600" algn="r" defTabSz="914400" rtl="1" eaLnBrk="1" latinLnBrk="0" hangingPunct="1">
+        <a:lnSpc>
+          <a:spcPct val="90000"/>
+        </a:lnSpc>
+        <a:spcBef>
+          <a:spcPts val="1000"/>
+        </a:spcBef>
+        <a:buFont typeface="Arial" panose="020B0604020202020204" pitchFamily="34" charset="0"/>
+        <a:buChar char="•"/>
+        <a:defRPr sz="2800" kern="1200">
+          <a:solidFill>
+            <a:schemeClr val="tx1"/>
+          </a:solidFill>
+          <a:latin typeface="+mn-lt"/>
+          <a:ea typeface="+mn-ea"/>
+          <a:cs typeface="+mn-cs"/>
+        </a:defRPr>
+      </a:lvl1pPr>
+      <a:lvl2pPr marL="685800" indent="-228600" algn="r" defTabSz="914400" rtl="1" eaLnBrk="1" latinLnBrk="0" hangingPunct="1">
+        <a:lnSpc>
+          <a:spcPct val="90000"/>
+        </a:lnSpc>
+        <a:spcBef>
+          <a:spcPts val="500"/>
+        </a:spcBef>
+        <a:buFont typeface="Arial" panose="020B0604020202020204" pitchFamily="34" charset="0"/>
+        <a:buChar char="•"/>
+        <a:defRPr sz="2400" kern="1200">
+          <a:solidFill>
+            <a:schemeClr val="tx1"/>
+          </a:solidFill>
+          <a:latin typeface="+mn-lt"/>
+          <a:ea typeface="+mn-ea"/>
+          <a:cs typeface="+mn-cs"/>
+        </a:defRPr>
+      </a:lvl2pPr>
+      <a:lvl3pPr marL="1143000" indent="-228600" algn="r" defTabSz="914400" rtl="1" eaLnBrk="1" latinLnBrk="0" hangingPunct="1">
+        <a:lnSpc>
+          <a:spcPct val="90000"/>
+        </a:lnSpc>
+        <a:spcBef>
+          <a:spcPts val="500"/>
+        </a:spcBef>
+        <a:buFont typeface="Arial" panose="020B0604020202020204" pitchFamily="34" charset="0"/>
+        <a:buChar char="•"/>
+        <a:defRPr sz="2000" kern="1200">
+          <a:solidFill>
+            <a:schemeClr val="tx1"/>
+          </a:solidFill>
+          <a:latin typeface="+mn-lt"/>
+          <a:ea typeface="+mn-ea"/>
+          <a:cs typeface="+mn-cs"/>
+        </a:defRPr>
+      </a:lvl3pPr>
+      <a:lvl4pPr marL="1600200" indent="-228600" algn="r" defTabSz="914400" rtl="1" eaLnBrk="1" latinLnBrk="0" hangingPunct="1">
+        <a:lnSpc>
+          <a:spcPct val="90000"/>
+        </a:lnSpc>
+        <a:spcBef>
+          <a:spcPts val="500"/>
+        </a:spcBef>
+        <a:buFont typeface="Arial" panose="020B0604020202020204" pitchFamily="34" charset="0"/>
+        <a:buChar char="•"/>
+        <a:defRPr sz="1800" kern="1200">
+          <a:solidFill>
+            <a:schemeClr val="tx1"/>
+          </a:solidFill>
+          <a:latin typeface="+mn-lt"/>
+          <a:ea typeface="+mn-ea"/>
+          <a:cs typeface="+mn-cs"/>
+        </a:defRPr>
+      </a:lvl4pPr>
+      <a:lvl5pPr marL="2057400" indent="-228600" algn="r" defTabSz="914400" rtl="1" eaLnBrk="1" latinLnBrk="0" hangingPunct="1">
+        <a:lnSpc>
+          <a:spcPct val="90000"/>
+        </a:lnSpc>
+        <a:spcBef>
+          <a:spcPts val="500"/>
+        </a:spcBef>
+        <a:buFont typeface="Arial" panose="020B0604020202020204" pitchFamily="34" charset="0"/>
+        <a:buChar char="•"/>
+        <a:defRPr sz="1800" kern="1200">
+          <a:solidFill>
+            <a:schemeClr val="tx1"/>
+          </a:solidFill>
+          <a:latin typeface="+mn-lt"/>
+          <a:ea typeface="+mn-ea"/>
+          <a:cs typeface="+mn-cs"/>
+        </a:defRPr>
+      </a:lvl5pPr>
+      <a:lvl6pPr marL="2514600" indent="-228600" algn="r" defTabSz="914400" rtl="1" eaLnBrk="1" latinLnBrk="0" hangingPunct="1">
+        <a:lnSpc>
+          <a:spcPct val="90000"/>
+        </a:lnSpc>
+        <a:spcBef>
+          <a:spcPts val="500"/>
+        </a:spcBef>
+        <a:buFont typeface="Arial" panose="020B0604020202020204" pitchFamily="34" charset="0"/>
+        <a:buChar char="•"/>
+        <a:defRPr sz="1800" kern="1200">
+          <a:solidFill>
+            <a:schemeClr val="tx1"/>
+          </a:solidFill>
+          <a:latin typeface="+mn-lt"/>
+          <a:ea typeface="+mn-ea"/>
+          <a:cs typeface="+mn-cs"/>
+        </a:defRPr>
+      </a:lvl6pPr>
+      <a:lvl7pPr marL="2971800" indent="-228600" algn="r" defTabSz="914400" rtl="1" eaLnBrk="1" latinLnBrk="0" hangingPunct="1">
+        <a:lnSpc>
+          <a:spcPct val="90000"/>
+        </a:lnSpc>
+        <a:spcBef>
+          <a:spcPts val="500"/>
+        </a:spcBef>
+        <a:buFont typeface="Arial" panose="020B0604020202020204" pitchFamily="34" charset="0"/>
+        <a:buChar char="•"/>
+        <a:defRPr sz="1800" kern="1200">
+          <a:solidFill>
+            <a:schemeClr val="tx1"/>
+          </a:solidFill>
+          <a:latin typeface="+mn-lt"/>
+          <a:ea typeface="+mn-ea"/>
+          <a:cs typeface="+mn-cs"/>
+        </a:defRPr>
+      </a:lvl7pPr>
+      <a:lvl8pPr marL="3429000" indent="-228600" algn="r" defTabSz="914400" rtl="1" eaLnBrk="1" latinLnBrk="0" hangingPunct="1">
+        <a:lnSpc>
+          <a:spcPct val="90000"/>
+        </a:lnSpc>
+        <a:spcBef>
+          <a:spcPts val="500"/>
+        </a:spcBef>
+        <a:buFont typeface="Arial" panose="020B0604020202020204" pitchFamily="34" charset="0"/>
+        <a:buChar char="•"/>
+        <a:defRPr sz="1800" kern="1200">
+          <a:solidFill>
+            <a:schemeClr val="tx1"/>
+          </a:solidFill>
+          <a:latin typeface="+mn-lt"/>
+          <a:ea typeface="+mn-ea"/>
+          <a:cs typeface="+mn-cs"/>
+        </a:defRPr>
+      </a:lvl8pPr>
+      <a:lvl9pPr marL="3886200" indent="-228600" algn="r" defTabSz="914400" rtl="1" eaLnBrk="1" latinLnBrk="0" hangingPunct="1">
+        <a:lnSpc>
+          <a:spcPct val="90000"/>
+        </a:lnSpc>
+        <a:spcBef>
+          <a:spcPts val="500"/>
+        </a:spcBef>
+        <a:buFont typeface="Arial" panose="020B0604020202020204" pitchFamily="34" charset="0"/>
+        <a:buChar char="•"/>
+        <a:defRPr sz="1800" kern="1200">
+          <a:solidFill>
+            <a:schemeClr val="tx1"/>
+          </a:solidFill>
+          <a:latin typeface="+mn-lt"/>
+          <a:ea typeface="+mn-ea"/>
+          <a:cs typeface="+mn-cs"/>
+        </a:defRPr>
+      </a:lvl9pPr>
+    </p:bodyStyle>
+    <p:otherStyle>
+      <a:defPPr>
+        <a:defRPr lang="he-IL"/>
+      </a:defPPr>
+      <a:lvl1pPr marL="0" algn="r" defTabSz="914400" rtl="1" eaLnBrk="1" latinLnBrk="0" hangingPunct="1">
+        <a:defRPr sz="1800" kern="1200">
+          <a:solidFill>
+            <a:schemeClr val="tx1"/>
+          </a:solidFill>
+          <a:latin typeface="+mn-lt"/>
+          <a:ea typeface="+mn-ea"/>
+          <a:cs typeface="+mn-cs"/>
+        </a:defRPr>
+      </a:lvl1pPr>
+      <a:lvl2pPr marL="457200" algn="r" defTabSz="914400" rtl="1" eaLnBrk="1" latinLnBrk="0" hangingPunct="1">
+        <a:defRPr sz="1800" kern="1200">
+          <a:solidFill>
+            <a:schemeClr val="tx1"/>
+          </a:solidFill>
+          <a:latin typeface="+mn-lt"/>
+          <a:ea typeface="+mn-ea"/>
+          <a:cs typeface="+mn-cs"/>
+        </a:defRPr>
+      </a:lvl2pPr>
+      <a:lvl3pPr marL="914400" algn="r" defTabSz="914400" rtl="1" eaLnBrk="1" latinLnBrk="0" hangingPunct="1">
+        <a:defRPr sz="1800" kern="1200">
+          <a:solidFill>
+            <a:schemeClr val="tx1"/>
+          </a:solidFill>
+          <a:latin typeface="+mn-lt"/>
+          <a:ea typeface="+mn-ea"/>
+          <a:cs typeface="+mn-cs"/>
+        </a:defRPr>
+      </a:lvl3pPr>
+      <a:lvl4pPr marL="1371600" algn="r" defTabSz="914400" rtl="1" eaLnBrk="1" latinLnBrk="0" hangingPunct="1">
+        <a:defRPr sz="1800" kern="1200">
+          <a:solidFill>
+            <a:schemeClr val="tx1"/>
+          </a:solidFill>
+          <a:latin typeface="+mn-lt"/>
+          <a:ea typeface="+mn-ea"/>
+          <a:cs typeface="+mn-cs"/>
+        </a:defRPr>
+      </a:lvl4pPr>
+      <a:lvl5pPr marL="1828800" algn="r" defTabSz="914400" rtl="1" eaLnBrk="1" latinLnBrk="0" hangingPunct="1">
+        <a:defRPr sz="1800" kern="1200">
+          <a:solidFill>
+            <a:schemeClr val="tx1"/>
+          </a:solidFill>
+          <a:latin typeface="+mn-lt"/>
+          <a:ea typeface="+mn-ea"/>
+          <a:cs typeface="+mn-cs"/>
+        </a:defRPr>
+      </a:lvl5pPr>
+      <a:lvl6pPr marL="2286000" algn="r" defTabSz="914400" rtl="1" eaLnBrk="1" latinLnBrk="0" hangingPunct="1">
+        <a:defRPr sz="1800" kern="1200">
+          <a:solidFill>
+            <a:schemeClr val="tx1"/>
+          </a:solidFill>
+          <a:latin typeface="+mn-lt"/>
+          <a:ea typeface="+mn-ea"/>
+          <a:cs typeface="+mn-cs"/>
+        </a:defRPr>
+      </a:lvl6pPr>
+      <a:lvl7pPr marL="2743200" algn="r" defTabSz="914400" rtl="1" eaLnBrk="1" latinLnBrk="0" hangingPunct="1">
+        <a:defRPr sz="1800" kern="1200">
+          <a:solidFill>
+            <a:schemeClr val="tx1"/>
+          </a:solidFill>
+          <a:latin typeface="+mn-lt"/>
+          <a:ea typeface="+mn-ea"/>
+          <a:cs typeface="+mn-cs"/>
+        </a:defRPr>
+      </a:lvl7pPr>
+      <a:lvl8pPr marL="3200400" algn="r" defTabSz="914400" rtl="1" eaLnBrk="1" latinLnBrk="0" hangingPunct="1">
+        <a:defRPr sz="1800" kern="1200">
+          <a:solidFill>
+            <a:schemeClr val="tx1"/>
+          </a:solidFill>
+          <a:latin typeface="+mn-lt"/>
+          <a:ea typeface="+mn-ea"/>
+          <a:cs typeface="+mn-cs"/>
+        </a:defRPr>
+      </a:lvl8pPr>
+      <a:lvl9pPr marL="3657600" algn="r" defTabSz="914400" rtl="1" eaLnBrk="1" latinLnBrk="0" hangingPunct="1">
+        <a:defRPr sz="1800" kern="1200">
+          <a:solidFill>
+            <a:schemeClr val="tx1"/>
+          </a:solidFill>
+          <a:latin typeface="+mn-lt"/>
+          <a:ea typeface="+mn-ea"/>
+          <a:cs typeface="+mn-cs"/>
+        </a:defRPr>
+      </a:lvl9pPr>
+    </p:otherStyle>
+  </p:txStyles>
 </p:sldMaster>
 </file>
 
 <file path=ppt/slides/slide1.xml><?xml version="1.0" encoding="utf-8"?>
-<p:sld xmlns:a="http://schemas.openxmlformats.org/drawingml/2006/main" xmlns:p="http://schemas.openxmlformats.org/presentationml/2006/main" xmlns:r="http://schemas.openxmlformats.org/officeDocument/2006/relationships">
+<p:sld xmlns:a="http://schemas.openxmlformats.org/drawingml/2006/main" xmlns:r="http://schemas.openxmlformats.org/officeDocument/2006/relationships" xmlns:p="http://schemas.openxmlformats.org/presentationml/2006/main">
   <p:cSld>
     <p:spTree>
       <p:nvGrpSpPr>
@@ -4871,7 +6189,8 @@
           </a:ln>
         </p:spPr>
         <p:txBody>
-          <a:bodyPr lIns="90000" rIns="90000" tIns="91440" bIns="91440" anchor="b"/>
+          <a:bodyPr lIns="90000" tIns="91440" rIns="90000" bIns="91440" anchor="b"/>
+          <a:lstStyle/>
           <a:p>
             <a:pPr>
               <a:lnSpc>
@@ -4879,9 +6198,9 @@
               </a:lnSpc>
             </a:pPr>
             <a:r>
-              <a:rPr lang="zxx" sz="4800">
+              <a:rPr lang="x-none" sz="4800">
                 <a:solidFill>
-                  <a:srgbClr val="ffffff"/>
+                  <a:srgbClr val="FFFFFF"/>
                 </a:solidFill>
                 <a:latin typeface="Roboto"/>
                 <a:ea typeface="Roboto"/>
@@ -4912,7 +6231,8 @@
           </a:ln>
         </p:spPr>
         <p:txBody>
-          <a:bodyPr lIns="90000" rIns="90000" tIns="91440" bIns="91440"/>
+          <a:bodyPr lIns="90000" tIns="91440" rIns="90000" bIns="91440"/>
+          <a:lstStyle/>
           <a:p>
             <a:pPr>
               <a:lnSpc>
@@ -4920,9 +6240,9 @@
               </a:lnSpc>
             </a:pPr>
             <a:r>
-              <a:rPr lang="zxx">
+              <a:rPr lang="x-none">
                 <a:solidFill>
-                  <a:srgbClr val="ffffff"/>
+                  <a:srgbClr val="FFFFFF"/>
                 </a:solidFill>
                 <a:latin typeface="Roboto"/>
                 <a:ea typeface="Roboto"/>
@@ -4935,6 +6255,9 @@
       </p:sp>
     </p:spTree>
   </p:cSld>
+  <p:clrMapOvr>
+    <a:masterClrMapping/>
+  </p:clrMapOvr>
   <p:timing>
     <p:tnLst>
       <p:par>
@@ -4943,14 +6266,14 @@
             <p:seq>
               <p:cTn id="2" nodeType="mainSeq"/>
               <p:prevCondLst>
-                <p:cond delay="0" evt="onPrev">
+                <p:cond evt="onPrev" delay="0">
                   <p:tgtEl>
                     <p:sldTgt/>
                   </p:tgtEl>
                 </p:cond>
               </p:prevCondLst>
               <p:nextCondLst>
-                <p:cond delay="0" evt="onNext">
+                <p:cond evt="onNext" delay="0">
                   <p:tgtEl>
                     <p:sldTgt/>
                   </p:tgtEl>
@@ -4966,7 +6289,7 @@
 </file>
 
 <file path=ppt/slides/slide10.xml><?xml version="1.0" encoding="utf-8"?>
-<p:sld xmlns:a="http://schemas.openxmlformats.org/drawingml/2006/main" xmlns:p="http://schemas.openxmlformats.org/presentationml/2006/main" xmlns:r="http://schemas.openxmlformats.org/officeDocument/2006/relationships">
+<p:sld xmlns:a="http://schemas.openxmlformats.org/drawingml/2006/main" xmlns:r="http://schemas.openxmlformats.org/officeDocument/2006/relationships" xmlns:p="http://schemas.openxmlformats.org/presentationml/2006/main">
   <p:cSld>
     <p:spTree>
       <p:nvGrpSpPr>
@@ -5002,7 +6325,8 @@
           </a:ln>
         </p:spPr>
         <p:txBody>
-          <a:bodyPr lIns="90000" rIns="90000" tIns="91440" bIns="91440" anchor="b"/>
+          <a:bodyPr lIns="90000" tIns="91440" rIns="90000" bIns="91440" anchor="b"/>
+          <a:lstStyle/>
           <a:p>
             <a:pPr>
               <a:lnSpc>
@@ -5010,9 +6334,9 @@
               </a:lnSpc>
             </a:pPr>
             <a:r>
-              <a:rPr lang="zxx" sz="3200">
+              <a:rPr lang="x-none" sz="3200">
                 <a:solidFill>
-                  <a:srgbClr val="ffffff"/>
+                  <a:srgbClr val="FFFFFF"/>
                 </a:solidFill>
                 <a:latin typeface="Roboto"/>
                 <a:ea typeface="Roboto"/>
@@ -5043,15 +6367,16 @@
           </a:ln>
         </p:spPr>
         <p:txBody>
-          <a:bodyPr lIns="90000" rIns="90000" tIns="91440" bIns="91440"/>
-          <a:p>
-            <a:pPr>
+          <a:bodyPr lIns="90000" tIns="91440" rIns="90000" bIns="91440"/>
+          <a:lstStyle/>
+          <a:p>
+            <a:pPr algn="l">
               <a:lnSpc>
                 <a:spcPct val="100000"/>
               </a:lnSpc>
             </a:pPr>
             <a:r>
-              <a:rPr lang="zxx" u="sng">
+              <a:rPr lang="x-none" u="sng" dirty="0">
                 <a:solidFill>
                   <a:srgbClr val="737373"/>
                 </a:solidFill>
@@ -5060,16 +6385,16 @@
               </a:rPr>
               <a:t>Differences</a:t>
             </a:r>
-            <a:endParaRPr/>
-          </a:p>
-          <a:p>
-            <a:pPr>
+            <a:endParaRPr dirty="0"/>
+          </a:p>
+          <a:p>
+            <a:pPr algn="l">
               <a:lnSpc>
                 <a:spcPct val="100000"/>
               </a:lnSpc>
             </a:pPr>
             <a:r>
-              <a:rPr lang="zxx">
+              <a:rPr lang="x-none" dirty="0">
                 <a:solidFill>
                   <a:srgbClr val="737373"/>
                 </a:solidFill>
@@ -5078,16 +6403,16 @@
               </a:rPr>
               <a:t>We calculated the median of the</a:t>
             </a:r>
-            <a:endParaRPr/>
-          </a:p>
-          <a:p>
-            <a:pPr>
+            <a:endParaRPr dirty="0"/>
+          </a:p>
+          <a:p>
+            <a:pPr algn="l">
               <a:lnSpc>
                 <a:spcPct val="100000"/>
               </a:lnSpc>
             </a:pPr>
             <a:r>
-              <a:rPr lang="zxx">
+              <a:rPr lang="x-none" dirty="0">
                 <a:solidFill>
                   <a:srgbClr val="737373"/>
                 </a:solidFill>
@@ -5096,7 +6421,15 @@
               </a:rPr>
               <a:t>differences in each sequence</a:t>
             </a:r>
-            <a:endParaRPr/>
+            <a:endParaRPr dirty="0"/>
+          </a:p>
+          <a:p>
+            <a:pPr algn="l">
+              <a:lnSpc>
+                <a:spcPct val="100000"/>
+              </a:lnSpc>
+            </a:pPr>
+            <a:endParaRPr dirty="0"/>
           </a:p>
           <a:p>
             <a:pPr>
@@ -5104,33 +6437,25 @@
                 <a:spcPct val="100000"/>
               </a:lnSpc>
             </a:pPr>
-            <a:endParaRPr/>
-          </a:p>
-          <a:p>
-            <a:pPr>
-              <a:lnSpc>
-                <a:spcPct val="100000"/>
-              </a:lnSpc>
-            </a:pPr>
-            <a:endParaRPr/>
+            <a:endParaRPr dirty="0"/>
           </a:p>
         </p:txBody>
       </p:sp>
       <p:pic>
         <p:nvPicPr>
-          <p:cNvPr id="145" name="Shape 131" descr=""/>
+          <p:cNvPr id="145" name="Shape 131"/>
           <p:cNvPicPr/>
           <p:nvPr/>
         </p:nvPicPr>
         <p:blipFill>
-          <a:blip r:embed="rId1"/>
+          <a:blip r:embed="rId3"/>
           <a:stretch>
             <a:fillRect/>
           </a:stretch>
         </p:blipFill>
         <p:spPr>
           <a:xfrm>
-            <a:off x="4127760" y="1890720"/>
+            <a:off x="4793208" y="1890900"/>
             <a:ext cx="4047120" cy="3035160"/>
           </a:xfrm>
           <a:prstGeom prst="rect">
@@ -5143,22 +6468,25 @@
       </p:pic>
     </p:spTree>
   </p:cSld>
+  <p:clrMapOvr>
+    <a:masterClrMapping/>
+  </p:clrMapOvr>
   <p:timing>
     <p:tnLst>
       <p:par>
-        <p:cTn id="19" dur="indefinite" restart="never" nodeType="tmRoot">
+        <p:cTn id="1" dur="indefinite" restart="never" nodeType="tmRoot">
           <p:childTnLst>
             <p:seq>
-              <p:cTn id="20" nodeType="mainSeq"/>
+              <p:cTn id="2" nodeType="mainSeq"/>
               <p:prevCondLst>
-                <p:cond delay="0" evt="onPrev">
+                <p:cond evt="onPrev" delay="0">
                   <p:tgtEl>
                     <p:sldTgt/>
                   </p:tgtEl>
                 </p:cond>
               </p:prevCondLst>
               <p:nextCondLst>
-                <p:cond delay="0" evt="onNext">
+                <p:cond evt="onNext" delay="0">
                   <p:tgtEl>
                     <p:sldTgt/>
                   </p:tgtEl>
@@ -5174,7 +6502,7 @@
 </file>
 
 <file path=ppt/slides/slide11.xml><?xml version="1.0" encoding="utf-8"?>
-<p:sld xmlns:a="http://schemas.openxmlformats.org/drawingml/2006/main" xmlns:p="http://schemas.openxmlformats.org/presentationml/2006/main" xmlns:r="http://schemas.openxmlformats.org/officeDocument/2006/relationships">
+<p:sld xmlns:a="http://schemas.openxmlformats.org/drawingml/2006/main" xmlns:r="http://schemas.openxmlformats.org/officeDocument/2006/relationships" xmlns:p="http://schemas.openxmlformats.org/presentationml/2006/main">
   <p:cSld>
     <p:spTree>
       <p:nvGrpSpPr>
@@ -5210,7 +6538,8 @@
           </a:ln>
         </p:spPr>
         <p:txBody>
-          <a:bodyPr lIns="90000" rIns="90000" tIns="91440" bIns="91440" anchor="b"/>
+          <a:bodyPr lIns="90000" tIns="91440" rIns="90000" bIns="91440" anchor="b"/>
+          <a:lstStyle/>
           <a:p>
             <a:pPr>
               <a:lnSpc>
@@ -5218,9 +6547,9 @@
               </a:lnSpc>
             </a:pPr>
             <a:r>
-              <a:rPr lang="zxx" sz="3200">
+              <a:rPr lang="x-none" sz="3200">
                 <a:solidFill>
-                  <a:srgbClr val="ffffff"/>
+                  <a:srgbClr val="FFFFFF"/>
                 </a:solidFill>
                 <a:latin typeface="Roboto"/>
                 <a:ea typeface="Roboto"/>
@@ -5251,15 +6580,16 @@
           </a:ln>
         </p:spPr>
         <p:txBody>
-          <a:bodyPr lIns="90000" rIns="90000" tIns="91440" bIns="91440"/>
-          <a:p>
-            <a:pPr>
+          <a:bodyPr lIns="90000" tIns="91440" rIns="90000" bIns="91440"/>
+          <a:lstStyle/>
+          <a:p>
+            <a:pPr algn="l">
               <a:lnSpc>
                 <a:spcPct val="100000"/>
               </a:lnSpc>
             </a:pPr>
             <a:r>
-              <a:rPr lang="zxx" u="sng">
+              <a:rPr lang="x-none" u="sng" dirty="0">
                 <a:solidFill>
                   <a:srgbClr val="737373"/>
                 </a:solidFill>
@@ -5268,16 +6598,16 @@
               </a:rPr>
               <a:t>Compare number of even and odd</a:t>
             </a:r>
-            <a:endParaRPr/>
-          </a:p>
-          <a:p>
-            <a:pPr>
+            <a:endParaRPr dirty="0"/>
+          </a:p>
+          <a:p>
+            <a:pPr algn="l">
               <a:lnSpc>
                 <a:spcPct val="100000"/>
               </a:lnSpc>
             </a:pPr>
             <a:r>
-              <a:rPr lang="zxx">
+              <a:rPr lang="x-none" dirty="0">
                 <a:solidFill>
                   <a:srgbClr val="737373"/>
                 </a:solidFill>
@@ -5286,16 +6616,16 @@
               </a:rPr>
               <a:t>We checked occurrences</a:t>
             </a:r>
-            <a:endParaRPr/>
-          </a:p>
-          <a:p>
-            <a:pPr>
+            <a:endParaRPr dirty="0"/>
+          </a:p>
+          <a:p>
+            <a:pPr algn="l">
               <a:lnSpc>
                 <a:spcPct val="100000"/>
               </a:lnSpc>
             </a:pPr>
             <a:r>
-              <a:rPr lang="zxx">
+              <a:rPr lang="x-none" dirty="0">
                 <a:solidFill>
                   <a:srgbClr val="737373"/>
                 </a:solidFill>
@@ -5304,16 +6634,16 @@
               </a:rPr>
               <a:t>of even/odd numbers In each sequence:</a:t>
             </a:r>
-            <a:endParaRPr/>
-          </a:p>
-          <a:p>
-            <a:pPr>
+            <a:endParaRPr dirty="0"/>
+          </a:p>
+          <a:p>
+            <a:pPr algn="l">
               <a:lnSpc>
                 <a:spcPct val="100000"/>
               </a:lnSpc>
             </a:pPr>
             <a:r>
-              <a:rPr lang="zxx">
+              <a:rPr lang="x-none" dirty="0">
                 <a:solidFill>
                   <a:srgbClr val="737373"/>
                 </a:solidFill>
@@ -5322,16 +6652,16 @@
               </a:rPr>
               <a:t>odd_occ(Seq)  &gt; even_occ(Sequence)     (1)</a:t>
             </a:r>
-            <a:endParaRPr/>
-          </a:p>
-          <a:p>
-            <a:pPr>
+            <a:endParaRPr dirty="0"/>
+          </a:p>
+          <a:p>
+            <a:pPr algn="l">
               <a:lnSpc>
                 <a:spcPct val="100000"/>
               </a:lnSpc>
             </a:pPr>
             <a:r>
-              <a:rPr lang="zxx">
+              <a:rPr lang="x-none" dirty="0">
                 <a:solidFill>
                   <a:srgbClr val="737373"/>
                 </a:solidFill>
@@ -5340,16 +6670,16 @@
               </a:rPr>
               <a:t>even_occ(Seq) &gt; odd_occ(Seq)                 (2)</a:t>
             </a:r>
-            <a:endParaRPr/>
-          </a:p>
-          <a:p>
-            <a:pPr>
+            <a:endParaRPr dirty="0"/>
+          </a:p>
+          <a:p>
+            <a:pPr algn="l">
               <a:lnSpc>
                 <a:spcPct val="100000"/>
               </a:lnSpc>
             </a:pPr>
             <a:r>
-              <a:rPr lang="zxx">
+              <a:rPr lang="x-none" dirty="0">
                 <a:solidFill>
                   <a:srgbClr val="737373"/>
                 </a:solidFill>
@@ -5358,7 +6688,7 @@
               </a:rPr>
               <a:t>even_occ(Seq) = odd_occ(Seq)                 (3)</a:t>
             </a:r>
-            <a:endParaRPr/>
+            <a:endParaRPr dirty="0"/>
           </a:p>
           <a:p>
             <a:pPr>
@@ -5366,7 +6696,7 @@
                 <a:spcPct val="100000"/>
               </a:lnSpc>
             </a:pPr>
-            <a:endParaRPr/>
+            <a:endParaRPr dirty="0"/>
           </a:p>
           <a:p>
             <a:pPr>
@@ -5374,7 +6704,7 @@
                 <a:spcPct val="100000"/>
               </a:lnSpc>
             </a:pPr>
-            <a:endParaRPr/>
+            <a:endParaRPr dirty="0"/>
           </a:p>
         </p:txBody>
       </p:sp>
@@ -5393,11 +6723,11 @@
             <a:avLst/>
           </a:prstGeom>
           <a:solidFill>
-            <a:srgbClr val="ffffff"/>
+            <a:srgbClr val="FFFFFF"/>
           </a:solidFill>
           <a:ln w="9360">
             <a:solidFill>
-              <a:srgbClr val="f9f9f9"/>
+              <a:srgbClr val="F9F9F9"/>
             </a:solidFill>
             <a:round/>
           </a:ln>
@@ -5423,7 +6753,8 @@
           </a:ln>
         </p:spPr>
         <p:txBody>
-          <a:bodyPr lIns="90000" rIns="90000" tIns="91440" bIns="91440"/>
+          <a:bodyPr lIns="90000" tIns="91440" rIns="90000" bIns="91440"/>
+          <a:lstStyle/>
           <a:p>
             <a:pPr>
               <a:lnSpc>
@@ -5431,7 +6762,7 @@
               </a:lnSpc>
             </a:pPr>
             <a:r>
-              <a:rPr lang="zxx" sz="1400">
+              <a:rPr lang="x-none" sz="1400">
                 <a:solidFill>
                   <a:srgbClr val="000000"/>
                 </a:solidFill>
@@ -5446,12 +6777,12 @@
       </p:sp>
       <p:pic>
         <p:nvPicPr>
-          <p:cNvPr id="150" name="Shape 140" descr=""/>
+          <p:cNvPr id="150" name="Shape 140"/>
           <p:cNvPicPr/>
           <p:nvPr/>
         </p:nvPicPr>
         <p:blipFill>
-          <a:blip r:embed="rId1"/>
+          <a:blip r:embed="rId2"/>
           <a:stretch>
             <a:fillRect/>
           </a:stretch>
@@ -5489,7 +6820,8 @@
           </a:ln>
         </p:spPr>
         <p:txBody>
-          <a:bodyPr lIns="90000" rIns="90000" tIns="91440" bIns="91440"/>
+          <a:bodyPr lIns="90000" tIns="91440" rIns="90000" bIns="91440"/>
+          <a:lstStyle/>
           <a:p>
             <a:pPr>
               <a:lnSpc>
@@ -5497,7 +6829,7 @@
               </a:lnSpc>
             </a:pPr>
             <a:r>
-              <a:rPr lang="zxx" sz="1400">
+              <a:rPr lang="x-none" sz="1400">
                 <a:solidFill>
                   <a:srgbClr val="000000"/>
                 </a:solidFill>
@@ -5530,7 +6862,8 @@
           </a:ln>
         </p:spPr>
         <p:txBody>
-          <a:bodyPr lIns="90000" rIns="90000" tIns="91440" bIns="91440"/>
+          <a:bodyPr lIns="90000" tIns="91440" rIns="90000" bIns="91440"/>
+          <a:lstStyle/>
           <a:p>
             <a:pPr>
               <a:lnSpc>
@@ -5538,7 +6871,7 @@
               </a:lnSpc>
             </a:pPr>
             <a:r>
-              <a:rPr lang="zxx" sz="1400">
+              <a:rPr lang="x-none" sz="1400">
                 <a:solidFill>
                   <a:srgbClr val="000000"/>
                 </a:solidFill>
@@ -5571,7 +6904,8 @@
           </a:ln>
         </p:spPr>
         <p:txBody>
-          <a:bodyPr lIns="90000" rIns="90000" tIns="91440" bIns="91440"/>
+          <a:bodyPr lIns="90000" tIns="91440" rIns="90000" bIns="91440"/>
+          <a:lstStyle/>
           <a:p>
             <a:pPr>
               <a:lnSpc>
@@ -5579,7 +6913,7 @@
               </a:lnSpc>
             </a:pPr>
             <a:r>
-              <a:rPr lang="zxx" sz="1400">
+              <a:rPr lang="x-none" sz="1400">
                 <a:solidFill>
                   <a:srgbClr val="000000"/>
                 </a:solidFill>
@@ -5594,22 +6928,25 @@
       </p:sp>
     </p:spTree>
   </p:cSld>
+  <p:clrMapOvr>
+    <a:masterClrMapping/>
+  </p:clrMapOvr>
   <p:timing>
     <p:tnLst>
       <p:par>
-        <p:cTn id="21" dur="indefinite" restart="never" nodeType="tmRoot">
+        <p:cTn id="1" dur="indefinite" restart="never" nodeType="tmRoot">
           <p:childTnLst>
             <p:seq>
-              <p:cTn id="22" nodeType="mainSeq"/>
+              <p:cTn id="2" nodeType="mainSeq"/>
               <p:prevCondLst>
-                <p:cond delay="0" evt="onPrev">
+                <p:cond evt="onPrev" delay="0">
                   <p:tgtEl>
                     <p:sldTgt/>
                   </p:tgtEl>
                 </p:cond>
               </p:prevCondLst>
               <p:nextCondLst>
-                <p:cond delay="0" evt="onNext">
+                <p:cond evt="onNext" delay="0">
                   <p:tgtEl>
                     <p:sldTgt/>
                   </p:tgtEl>
@@ -5625,7 +6962,7 @@
 </file>
 
 <file path=ppt/slides/slide12.xml><?xml version="1.0" encoding="utf-8"?>
-<p:sld xmlns:a="http://schemas.openxmlformats.org/drawingml/2006/main" xmlns:p="http://schemas.openxmlformats.org/presentationml/2006/main" xmlns:r="http://schemas.openxmlformats.org/officeDocument/2006/relationships">
+<p:sld xmlns:a="http://schemas.openxmlformats.org/drawingml/2006/main" xmlns:r="http://schemas.openxmlformats.org/officeDocument/2006/relationships" xmlns:p="http://schemas.openxmlformats.org/presentationml/2006/main">
   <p:cSld>
     <p:spTree>
       <p:nvGrpSpPr>
@@ -5661,7 +6998,8 @@
           </a:ln>
         </p:spPr>
         <p:txBody>
-          <a:bodyPr lIns="90000" rIns="90000" tIns="91440" bIns="91440" anchor="b"/>
+          <a:bodyPr lIns="90000" tIns="91440" rIns="90000" bIns="91440" anchor="b"/>
+          <a:lstStyle/>
           <a:p>
             <a:pPr>
               <a:lnSpc>
@@ -5669,9 +7007,9 @@
               </a:lnSpc>
             </a:pPr>
             <a:r>
-              <a:rPr lang="zxx" sz="3200">
+              <a:rPr lang="x-none" sz="3200">
                 <a:solidFill>
-                  <a:srgbClr val="ffffff"/>
+                  <a:srgbClr val="FFFFFF"/>
                 </a:solidFill>
                 <a:latin typeface="Roboto"/>
                 <a:ea typeface="Roboto"/>
@@ -5679,9 +7017,9 @@
               <a:t>Complex Characteristics(</a:t>
             </a:r>
             <a:r>
-              <a:rPr lang="zxx" sz="2800">
+              <a:rPr lang="x-none" sz="2800">
                 <a:solidFill>
-                  <a:srgbClr val="ffffff"/>
+                  <a:srgbClr val="FFFFFF"/>
                 </a:solidFill>
                 <a:latin typeface="Roboto"/>
                 <a:ea typeface="Roboto"/>
@@ -5689,9 +7027,9 @@
               <a:t>getPrimesPercent.m</a:t>
             </a:r>
             <a:r>
-              <a:rPr lang="zxx" sz="3200">
+              <a:rPr lang="x-none" sz="3200">
                 <a:solidFill>
-                  <a:srgbClr val="ffffff"/>
+                  <a:srgbClr val="FFFFFF"/>
                 </a:solidFill>
                 <a:latin typeface="Roboto"/>
                 <a:ea typeface="Roboto"/>
@@ -5722,15 +7060,16 @@
           </a:ln>
         </p:spPr>
         <p:txBody>
-          <a:bodyPr lIns="90000" rIns="90000" tIns="91440" bIns="91440"/>
-          <a:p>
-            <a:pPr>
+          <a:bodyPr lIns="90000" tIns="91440" rIns="90000" bIns="91440"/>
+          <a:lstStyle/>
+          <a:p>
+            <a:pPr algn="l">
               <a:lnSpc>
                 <a:spcPct val="100000"/>
               </a:lnSpc>
             </a:pPr>
             <a:r>
-              <a:rPr lang="zxx" u="sng">
+              <a:rPr lang="x-none" u="sng" dirty="0">
                 <a:solidFill>
                   <a:srgbClr val="737373"/>
                 </a:solidFill>
@@ -5739,16 +7078,16 @@
               </a:rPr>
               <a:t>Primes</a:t>
             </a:r>
-            <a:endParaRPr/>
-          </a:p>
-          <a:p>
-            <a:pPr>
+            <a:endParaRPr dirty="0"/>
+          </a:p>
+          <a:p>
+            <a:pPr algn="l">
               <a:lnSpc>
                 <a:spcPct val="100000"/>
               </a:lnSpc>
             </a:pPr>
             <a:r>
-              <a:rPr lang="zxx">
+              <a:rPr lang="x-none" dirty="0">
                 <a:solidFill>
                   <a:srgbClr val="737373"/>
                 </a:solidFill>
@@ -5757,16 +7096,16 @@
               </a:rPr>
               <a:t>We calculated percentage of primes</a:t>
             </a:r>
-            <a:endParaRPr/>
-          </a:p>
-          <a:p>
-            <a:pPr>
+            <a:endParaRPr dirty="0"/>
+          </a:p>
+          <a:p>
+            <a:pPr algn="l">
               <a:lnSpc>
                 <a:spcPct val="100000"/>
               </a:lnSpc>
             </a:pPr>
             <a:r>
-              <a:rPr lang="zxx">
+              <a:rPr lang="x-none" dirty="0">
                 <a:solidFill>
                   <a:srgbClr val="737373"/>
                 </a:solidFill>
@@ -5775,16 +7114,16 @@
               </a:rPr>
               <a:t>There are 3 peaks</a:t>
             </a:r>
-            <a:endParaRPr/>
-          </a:p>
-          <a:p>
-            <a:pPr>
+            <a:endParaRPr dirty="0"/>
+          </a:p>
+          <a:p>
+            <a:pPr algn="l">
               <a:lnSpc>
                 <a:spcPct val="100000"/>
               </a:lnSpc>
             </a:pPr>
             <a:r>
-              <a:rPr lang="zxx">
+              <a:rPr lang="x-none" dirty="0">
                 <a:solidFill>
                   <a:srgbClr val="737373"/>
                 </a:solidFill>
@@ -5793,26 +7132,26 @@
               </a:rPr>
               <a:t>Middle peak at ~25%</a:t>
             </a:r>
-            <a:endParaRPr/>
+            <a:endParaRPr dirty="0"/>
           </a:p>
         </p:txBody>
       </p:sp>
       <p:pic>
         <p:nvPicPr>
-          <p:cNvPr id="156" name="Shape 150" descr=""/>
+          <p:cNvPr id="156" name="Shape 150"/>
           <p:cNvPicPr/>
           <p:nvPr/>
         </p:nvPicPr>
         <p:blipFill>
-          <a:blip r:embed="rId1"/>
+          <a:blip r:embed="rId3"/>
           <a:stretch>
             <a:fillRect/>
           </a:stretch>
         </p:blipFill>
         <p:spPr>
           <a:xfrm>
-            <a:off x="5029200" y="3680280"/>
-            <a:ext cx="4025160" cy="1463040"/>
+            <a:off x="5029200" y="3584448"/>
+            <a:ext cx="4025160" cy="1558872"/>
           </a:xfrm>
           <a:prstGeom prst="rect">
             <a:avLst/>
@@ -5824,12 +7163,12 @@
       </p:pic>
       <p:pic>
         <p:nvPicPr>
-          <p:cNvPr id="157" name="" descr=""/>
+          <p:cNvPr id="157" name="Picture 156"/>
           <p:cNvPicPr/>
           <p:nvPr/>
         </p:nvPicPr>
         <p:blipFill>
-          <a:blip r:embed="rId2"/>
+          <a:blip r:embed="rId4"/>
           <a:stretch>
             <a:fillRect/>
           </a:stretch>
@@ -5849,22 +7188,25 @@
       </p:pic>
     </p:spTree>
   </p:cSld>
+  <p:clrMapOvr>
+    <a:masterClrMapping/>
+  </p:clrMapOvr>
   <p:timing>
     <p:tnLst>
       <p:par>
-        <p:cTn id="23" dur="indefinite" restart="never" nodeType="tmRoot">
+        <p:cTn id="1" dur="indefinite" restart="never" nodeType="tmRoot">
           <p:childTnLst>
             <p:seq>
-              <p:cTn id="24" nodeType="mainSeq"/>
+              <p:cTn id="2" nodeType="mainSeq"/>
               <p:prevCondLst>
-                <p:cond delay="0" evt="onPrev">
+                <p:cond evt="onPrev" delay="0">
                   <p:tgtEl>
                     <p:sldTgt/>
                   </p:tgtEl>
                 </p:cond>
               </p:prevCondLst>
               <p:nextCondLst>
-                <p:cond delay="0" evt="onNext">
+                <p:cond evt="onNext" delay="0">
                   <p:tgtEl>
                     <p:sldTgt/>
                   </p:tgtEl>
@@ -5880,7 +7222,7 @@
 </file>
 
 <file path=ppt/slides/slide13.xml><?xml version="1.0" encoding="utf-8"?>
-<p:sld xmlns:a="http://schemas.openxmlformats.org/drawingml/2006/main" xmlns:p="http://schemas.openxmlformats.org/presentationml/2006/main" xmlns:r="http://schemas.openxmlformats.org/officeDocument/2006/relationships">
+<p:sld xmlns:a="http://schemas.openxmlformats.org/drawingml/2006/main" xmlns:r="http://schemas.openxmlformats.org/officeDocument/2006/relationships" xmlns:p="http://schemas.openxmlformats.org/presentationml/2006/main">
   <p:cSld>
     <p:spTree>
       <p:nvGrpSpPr>
@@ -5916,7 +7258,8 @@
           </a:ln>
         </p:spPr>
         <p:txBody>
-          <a:bodyPr lIns="90000" rIns="90000" tIns="91440" bIns="91440" anchor="b"/>
+          <a:bodyPr lIns="90000" tIns="91440" rIns="90000" bIns="91440" anchor="b"/>
+          <a:lstStyle/>
           <a:p>
             <a:pPr>
               <a:lnSpc>
@@ -5924,9 +7267,9 @@
               </a:lnSpc>
             </a:pPr>
             <a:r>
-              <a:rPr lang="zxx" sz="3200">
+              <a:rPr lang="x-none" sz="3200">
                 <a:solidFill>
-                  <a:srgbClr val="ffffff"/>
+                  <a:srgbClr val="FFFFFF"/>
                 </a:solidFill>
                 <a:latin typeface="Roboto"/>
                 <a:ea typeface="Roboto"/>
@@ -5957,15 +7300,16 @@
           </a:ln>
         </p:spPr>
         <p:txBody>
-          <a:bodyPr lIns="90000" rIns="90000" tIns="91440" bIns="91440"/>
-          <a:p>
-            <a:pPr>
+          <a:bodyPr lIns="90000" tIns="91440" rIns="90000" bIns="91440"/>
+          <a:lstStyle/>
+          <a:p>
+            <a:pPr algn="l">
               <a:lnSpc>
                 <a:spcPct val="100000"/>
               </a:lnSpc>
             </a:pPr>
             <a:r>
-              <a:rPr lang="zxx" u="sng">
+              <a:rPr lang="x-none" u="sng" dirty="0">
                 <a:solidFill>
                   <a:srgbClr val="737373"/>
                 </a:solidFill>
@@ -5974,16 +7318,16 @@
               </a:rPr>
               <a:t>Convergence</a:t>
             </a:r>
-            <a:endParaRPr/>
-          </a:p>
-          <a:p>
-            <a:pPr>
+            <a:endParaRPr dirty="0"/>
+          </a:p>
+          <a:p>
+            <a:pPr algn="l">
               <a:lnSpc>
                 <a:spcPct val="100000"/>
               </a:lnSpc>
             </a:pPr>
             <a:r>
-              <a:rPr lang="zxx" sz="1400">
+              <a:rPr lang="x-none" sz="1400" dirty="0">
                 <a:solidFill>
                   <a:srgbClr val="737373"/>
                 </a:solidFill>
@@ -5992,91 +7336,97 @@
               </a:rPr>
               <a:t>Convergence is based upon behaviour</a:t>
             </a:r>
-            <a:endParaRPr/>
-          </a:p>
-          <a:p>
-            <a:pPr>
+            <a:endParaRPr dirty="0"/>
+          </a:p>
+          <a:p>
+            <a:pPr algn="l">
               <a:lnSpc>
                 <a:spcPct val="100000"/>
               </a:lnSpc>
             </a:pPr>
             <a:r>
-              <a:rPr lang="zxx" sz="1400">
+              <a:rPr lang="x-none" sz="1400" dirty="0">
                 <a:solidFill>
                   <a:srgbClr val="737373"/>
                 </a:solidFill>
                 <a:latin typeface="Roboto"/>
                 <a:ea typeface="Roboto"/>
               </a:rPr>
-              <a:t> </a:t>
-            </a:r>
-            <a:r>
-              <a:rPr lang="zxx" sz="1400">
+              <a:t> of the last 10 numbers in the sequence</a:t>
+            </a:r>
+            <a:endParaRPr dirty="0"/>
+          </a:p>
+          <a:p>
+            <a:pPr algn="l">
+              <a:lnSpc>
+                <a:spcPct val="100000"/>
+              </a:lnSpc>
+            </a:pPr>
+            <a:r>
+              <a:rPr lang="x-none" sz="1400" dirty="0">
                 <a:solidFill>
                   <a:srgbClr val="737373"/>
                 </a:solidFill>
                 <a:latin typeface="Roboto"/>
                 <a:ea typeface="Roboto"/>
               </a:rPr>
-              <a:t>of the last 10 numbers in the sequence</a:t>
-            </a:r>
-            <a:endParaRPr/>
-          </a:p>
-          <a:p>
-            <a:pPr>
+              <a:t> We caculate the second order difference</a:t>
+            </a:r>
+            <a:endParaRPr dirty="0"/>
+          </a:p>
+          <a:p>
+            <a:pPr algn="l">
               <a:lnSpc>
                 <a:spcPct val="100000"/>
               </a:lnSpc>
             </a:pPr>
             <a:r>
-              <a:rPr lang="zxx" sz="1400">
+              <a:rPr lang="x-none" sz="1400" dirty="0">
                 <a:solidFill>
                   <a:srgbClr val="737373"/>
                 </a:solidFill>
                 <a:latin typeface="Roboto"/>
                 <a:ea typeface="Roboto"/>
               </a:rPr>
-              <a:t> </a:t>
-            </a:r>
-            <a:r>
-              <a:rPr lang="zxx" sz="1400">
+              <a:t> on the absolute value of the integers and</a:t>
+            </a:r>
+            <a:endParaRPr dirty="0"/>
+          </a:p>
+          <a:p>
+            <a:pPr algn="l">
+              <a:lnSpc>
+                <a:spcPct val="100000"/>
+              </a:lnSpc>
+            </a:pPr>
+            <a:r>
+              <a:rPr lang="x-none" sz="1400" dirty="0">
                 <a:solidFill>
                   <a:srgbClr val="737373"/>
                 </a:solidFill>
                 <a:latin typeface="Roboto"/>
                 <a:ea typeface="Roboto"/>
               </a:rPr>
-              <a:t>We caculate the second order difference</a:t>
-            </a:r>
-            <a:endParaRPr/>
-          </a:p>
-          <a:p>
-            <a:pPr>
+              <a:t> if all are smaller then 0 we define the</a:t>
+            </a:r>
+            <a:endParaRPr dirty="0"/>
+          </a:p>
+          <a:p>
+            <a:pPr algn="l">
               <a:lnSpc>
                 <a:spcPct val="100000"/>
               </a:lnSpc>
             </a:pPr>
             <a:r>
-              <a:rPr lang="zxx" sz="1400">
+              <a:rPr lang="x-none" sz="1400" dirty="0">
                 <a:solidFill>
                   <a:srgbClr val="737373"/>
                 </a:solidFill>
                 <a:latin typeface="Roboto"/>
                 <a:ea typeface="Roboto"/>
               </a:rPr>
-              <a:t> </a:t>
-            </a:r>
-            <a:r>
-              <a:rPr lang="zxx" sz="1400">
-                <a:solidFill>
-                  <a:srgbClr val="737373"/>
-                </a:solidFill>
-                <a:latin typeface="Roboto"/>
-                <a:ea typeface="Roboto"/>
-              </a:rPr>
-              <a:t>on the absolute value of the integers and</a:t>
-            </a:r>
-            <a:endParaRPr/>
+              <a:t> sequence as converging</a:t>
+            </a:r>
+            <a:endParaRPr dirty="0"/>
           </a:p>
           <a:p>
             <a:pPr>
@@ -6084,63 +7434,7 @@
                 <a:spcPct val="100000"/>
               </a:lnSpc>
             </a:pPr>
-            <a:r>
-              <a:rPr lang="zxx" sz="1400">
-                <a:solidFill>
-                  <a:srgbClr val="737373"/>
-                </a:solidFill>
-                <a:latin typeface="Roboto"/>
-                <a:ea typeface="Roboto"/>
-              </a:rPr>
-              <a:t> </a:t>
-            </a:r>
-            <a:r>
-              <a:rPr lang="zxx" sz="1400">
-                <a:solidFill>
-                  <a:srgbClr val="737373"/>
-                </a:solidFill>
-                <a:latin typeface="Roboto"/>
-                <a:ea typeface="Roboto"/>
-              </a:rPr>
-              <a:t>if all are smaller then 0 we define the</a:t>
-            </a:r>
-            <a:endParaRPr/>
-          </a:p>
-          <a:p>
-            <a:pPr>
-              <a:lnSpc>
-                <a:spcPct val="100000"/>
-              </a:lnSpc>
-            </a:pPr>
-            <a:r>
-              <a:rPr lang="zxx" sz="1400">
-                <a:solidFill>
-                  <a:srgbClr val="737373"/>
-                </a:solidFill>
-                <a:latin typeface="Roboto"/>
-                <a:ea typeface="Roboto"/>
-              </a:rPr>
-              <a:t> </a:t>
-            </a:r>
-            <a:r>
-              <a:rPr lang="zxx" sz="1400">
-                <a:solidFill>
-                  <a:srgbClr val="737373"/>
-                </a:solidFill>
-                <a:latin typeface="Roboto"/>
-                <a:ea typeface="Roboto"/>
-              </a:rPr>
-              <a:t>sequence as converging</a:t>
-            </a:r>
-            <a:endParaRPr/>
-          </a:p>
-          <a:p>
-            <a:pPr>
-              <a:lnSpc>
-                <a:spcPct val="100000"/>
-              </a:lnSpc>
-            </a:pPr>
-            <a:endParaRPr/>
+            <a:endParaRPr dirty="0"/>
           </a:p>
         </p:txBody>
       </p:sp>
@@ -6148,25 +7442,32 @@
         <p:nvGraphicFramePr>
           <p:cNvPr id="160" name="Table 3"/>
           <p:cNvGraphicFramePr/>
-          <p:nvPr/>
+          <p:nvPr>
+            <p:extLst>
+              <p:ext uri="{D42A27DB-BD31-4B8C-83A1-F6EECF244321}">
+                <p14:modId xmlns:p14="http://schemas.microsoft.com/office/powerpoint/2010/main" val="2577083199"/>
+              </p:ext>
+            </p:extLst>
+          </p:nvPr>
         </p:nvGraphicFramePr>
         <p:xfrm>
-          <a:off x="496800" y="3788280"/>
-          <a:ext cx="2999160" cy="3171240"/>
+          <a:off x="725424" y="3639312"/>
+          <a:ext cx="4306056" cy="1286256"/>
         </p:xfrm>
         <a:graphic>
           <a:graphicData uri="http://schemas.openxmlformats.org/drawingml/2006/table">
             <a:tbl>
               <a:tblPr/>
               <a:tblGrid>
-                <a:gridCol w="1000080"/>
-                <a:gridCol w="1000080"/>
-                <a:gridCol w="999360"/>
+                <a:gridCol w="1435697"/>
+                <a:gridCol w="1435697"/>
+                <a:gridCol w="1434662"/>
               </a:tblGrid>
-              <a:tr h="1834200">
+              <a:tr h="372236">
                 <a:tc>
                   <a:txBody>
                     <a:bodyPr/>
+                    <a:lstStyle/>
                     <a:p>
                       <a:pPr>
                         <a:lnSpc>
@@ -6174,7 +7475,7 @@
                         </a:lnSpc>
                       </a:pPr>
                       <a:r>
-                        <a:rPr lang="zxx" sz="1400">
+                        <a:rPr lang="x-none" sz="1400">
                           <a:solidFill>
                             <a:srgbClr val="000000"/>
                           </a:solidFill>
@@ -6191,6 +7492,7 @@
                 <a:tc>
                   <a:txBody>
                     <a:bodyPr/>
+                    <a:lstStyle/>
                     <a:p>
                       <a:pPr>
                         <a:lnSpc>
@@ -6198,7 +7500,7 @@
                         </a:lnSpc>
                       </a:pPr>
                       <a:r>
-                        <a:rPr lang="zxx" sz="1400">
+                        <a:rPr lang="x-none" sz="1400">
                           <a:solidFill>
                             <a:srgbClr val="000000"/>
                           </a:solidFill>
@@ -6215,6 +7517,7 @@
                 <a:tc>
                   <a:txBody>
                     <a:bodyPr/>
+                    <a:lstStyle/>
                     <a:p>
                       <a:pPr>
                         <a:lnSpc>
@@ -6222,7 +7525,7 @@
                         </a:lnSpc>
                       </a:pPr>
                       <a:r>
-                        <a:rPr lang="zxx" sz="1400">
+                        <a:rPr lang="x-none" sz="1400">
                           <a:solidFill>
                             <a:srgbClr val="000000"/>
                           </a:solidFill>
@@ -6237,10 +7540,11 @@
                   <a:tcPr/>
                 </a:tc>
               </a:tr>
-              <a:tr h="1337040">
+              <a:tr h="914020">
                 <a:tc>
                   <a:txBody>
                     <a:bodyPr/>
+                    <a:lstStyle/>
                     <a:p>
                       <a:pPr>
                         <a:lnSpc>
@@ -6248,7 +7552,7 @@
                         </a:lnSpc>
                       </a:pPr>
                       <a:r>
-                        <a:rPr lang="zxx" sz="1400">
+                        <a:rPr lang="x-none" sz="1400">
                           <a:solidFill>
                             <a:srgbClr val="000000"/>
                           </a:solidFill>
@@ -6265,6 +7569,7 @@
                 <a:tc>
                   <a:txBody>
                     <a:bodyPr/>
+                    <a:lstStyle/>
                     <a:p>
                       <a:pPr>
                         <a:lnSpc>
@@ -6272,7 +7577,7 @@
                         </a:lnSpc>
                       </a:pPr>
                       <a:r>
-                        <a:rPr lang="zxx" sz="1400">
+                        <a:rPr lang="x-none" sz="1400">
                           <a:solidFill>
                             <a:srgbClr val="000000"/>
                           </a:solidFill>
@@ -6289,6 +7594,7 @@
                 <a:tc>
                   <a:txBody>
                     <a:bodyPr/>
+                    <a:lstStyle/>
                     <a:p>
                       <a:pPr>
                         <a:lnSpc>
@@ -6296,7 +7602,7 @@
                         </a:lnSpc>
                       </a:pPr>
                       <a:r>
-                        <a:rPr lang="zxx" sz="1400">
+                        <a:rPr lang="x-none" sz="1400" dirty="0">
                           <a:solidFill>
                             <a:srgbClr val="000000"/>
                           </a:solidFill>
@@ -6305,7 +7611,7 @@
                         </a:rPr>
                         <a:t>94574</a:t>
                       </a:r>
-                      <a:endParaRPr/>
+                      <a:endParaRPr dirty="0"/>
                     </a:p>
                   </a:txBody>
                   <a:tcPr/>
@@ -6317,19 +7623,19 @@
       </p:graphicFrame>
       <p:pic>
         <p:nvPicPr>
-          <p:cNvPr id="161" name="Shape 158" descr=""/>
+          <p:cNvPr id="161" name="Shape 158"/>
           <p:cNvPicPr/>
           <p:nvPr/>
         </p:nvPicPr>
         <p:blipFill>
-          <a:blip r:embed="rId1"/>
+          <a:blip r:embed="rId3"/>
           <a:stretch>
             <a:fillRect/>
           </a:stretch>
         </p:blipFill>
         <p:spPr>
           <a:xfrm>
-            <a:off x="5188320" y="1811160"/>
+            <a:off x="5244840" y="1678320"/>
             <a:ext cx="4047120" cy="3035160"/>
           </a:xfrm>
           <a:prstGeom prst="rect">
@@ -6342,22 +7648,25 @@
       </p:pic>
     </p:spTree>
   </p:cSld>
+  <p:clrMapOvr>
+    <a:masterClrMapping/>
+  </p:clrMapOvr>
   <p:timing>
     <p:tnLst>
       <p:par>
-        <p:cTn id="25" dur="indefinite" restart="never" nodeType="tmRoot">
+        <p:cTn id="1" dur="indefinite" restart="never" nodeType="tmRoot">
           <p:childTnLst>
             <p:seq>
-              <p:cTn id="26" nodeType="mainSeq"/>
+              <p:cTn id="2" nodeType="mainSeq"/>
               <p:prevCondLst>
-                <p:cond delay="0" evt="onPrev">
+                <p:cond evt="onPrev" delay="0">
                   <p:tgtEl>
                     <p:sldTgt/>
                   </p:tgtEl>
                 </p:cond>
               </p:prevCondLst>
               <p:nextCondLst>
-                <p:cond delay="0" evt="onNext">
+                <p:cond evt="onNext" delay="0">
                   <p:tgtEl>
                     <p:sldTgt/>
                   </p:tgtEl>
@@ -6373,7 +7682,7 @@
 </file>
 
 <file path=ppt/slides/slide14.xml><?xml version="1.0" encoding="utf-8"?>
-<p:sld xmlns:a="http://schemas.openxmlformats.org/drawingml/2006/main" xmlns:p="http://schemas.openxmlformats.org/presentationml/2006/main" xmlns:r="http://schemas.openxmlformats.org/officeDocument/2006/relationships">
+<p:sld xmlns:a="http://schemas.openxmlformats.org/drawingml/2006/main" xmlns:r="http://schemas.openxmlformats.org/officeDocument/2006/relationships" xmlns:p="http://schemas.openxmlformats.org/presentationml/2006/main">
   <p:cSld>
     <p:spTree>
       <p:nvGrpSpPr>
@@ -6409,7 +7718,8 @@
           </a:ln>
         </p:spPr>
         <p:txBody>
-          <a:bodyPr lIns="90000" rIns="90000" tIns="91440" bIns="91440" anchor="b"/>
+          <a:bodyPr lIns="90000" tIns="91440" rIns="90000" bIns="91440" anchor="b"/>
+          <a:lstStyle/>
           <a:p>
             <a:pPr>
               <a:lnSpc>
@@ -6417,9 +7727,9 @@
               </a:lnSpc>
             </a:pPr>
             <a:r>
-              <a:rPr lang="zxx" sz="3200">
+              <a:rPr lang="x-none" sz="3200">
                 <a:solidFill>
-                  <a:srgbClr val="ffffff"/>
+                  <a:srgbClr val="FFFFFF"/>
                 </a:solidFill>
                 <a:latin typeface="Roboto"/>
                 <a:ea typeface="Roboto"/>
@@ -6450,7 +7760,8 @@
           </a:ln>
         </p:spPr>
         <p:txBody>
-          <a:bodyPr lIns="90000" rIns="90000" tIns="91440" bIns="91440"/>
+          <a:bodyPr lIns="90000" tIns="91440" rIns="90000" bIns="91440"/>
+          <a:lstStyle/>
           <a:p>
             <a:pPr>
               <a:lnSpc>
@@ -6458,7 +7769,7 @@
               </a:lnSpc>
             </a:pPr>
             <a:r>
-              <a:rPr lang="zxx" u="sng">
+              <a:rPr lang="x-none" u="sng">
                 <a:solidFill>
                   <a:srgbClr val="737373"/>
                 </a:solidFill>
@@ -6476,7 +7787,7 @@
               </a:lnSpc>
             </a:pPr>
             <a:r>
-              <a:rPr lang="zxx">
+              <a:rPr lang="x-none">
                 <a:solidFill>
                   <a:srgbClr val="737373"/>
                 </a:solidFill>
@@ -6486,9 +7797,9 @@
               <a:t>We used </a:t>
             </a:r>
             <a:r>
-              <a:rPr lang="zxx" sz="1650">
+              <a:rPr lang="x-none" sz="1650">
                 <a:solidFill>
-                  <a:srgbClr val="c45400"/>
+                  <a:srgbClr val="C45400"/>
                 </a:solidFill>
                 <a:latin typeface="Arial"/>
                 <a:ea typeface="Arial"/>
@@ -6496,7 +7807,7 @@
               <a:t>seqpriod </a:t>
             </a:r>
             <a:r>
-              <a:rPr lang="zxx" sz="1650">
+              <a:rPr lang="x-none" sz="1650">
                 <a:solidFill>
                   <a:srgbClr val="737373"/>
                 </a:solidFill>
@@ -6519,22 +7830,25 @@
       </p:sp>
     </p:spTree>
   </p:cSld>
+  <p:clrMapOvr>
+    <a:masterClrMapping/>
+  </p:clrMapOvr>
   <p:timing>
     <p:tnLst>
       <p:par>
-        <p:cTn id="27" dur="indefinite" restart="never" nodeType="tmRoot">
+        <p:cTn id="1" dur="indefinite" restart="never" nodeType="tmRoot">
           <p:childTnLst>
             <p:seq>
-              <p:cTn id="28" nodeType="mainSeq"/>
+              <p:cTn id="2" nodeType="mainSeq"/>
               <p:prevCondLst>
-                <p:cond delay="0" evt="onPrev">
+                <p:cond evt="onPrev" delay="0">
                   <p:tgtEl>
                     <p:sldTgt/>
                   </p:tgtEl>
                 </p:cond>
               </p:prevCondLst>
               <p:nextCondLst>
-                <p:cond delay="0" evt="onNext">
+                <p:cond evt="onNext" delay="0">
                   <p:tgtEl>
                     <p:sldTgt/>
                   </p:tgtEl>
@@ -6550,7 +7864,7 @@
 </file>
 
 <file path=ppt/slides/slide15.xml><?xml version="1.0" encoding="utf-8"?>
-<p:sld xmlns:a="http://schemas.openxmlformats.org/drawingml/2006/main" xmlns:p="http://schemas.openxmlformats.org/presentationml/2006/main" xmlns:r="http://schemas.openxmlformats.org/officeDocument/2006/relationships">
+<p:sld xmlns:a="http://schemas.openxmlformats.org/drawingml/2006/main" xmlns:r="http://schemas.openxmlformats.org/officeDocument/2006/relationships" xmlns:p="http://schemas.openxmlformats.org/presentationml/2006/main">
   <p:cSld>
     <p:spTree>
       <p:nvGrpSpPr>
@@ -6586,7 +7900,8 @@
           </a:ln>
         </p:spPr>
         <p:txBody>
-          <a:bodyPr lIns="90000" rIns="90000" tIns="91440" bIns="91440" anchor="b"/>
+          <a:bodyPr lIns="90000" tIns="91440" rIns="90000" bIns="91440" anchor="b"/>
+          <a:lstStyle/>
           <a:p>
             <a:pPr>
               <a:lnSpc>
@@ -6594,9 +7909,9 @@
               </a:lnSpc>
             </a:pPr>
             <a:r>
-              <a:rPr lang="zxx" sz="3200">
+              <a:rPr lang="x-none" sz="3200">
                 <a:solidFill>
-                  <a:srgbClr val="ffffff"/>
+                  <a:srgbClr val="FFFFFF"/>
                 </a:solidFill>
                 <a:latin typeface="Roboto"/>
                 <a:ea typeface="Roboto"/>
@@ -6604,9 +7919,9 @@
               <a:t>Complex Characteristics </a:t>
             </a:r>
             <a:r>
-              <a:rPr lang="zxx" sz="3100">
+              <a:rPr lang="x-none" sz="3100">
                 <a:solidFill>
-                  <a:srgbClr val="ffffff"/>
+                  <a:srgbClr val="FFFFFF"/>
                 </a:solidFill>
                 <a:latin typeface="Roboto"/>
                 <a:ea typeface="Roboto"/>
@@ -6614,9 +7929,9 @@
               <a:t>(</a:t>
             </a:r>
             <a:r>
-              <a:rPr lang="zxx" sz="2700">
+              <a:rPr lang="x-none" sz="2700">
                 <a:solidFill>
-                  <a:srgbClr val="ffffff"/>
+                  <a:srgbClr val="FFFFFF"/>
                 </a:solidFill>
                 <a:latin typeface="Roboto"/>
                 <a:ea typeface="Roboto"/>
@@ -6647,15 +7962,16 @@
           </a:ln>
         </p:spPr>
         <p:txBody>
-          <a:bodyPr lIns="90000" rIns="90000" tIns="91440" bIns="91440"/>
-          <a:p>
-            <a:pPr>
+          <a:bodyPr lIns="90000" tIns="91440" rIns="90000" bIns="91440"/>
+          <a:lstStyle/>
+          <a:p>
+            <a:pPr algn="l">
               <a:lnSpc>
                 <a:spcPct val="100000"/>
               </a:lnSpc>
             </a:pPr>
             <a:r>
-              <a:rPr lang="zxx" u="sng">
+              <a:rPr lang="x-none" u="sng" dirty="0">
                 <a:solidFill>
                   <a:srgbClr val="737373"/>
                 </a:solidFill>
@@ -6664,10 +7980,10 @@
               </a:rPr>
               <a:t>medianModulo</a:t>
             </a:r>
-            <a:endParaRPr/>
-          </a:p>
-          <a:p>
-            <a:pPr>
+            <a:endParaRPr dirty="0"/>
+          </a:p>
+          <a:p>
+            <a:pPr algn="l">
               <a:lnSpc>
                 <a:spcPct val="100000"/>
               </a:lnSpc>
@@ -6675,7 +7991,7 @@
               <a:buChar char="●"/>
             </a:pPr>
             <a:r>
-              <a:rPr lang="zxx">
+              <a:rPr lang="x-none" dirty="0">
                 <a:solidFill>
                   <a:srgbClr val="737373"/>
                 </a:solidFill>
@@ -6684,16 +8000,16 @@
               </a:rPr>
               <a:t>We did modulo of the first 10 median</a:t>
             </a:r>
-            <a:endParaRPr/>
-          </a:p>
-          <a:p>
-            <a:pPr>
+            <a:endParaRPr dirty="0"/>
+          </a:p>
+          <a:p>
+            <a:pPr algn="l">
               <a:lnSpc>
                 <a:spcPct val="100000"/>
               </a:lnSpc>
             </a:pPr>
             <a:r>
-              <a:rPr lang="zxx">
+              <a:rPr lang="x-none" dirty="0">
                 <a:solidFill>
                   <a:srgbClr val="737373"/>
                 </a:solidFill>
@@ -6702,16 +8018,16 @@
               </a:rPr>
               <a:t>numbers and calculated the median</a:t>
             </a:r>
-            <a:endParaRPr/>
-          </a:p>
-          <a:p>
-            <a:pPr>
+            <a:endParaRPr dirty="0"/>
+          </a:p>
+          <a:p>
+            <a:pPr algn="l">
               <a:lnSpc>
                 <a:spcPct val="100000"/>
               </a:lnSpc>
             </a:pPr>
             <a:r>
-              <a:rPr lang="zxx">
+              <a:rPr lang="x-none" dirty="0">
                 <a:solidFill>
                   <a:srgbClr val="737373"/>
                 </a:solidFill>
@@ -6720,7 +8036,7 @@
               </a:rPr>
               <a:t>It seems like the numbers are not in a </a:t>
             </a:r>
-            <a:endParaRPr/>
+            <a:endParaRPr dirty="0"/>
           </a:p>
           <a:p>
             <a:pPr>
@@ -6729,7 +8045,7 @@
               </a:lnSpc>
             </a:pPr>
             <a:r>
-              <a:rPr lang="zxx">
+              <a:rPr lang="x-none" dirty="0">
                 <a:solidFill>
                   <a:srgbClr val="737373"/>
                 </a:solidFill>
@@ -6738,18 +8054,18 @@
               </a:rPr>
               <a:t>uniform or normal distribution</a:t>
             </a:r>
-            <a:endParaRPr/>
+            <a:endParaRPr dirty="0"/>
           </a:p>
         </p:txBody>
       </p:sp>
       <p:pic>
         <p:nvPicPr>
-          <p:cNvPr id="166" name="Shape 171" descr=""/>
+          <p:cNvPr id="166" name="Shape 171"/>
           <p:cNvPicPr/>
           <p:nvPr/>
         </p:nvPicPr>
         <p:blipFill>
-          <a:blip r:embed="rId1"/>
+          <a:blip r:embed="rId2"/>
           <a:stretch>
             <a:fillRect/>
           </a:stretch>
@@ -6769,11 +8085,14 @@
       </p:pic>
     </p:spTree>
   </p:cSld>
+  <p:clrMapOvr>
+    <a:masterClrMapping/>
+  </p:clrMapOvr>
 </p:sld>
 </file>
 
 <file path=ppt/slides/slide16.xml><?xml version="1.0" encoding="utf-8"?>
-<p:sld xmlns:a="http://schemas.openxmlformats.org/drawingml/2006/main" xmlns:p="http://schemas.openxmlformats.org/presentationml/2006/main" xmlns:r="http://schemas.openxmlformats.org/officeDocument/2006/relationships">
+<p:sld xmlns:a="http://schemas.openxmlformats.org/drawingml/2006/main" xmlns:r="http://schemas.openxmlformats.org/officeDocument/2006/relationships" xmlns:p="http://schemas.openxmlformats.org/presentationml/2006/main">
   <p:cSld>
     <p:spTree>
       <p:nvGrpSpPr>
@@ -6809,7 +8128,8 @@
           </a:ln>
         </p:spPr>
         <p:txBody>
-          <a:bodyPr lIns="90000" rIns="90000" tIns="91440" bIns="91440" anchor="b"/>
+          <a:bodyPr lIns="90000" tIns="91440" rIns="90000" bIns="91440" anchor="b"/>
+          <a:lstStyle/>
           <a:p>
             <a:pPr>
               <a:lnSpc>
@@ -6817,9 +8137,9 @@
               </a:lnSpc>
             </a:pPr>
             <a:r>
-              <a:rPr lang="zxx" sz="3200">
+              <a:rPr lang="x-none" sz="3200">
                 <a:solidFill>
-                  <a:srgbClr val="ffffff"/>
+                  <a:srgbClr val="FFFFFF"/>
                 </a:solidFill>
                 <a:latin typeface="Roboto"/>
                 <a:ea typeface="Roboto"/>
@@ -6850,15 +8170,16 @@
           </a:ln>
         </p:spPr>
         <p:txBody>
-          <a:bodyPr lIns="90000" rIns="90000" tIns="91440" bIns="91440"/>
-          <a:p>
-            <a:pPr>
+          <a:bodyPr lIns="90000" tIns="91440" rIns="90000" bIns="91440"/>
+          <a:lstStyle/>
+          <a:p>
+            <a:pPr algn="l" rtl="0">
               <a:lnSpc>
                 <a:spcPct val="100000"/>
               </a:lnSpc>
             </a:pPr>
             <a:r>
-              <a:rPr lang="zxx">
+              <a:rPr lang="x-none" dirty="0">
                 <a:solidFill>
                   <a:srgbClr val="737373"/>
                 </a:solidFill>
@@ -6867,16 +8188,16 @@
               </a:rPr>
               <a:t>We looked for a new feature space:</a:t>
             </a:r>
-            <a:endParaRPr/>
-          </a:p>
-          <a:p>
-            <a:pPr>
+            <a:endParaRPr dirty="0"/>
+          </a:p>
+          <a:p>
+            <a:pPr algn="l" rtl="0">
               <a:lnSpc>
                 <a:spcPct val="100000"/>
               </a:lnSpc>
             </a:pPr>
             <a:r>
-              <a:rPr lang="zxx">
+              <a:rPr lang="x-none" dirty="0">
                 <a:solidFill>
                   <a:srgbClr val="737373"/>
                 </a:solidFill>
@@ -6885,10 +8206,10 @@
               </a:rPr>
               <a:t>For each seq=(x1,x2,x3,......x40) (we took only seq with length(seq)=40)</a:t>
             </a:r>
-            <a:endParaRPr/>
-          </a:p>
-          <a:p>
-            <a:pPr>
+            <a:endParaRPr dirty="0"/>
+          </a:p>
+          <a:p>
+            <a:pPr algn="l" rtl="0">
               <a:lnSpc>
                 <a:spcPct val="100000"/>
               </a:lnSpc>
@@ -6896,7 +8217,7 @@
               <a:buAutoNum type="arabicPeriod"/>
             </a:pPr>
             <a:r>
-              <a:rPr lang="zxx">
+              <a:rPr lang="x-none" dirty="0">
                 <a:solidFill>
                   <a:srgbClr val="737373"/>
                 </a:solidFill>
@@ -6905,10 +8226,10 @@
               </a:rPr>
               <a:t>factor(xi)=p1*p2*....*pj ∀i∈[1,40]</a:t>
             </a:r>
-            <a:endParaRPr/>
-          </a:p>
-          <a:p>
-            <a:pPr>
+            <a:endParaRPr dirty="0"/>
+          </a:p>
+          <a:p>
+            <a:pPr algn="l" rtl="0">
               <a:lnSpc>
                 <a:spcPct val="100000"/>
               </a:lnSpc>
@@ -6916,7 +8237,7 @@
               <a:buAutoNum type="arabicPeriod"/>
             </a:pPr>
             <a:r>
-              <a:rPr lang="zxx">
+              <a:rPr lang="x-none" dirty="0">
                 <a:solidFill>
                   <a:srgbClr val="737373"/>
                 </a:solidFill>
@@ -6925,10 +8246,10 @@
               </a:rPr>
               <a:t>Compute the med_prime_xi=median(p1,p2,...pj) ∀i∈[1,40]</a:t>
             </a:r>
-            <a:endParaRPr/>
-          </a:p>
-          <a:p>
-            <a:pPr>
+            <a:endParaRPr dirty="0"/>
+          </a:p>
+          <a:p>
+            <a:pPr algn="l" rtl="0">
               <a:lnSpc>
                 <a:spcPct val="100000"/>
               </a:lnSpc>
@@ -6936,44 +8257,34 @@
               <a:buAutoNum type="arabicPeriod"/>
             </a:pPr>
             <a:r>
-              <a:rPr lang="zxx">
+              <a:rPr lang="x-none" dirty="0">
                 <a:solidFill>
                   <a:srgbClr val="737373"/>
                 </a:solidFill>
                 <a:latin typeface="Roboto"/>
                 <a:ea typeface="Roboto"/>
               </a:rPr>
-              <a:t> </a:t>
-            </a:r>
-            <a:r>
-              <a:rPr lang="zxx">
-                <a:solidFill>
-                  <a:srgbClr val="737373"/>
-                </a:solidFill>
-                <a:latin typeface="Roboto"/>
-                <a:ea typeface="Roboto"/>
-              </a:rPr>
-              <a:t>Xi &lt;- med_prime_xi</a:t>
-            </a:r>
-            <a:endParaRPr/>
+              <a:t> Xi &lt;- med_prime_xi</a:t>
+            </a:r>
+            <a:endParaRPr dirty="0"/>
           </a:p>
         </p:txBody>
       </p:sp>
       <p:pic>
         <p:nvPicPr>
-          <p:cNvPr id="169" name="Shape 178" descr=""/>
+          <p:cNvPr id="169" name="Shape 178"/>
           <p:cNvPicPr/>
           <p:nvPr/>
         </p:nvPicPr>
         <p:blipFill>
-          <a:blip r:embed="rId1"/>
+          <a:blip r:embed="rId2"/>
           <a:stretch>
             <a:fillRect/>
           </a:stretch>
         </p:blipFill>
         <p:spPr>
           <a:xfrm>
-            <a:off x="6841080" y="3474360"/>
+            <a:off x="6834984" y="3218328"/>
             <a:ext cx="2160000" cy="1620000"/>
           </a:xfrm>
           <a:prstGeom prst="rect">
@@ -6986,11 +8297,14 @@
       </p:pic>
     </p:spTree>
   </p:cSld>
+  <p:clrMapOvr>
+    <a:masterClrMapping/>
+  </p:clrMapOvr>
 </p:sld>
 </file>
 
 <file path=ppt/slides/slide17.xml><?xml version="1.0" encoding="utf-8"?>
-<p:sld xmlns:a="http://schemas.openxmlformats.org/drawingml/2006/main" xmlns:p="http://schemas.openxmlformats.org/presentationml/2006/main" xmlns:r="http://schemas.openxmlformats.org/officeDocument/2006/relationships">
+<p:sld xmlns:a="http://schemas.openxmlformats.org/drawingml/2006/main" xmlns:r="http://schemas.openxmlformats.org/officeDocument/2006/relationships" xmlns:p="http://schemas.openxmlformats.org/presentationml/2006/main">
   <p:cSld>
     <p:spTree>
       <p:nvGrpSpPr>
@@ -7026,7 +8340,8 @@
           </a:ln>
         </p:spPr>
         <p:txBody>
-          <a:bodyPr lIns="90000" rIns="90000" tIns="91440" bIns="91440" anchor="b"/>
+          <a:bodyPr lIns="90000" tIns="91440" rIns="90000" bIns="91440" anchor="b"/>
+          <a:lstStyle/>
           <a:p>
             <a:pPr>
               <a:lnSpc>
@@ -7034,9 +8349,9 @@
               </a:lnSpc>
             </a:pPr>
             <a:r>
-              <a:rPr lang="zxx" sz="3200">
+              <a:rPr lang="x-none" sz="3200">
                 <a:solidFill>
-                  <a:srgbClr val="ffffff"/>
+                  <a:srgbClr val="FFFFFF"/>
                 </a:solidFill>
                 <a:latin typeface="Roboto"/>
                 <a:ea typeface="Roboto"/>
@@ -7067,15 +8382,16 @@
           </a:ln>
         </p:spPr>
         <p:txBody>
-          <a:bodyPr lIns="90000" rIns="90000" tIns="91440" bIns="91440"/>
-          <a:p>
-            <a:pPr>
+          <a:bodyPr lIns="90000" tIns="91440" rIns="90000" bIns="91440"/>
+          <a:lstStyle/>
+          <a:p>
+            <a:pPr algn="l">
               <a:lnSpc>
                 <a:spcPct val="100000"/>
               </a:lnSpc>
             </a:pPr>
             <a:r>
-              <a:rPr lang="zxx">
+              <a:rPr lang="x-none" dirty="0">
                 <a:solidFill>
                   <a:srgbClr val="737373"/>
                 </a:solidFill>
@@ -7084,7 +8400,7 @@
               </a:rPr>
               <a:t>-Using the feature space we have created, we reduce the dimension space to p=2 using PCA (variance explained = 35%). </a:t>
             </a:r>
-            <a:endParaRPr/>
+            <a:endParaRPr dirty="0"/>
           </a:p>
           <a:p>
             <a:pPr>
@@ -7093,7 +8409,7 @@
               </a:lnSpc>
             </a:pPr>
             <a:r>
-              <a:rPr lang="zxx">
+              <a:rPr lang="x-none" dirty="0">
                 <a:solidFill>
                   <a:srgbClr val="737373"/>
                 </a:solidFill>
@@ -7102,7 +8418,7 @@
               </a:rPr>
               <a:t>- Positive linear correlation</a:t>
             </a:r>
-            <a:endParaRPr/>
+            <a:endParaRPr dirty="0"/>
           </a:p>
           <a:p>
             <a:pPr>
@@ -7110,25 +8426,25 @@
                 <a:spcPct val="100000"/>
               </a:lnSpc>
             </a:pPr>
-            <a:endParaRPr/>
+            <a:endParaRPr dirty="0"/>
           </a:p>
         </p:txBody>
       </p:sp>
       <p:pic>
         <p:nvPicPr>
-          <p:cNvPr id="172" name="Shape 185" descr=""/>
+          <p:cNvPr id="172" name="Shape 185"/>
           <p:cNvPicPr/>
           <p:nvPr/>
         </p:nvPicPr>
         <p:blipFill>
-          <a:blip r:embed="rId1"/>
+          <a:blip r:embed="rId2"/>
           <a:stretch>
             <a:fillRect/>
           </a:stretch>
         </p:blipFill>
         <p:spPr>
           <a:xfrm>
-            <a:off x="4875840" y="2260440"/>
+            <a:off x="4936800" y="2260980"/>
             <a:ext cx="4009680" cy="2882520"/>
           </a:xfrm>
           <a:prstGeom prst="rect">
@@ -7141,11 +8457,14 @@
       </p:pic>
     </p:spTree>
   </p:cSld>
+  <p:clrMapOvr>
+    <a:masterClrMapping/>
+  </p:clrMapOvr>
 </p:sld>
 </file>
 
 <file path=ppt/slides/slide18.xml><?xml version="1.0" encoding="utf-8"?>
-<p:sld xmlns:a="http://schemas.openxmlformats.org/drawingml/2006/main" xmlns:p="http://schemas.openxmlformats.org/presentationml/2006/main" xmlns:r="http://schemas.openxmlformats.org/officeDocument/2006/relationships">
+<p:sld xmlns:a="http://schemas.openxmlformats.org/drawingml/2006/main" xmlns:r="http://schemas.openxmlformats.org/officeDocument/2006/relationships" xmlns:p="http://schemas.openxmlformats.org/presentationml/2006/main">
   <p:cSld>
     <p:spTree>
       <p:nvGrpSpPr>
@@ -7181,7 +8500,8 @@
           </a:ln>
         </p:spPr>
         <p:txBody>
-          <a:bodyPr lIns="90000" rIns="90000" tIns="91440" bIns="91440" anchor="b"/>
+          <a:bodyPr lIns="90000" tIns="91440" rIns="90000" bIns="91440" anchor="b"/>
+          <a:lstStyle/>
           <a:p>
             <a:pPr>
               <a:lnSpc>
@@ -7189,9 +8509,9 @@
               </a:lnSpc>
             </a:pPr>
             <a:r>
-              <a:rPr lang="zxx" sz="3200">
+              <a:rPr lang="x-none" sz="3200">
                 <a:solidFill>
-                  <a:srgbClr val="ffffff"/>
+                  <a:srgbClr val="FFFFFF"/>
                 </a:solidFill>
                 <a:latin typeface="Roboto"/>
                 <a:ea typeface="Roboto"/>
@@ -7222,9 +8542,10 @@
           </a:ln>
         </p:spPr>
         <p:txBody>
-          <a:bodyPr lIns="90000" rIns="90000" tIns="91440" bIns="91440"/>
-          <a:p>
-            <a:pPr>
+          <a:bodyPr lIns="90000" tIns="91440" rIns="90000" bIns="91440"/>
+          <a:lstStyle/>
+          <a:p>
+            <a:pPr algn="l">
               <a:lnSpc>
                 <a:spcPct val="100000"/>
               </a:lnSpc>
@@ -7232,7 +8553,7 @@
               <a:buChar char="●"/>
             </a:pPr>
             <a:r>
-              <a:rPr lang="zxx">
+              <a:rPr lang="x-none" dirty="0">
                 <a:solidFill>
                   <a:srgbClr val="737373"/>
                 </a:solidFill>
@@ -7241,16 +8562,16 @@
               </a:rPr>
               <a:t>No matlab on computer:</a:t>
             </a:r>
-            <a:endParaRPr/>
-          </a:p>
-          <a:p>
-            <a:pPr>
+            <a:endParaRPr dirty="0"/>
+          </a:p>
+          <a:p>
+            <a:pPr algn="l">
               <a:lnSpc>
                 <a:spcPct val="100000"/>
               </a:lnSpc>
             </a:pPr>
             <a:r>
-              <a:rPr lang="zxx">
+              <a:rPr lang="x-none" dirty="0">
                 <a:solidFill>
                   <a:srgbClr val="737373"/>
                 </a:solidFill>
@@ -7260,7 +8581,7 @@
               <a:t> </a:t>
             </a:r>
             <a:r>
-              <a:rPr lang="zxx" sz="1000">
+              <a:rPr lang="x-none" sz="1000" dirty="0">
                 <a:solidFill>
                   <a:srgbClr val="101094"/>
                 </a:solidFill>
@@ -7270,7 +8591,7 @@
               <a:t>import</a:t>
             </a:r>
             <a:r>
-              <a:rPr lang="zxx" sz="1000">
+              <a:rPr lang="x-none" sz="1000" dirty="0">
                 <a:solidFill>
                   <a:srgbClr val="303336"/>
                 </a:solidFill>
@@ -7280,7 +8601,7 @@
               <a:t> scipy.io </a:t>
             </a:r>
             <a:r>
-              <a:rPr lang="zxx" sz="1000">
+              <a:rPr lang="x-none" sz="1000" dirty="0">
                 <a:solidFill>
                   <a:srgbClr val="101094"/>
                 </a:solidFill>
@@ -7290,7 +8611,7 @@
               <a:t>as</a:t>
             </a:r>
             <a:r>
-              <a:rPr lang="zxx" sz="1000">
+              <a:rPr lang="x-none" sz="1000" dirty="0">
                 <a:solidFill>
                   <a:srgbClr val="303336"/>
                 </a:solidFill>
@@ -7299,179 +8620,169 @@
               </a:rPr>
               <a:t> sio</a:t>
             </a:r>
-            <a:endParaRPr/>
-          </a:p>
-          <a:p>
-            <a:pPr>
+            <a:endParaRPr dirty="0"/>
+          </a:p>
+          <a:p>
+            <a:pPr algn="l">
               <a:lnSpc>
                 <a:spcPct val="100000"/>
               </a:lnSpc>
             </a:pPr>
             <a:r>
-              <a:rPr lang="zxx" sz="1000">
+              <a:rPr lang="x-none" sz="1000" dirty="0">
                 <a:solidFill>
                   <a:srgbClr val="303336"/>
                 </a:solidFill>
                 <a:latin typeface="Consolas"/>
                 <a:ea typeface="Consolas"/>
               </a:rPr>
-              <a:t>    </a:t>
-            </a:r>
-            <a:r>
-              <a:rPr lang="zxx" sz="1000">
+              <a:t>    test = sio.loadmat(</a:t>
+            </a:r>
+            <a:r>
+              <a:rPr lang="x-none" sz="1000" dirty="0">
+                <a:solidFill>
+                  <a:srgbClr val="7D2727"/>
+                </a:solidFill>
+                <a:latin typeface="Consolas"/>
+                <a:ea typeface="Consolas"/>
+              </a:rPr>
+              <a:t>'cleaned_dataP.mat'</a:t>
+            </a:r>
+            <a:r>
+              <a:rPr lang="x-none" sz="1000" dirty="0">
                 <a:solidFill>
                   <a:srgbClr val="303336"/>
                 </a:solidFill>
                 <a:latin typeface="Consolas"/>
                 <a:ea typeface="Consolas"/>
               </a:rPr>
-              <a:t>test = sio.loadmat(</a:t>
-            </a:r>
-            <a:r>
-              <a:rPr lang="zxx" sz="1000">
+              <a:t>)</a:t>
+            </a:r>
+            <a:endParaRPr dirty="0"/>
+          </a:p>
+          <a:p>
+            <a:pPr algn="l">
+              <a:lnSpc>
+                <a:spcPct val="100000"/>
+              </a:lnSpc>
+              <a:buFont typeface="Roboto"/>
+              <a:buChar char="●"/>
+            </a:pPr>
+            <a:r>
+              <a:rPr lang="x-none" sz="1000" dirty="0">
                 <a:solidFill>
-                  <a:srgbClr val="7d2727"/>
+                  <a:srgbClr val="737373"/>
+                </a:solidFill>
+                <a:latin typeface="Roboto"/>
+                <a:ea typeface="Roboto"/>
+              </a:rPr>
+              <a:t>matlab(2014b&gt;) on computer:</a:t>
+            </a:r>
+            <a:endParaRPr dirty="0"/>
+          </a:p>
+          <a:p>
+            <a:pPr algn="l">
+              <a:lnSpc>
+                <a:spcPct val="100000"/>
+              </a:lnSpc>
+            </a:pPr>
+            <a:r>
+              <a:rPr lang="x-none" sz="1000" dirty="0">
+                <a:solidFill>
+                  <a:srgbClr val="101094"/>
                 </a:solidFill>
                 <a:latin typeface="Consolas"/>
                 <a:ea typeface="Consolas"/>
               </a:rPr>
-              <a:t>'cleaned_dataP.mat'</a:t>
-            </a:r>
-            <a:r>
-              <a:rPr lang="zxx" sz="1000">
+              <a:t>import</a:t>
+            </a:r>
+            <a:r>
+              <a:rPr lang="x-none" sz="1000" dirty="0">
                 <a:solidFill>
                   <a:srgbClr val="303336"/>
                 </a:solidFill>
                 <a:latin typeface="Consolas"/>
                 <a:ea typeface="Consolas"/>
               </a:rPr>
-              <a:t>)</a:t>
-            </a:r>
-            <a:endParaRPr/>
-          </a:p>
-          <a:p>
-            <a:pPr>
+              <a:t> matlab.engine </a:t>
+            </a:r>
+            <a:endParaRPr dirty="0"/>
+          </a:p>
+          <a:p>
+            <a:pPr algn="l">
               <a:lnSpc>
                 <a:spcPct val="100000"/>
               </a:lnSpc>
-              <a:buFont typeface="Roboto"/>
-              <a:buChar char="●"/>
-            </a:pPr>
-            <a:r>
-              <a:rPr lang="zxx" sz="1000">
-                <a:solidFill>
-                  <a:srgbClr val="737373"/>
-                </a:solidFill>
-                <a:latin typeface="Roboto"/>
-                <a:ea typeface="Roboto"/>
-              </a:rPr>
-              <a:t>matlab(2014b&gt;) on computer:</a:t>
-            </a:r>
-            <a:endParaRPr/>
-          </a:p>
-          <a:p>
-            <a:pPr>
-              <a:lnSpc>
-                <a:spcPct val="100000"/>
-              </a:lnSpc>
-            </a:pPr>
-            <a:r>
-              <a:rPr lang="zxx" sz="1000">
-                <a:solidFill>
-                  <a:srgbClr val="101094"/>
-                </a:solidFill>
-                <a:latin typeface="Consolas"/>
-                <a:ea typeface="Consolas"/>
-              </a:rPr>
-              <a:t>import</a:t>
-            </a:r>
-            <a:r>
-              <a:rPr lang="zxx" sz="1000">
+            </a:pPr>
+            <a:r>
+              <a:rPr lang="x-none" sz="1000" dirty="0">
                 <a:solidFill>
                   <a:srgbClr val="303336"/>
                 </a:solidFill>
                 <a:latin typeface="Consolas"/>
                 <a:ea typeface="Consolas"/>
               </a:rPr>
-              <a:t> matlab.engine </a:t>
-            </a:r>
-            <a:endParaRPr/>
-          </a:p>
-          <a:p>
-            <a:pPr>
+              <a:t>eng = matlab.engine.start_matlab() </a:t>
+            </a:r>
+            <a:endParaRPr dirty="0"/>
+          </a:p>
+          <a:p>
+            <a:pPr algn="l">
               <a:lnSpc>
                 <a:spcPct val="100000"/>
               </a:lnSpc>
             </a:pPr>
             <a:r>
-              <a:rPr lang="zxx" sz="1000">
+              <a:rPr lang="x-none" sz="1000" dirty="0">
                 <a:solidFill>
                   <a:srgbClr val="303336"/>
                 </a:solidFill>
                 <a:latin typeface="Consolas"/>
                 <a:ea typeface="Consolas"/>
               </a:rPr>
-              <a:t>eng = matlab.engine.start_matlab() </a:t>
-            </a:r>
-            <a:endParaRPr/>
-          </a:p>
-          <a:p>
-            <a:pPr>
-              <a:lnSpc>
-                <a:spcPct val="100000"/>
-              </a:lnSpc>
-            </a:pPr>
-            <a:r>
-              <a:rPr lang="zxx" sz="1000">
+              <a:t>content = eng.load(</a:t>
+            </a:r>
+            <a:r>
+              <a:rPr lang="x-none" sz="1000" dirty="0">
+                <a:solidFill>
+                  <a:srgbClr val="7D2727"/>
+                </a:solidFill>
+                <a:latin typeface="Consolas"/>
+                <a:ea typeface="Consolas"/>
+              </a:rPr>
+              <a:t>"cleaned_dataP.mat"</a:t>
+            </a:r>
+            <a:r>
+              <a:rPr lang="x-none" sz="1000" dirty="0">
                 <a:solidFill>
                   <a:srgbClr val="303336"/>
                 </a:solidFill>
                 <a:latin typeface="Consolas"/>
                 <a:ea typeface="Consolas"/>
               </a:rPr>
-              <a:t>content = eng.load(</a:t>
-            </a:r>
-            <a:r>
-              <a:rPr lang="zxx" sz="1000">
+              <a:t>,nargout=</a:t>
+            </a:r>
+            <a:r>
+              <a:rPr lang="x-none" sz="1000" dirty="0">
                 <a:solidFill>
-                  <a:srgbClr val="7d2727"/>
+                  <a:srgbClr val="7D2727"/>
                 </a:solidFill>
                 <a:latin typeface="Consolas"/>
                 <a:ea typeface="Consolas"/>
               </a:rPr>
-              <a:t>"cleaned_dataP.mat"</a:t>
-            </a:r>
-            <a:r>
-              <a:rPr lang="zxx" sz="1000">
+              <a:t>1</a:t>
+            </a:r>
+            <a:r>
+              <a:rPr lang="x-none" sz="1000" dirty="0">
                 <a:solidFill>
                   <a:srgbClr val="303336"/>
                 </a:solidFill>
                 <a:latin typeface="Consolas"/>
                 <a:ea typeface="Consolas"/>
               </a:rPr>
-              <a:t>,nargout=</a:t>
-            </a:r>
-            <a:r>
-              <a:rPr lang="zxx" sz="1000">
-                <a:solidFill>
-                  <a:srgbClr val="7d2727"/>
-                </a:solidFill>
-                <a:latin typeface="Consolas"/>
-                <a:ea typeface="Consolas"/>
-              </a:rPr>
-              <a:t>1</a:t>
-            </a:r>
-            <a:r>
-              <a:rPr lang="zxx" sz="1000">
-                <a:solidFill>
-                  <a:srgbClr val="303336"/>
-                </a:solidFill>
-                <a:latin typeface="Consolas"/>
-                <a:ea typeface="Consolas"/>
-              </a:rPr>
               <a:t>)</a:t>
             </a:r>
-            <a:endParaRPr/>
+            <a:endParaRPr dirty="0"/>
           </a:p>
           <a:p>
             <a:pPr>
@@ -7479,7 +8790,7 @@
                 <a:spcPct val="100000"/>
               </a:lnSpc>
             </a:pPr>
-            <a:endParaRPr/>
+            <a:endParaRPr dirty="0"/>
           </a:p>
           <a:p>
             <a:pPr>
@@ -7487,7 +8798,7 @@
                 <a:spcPct val="100000"/>
               </a:lnSpc>
             </a:pPr>
-            <a:endParaRPr/>
+            <a:endParaRPr dirty="0"/>
           </a:p>
           <a:p>
             <a:pPr>
@@ -7495,7 +8806,7 @@
                 <a:spcPct val="100000"/>
               </a:lnSpc>
             </a:pPr>
-            <a:endParaRPr/>
+            <a:endParaRPr dirty="0"/>
           </a:p>
           <a:p>
             <a:pPr>
@@ -7503,17 +8814,20 @@
                 <a:spcPct val="100000"/>
               </a:lnSpc>
             </a:pPr>
-            <a:endParaRPr/>
+            <a:endParaRPr dirty="0"/>
           </a:p>
         </p:txBody>
       </p:sp>
     </p:spTree>
   </p:cSld>
+  <p:clrMapOvr>
+    <a:masterClrMapping/>
+  </p:clrMapOvr>
 </p:sld>
 </file>
 
 <file path=ppt/slides/slide19.xml><?xml version="1.0" encoding="utf-8"?>
-<p:sld xmlns:a="http://schemas.openxmlformats.org/drawingml/2006/main" xmlns:p="http://schemas.openxmlformats.org/presentationml/2006/main" xmlns:r="http://schemas.openxmlformats.org/officeDocument/2006/relationships">
+<p:sld xmlns:a="http://schemas.openxmlformats.org/drawingml/2006/main" xmlns:r="http://schemas.openxmlformats.org/officeDocument/2006/relationships" xmlns:p="http://schemas.openxmlformats.org/presentationml/2006/main">
   <p:cSld>
     <p:spTree>
       <p:nvGrpSpPr>
@@ -7549,7 +8863,8 @@
           </a:ln>
         </p:spPr>
         <p:txBody>
-          <a:bodyPr lIns="90000" rIns="90000" tIns="91440" bIns="91440" anchor="b"/>
+          <a:bodyPr lIns="90000" tIns="91440" rIns="90000" bIns="91440" anchor="b"/>
+          <a:lstStyle/>
           <a:p>
             <a:pPr>
               <a:lnSpc>
@@ -7557,9 +8872,9 @@
               </a:lnSpc>
             </a:pPr>
             <a:r>
-              <a:rPr lang="zxx" sz="3200">
+              <a:rPr lang="x-none" sz="3200">
                 <a:solidFill>
-                  <a:srgbClr val="ffffff"/>
+                  <a:srgbClr val="FFFFFF"/>
                 </a:solidFill>
                 <a:latin typeface="Roboto"/>
                 <a:ea typeface="Roboto"/>
@@ -7592,11 +8907,14 @@
       </p:sp>
     </p:spTree>
   </p:cSld>
+  <p:clrMapOvr>
+    <a:masterClrMapping/>
+  </p:clrMapOvr>
 </p:sld>
 </file>
 
 <file path=ppt/slides/slide2.xml><?xml version="1.0" encoding="utf-8"?>
-<p:sld xmlns:a="http://schemas.openxmlformats.org/drawingml/2006/main" xmlns:p="http://schemas.openxmlformats.org/presentationml/2006/main" xmlns:r="http://schemas.openxmlformats.org/officeDocument/2006/relationships">
+<p:sld xmlns:a="http://schemas.openxmlformats.org/drawingml/2006/main" xmlns:r="http://schemas.openxmlformats.org/officeDocument/2006/relationships" xmlns:p="http://schemas.openxmlformats.org/presentationml/2006/main">
   <p:cSld>
     <p:spTree>
       <p:nvGrpSpPr>
@@ -7632,7 +8950,8 @@
           </a:ln>
         </p:spPr>
         <p:txBody>
-          <a:bodyPr lIns="90000" rIns="90000" tIns="91440" bIns="91440" anchor="b"/>
+          <a:bodyPr lIns="90000" tIns="91440" rIns="90000" bIns="91440" anchor="b"/>
+          <a:lstStyle/>
           <a:p>
             <a:pPr>
               <a:lnSpc>
@@ -7640,9 +8959,9 @@
               </a:lnSpc>
             </a:pPr>
             <a:r>
-              <a:rPr lang="zxx" sz="3200">
+              <a:rPr lang="x-none" sz="3200">
                 <a:solidFill>
-                  <a:srgbClr val="ffffff"/>
+                  <a:srgbClr val="FFFFFF"/>
                 </a:solidFill>
                 <a:latin typeface="Roboto"/>
                 <a:ea typeface="Roboto"/>
@@ -7673,7 +8992,8 @@
           </a:ln>
         </p:spPr>
         <p:txBody>
-          <a:bodyPr lIns="90000" rIns="90000" tIns="91440" bIns="91440"/>
+          <a:bodyPr lIns="90000" tIns="91440" rIns="90000" bIns="91440"/>
+          <a:lstStyle/>
           <a:p>
             <a:pPr>
               <a:lnSpc>
@@ -7681,7 +9001,7 @@
               </a:lnSpc>
             </a:pPr>
             <a:r>
-              <a:rPr lang="zxx">
+              <a:rPr lang="x-none">
                 <a:solidFill>
                   <a:srgbClr val="737373"/>
                 </a:solidFill>
@@ -7701,7 +9021,7 @@
               <a:buAutoNum type="arabicPeriod"/>
             </a:pPr>
             <a:r>
-              <a:rPr lang="zxx">
+              <a:rPr lang="x-none">
                 <a:solidFill>
                   <a:srgbClr val="737373"/>
                 </a:solidFill>
@@ -7721,7 +9041,7 @@
               <a:buAutoNum type="arabicPeriod"/>
             </a:pPr>
             <a:r>
-              <a:rPr lang="zxx">
+              <a:rPr lang="x-none">
                 <a:solidFill>
                   <a:srgbClr val="737373"/>
                 </a:solidFill>
@@ -7741,7 +9061,7 @@
               <a:buAutoNum type="arabicPeriod"/>
             </a:pPr>
             <a:r>
-              <a:rPr lang="zxx">
+              <a:rPr lang="x-none">
                 <a:solidFill>
                   <a:srgbClr val="737373"/>
                 </a:solidFill>
@@ -7761,7 +9081,7 @@
               <a:buAutoNum type="arabicPeriod"/>
             </a:pPr>
             <a:r>
-              <a:rPr lang="zxx">
+              <a:rPr lang="x-none">
                 <a:solidFill>
                   <a:srgbClr val="737373"/>
                 </a:solidFill>
@@ -7781,7 +9101,7 @@
               <a:buAutoNum type="arabicPeriod"/>
             </a:pPr>
             <a:r>
-              <a:rPr lang="zxx">
+              <a:rPr lang="x-none">
                 <a:solidFill>
                   <a:srgbClr val="737373"/>
                 </a:solidFill>
@@ -7799,7 +9119,7 @@
               </a:lnSpc>
             </a:pPr>
             <a:r>
-              <a:rPr lang="zxx">
+              <a:rPr lang="x-none">
                 <a:solidFill>
                   <a:srgbClr val="737373"/>
                 </a:solidFill>
@@ -7809,9 +9129,9 @@
               <a:t>We saved the new sequences as: </a:t>
             </a:r>
             <a:r>
-              <a:rPr lang="zxx">
+              <a:rPr lang="x-none">
                 <a:solidFill>
-                  <a:srgbClr val="0000ff"/>
+                  <a:srgbClr val="0000FF"/>
                 </a:solidFill>
                 <a:latin typeface="Roboto"/>
                 <a:ea typeface="Roboto"/>
@@ -7824,22 +9144,25 @@
       </p:sp>
     </p:spTree>
   </p:cSld>
+  <p:clrMapOvr>
+    <a:masterClrMapping/>
+  </p:clrMapOvr>
   <p:timing>
     <p:tnLst>
       <p:par>
-        <p:cTn id="3" dur="indefinite" restart="never" nodeType="tmRoot">
+        <p:cTn id="1" dur="indefinite" restart="never" nodeType="tmRoot">
           <p:childTnLst>
             <p:seq>
-              <p:cTn id="4" nodeType="mainSeq"/>
+              <p:cTn id="2" nodeType="mainSeq"/>
               <p:prevCondLst>
-                <p:cond delay="0" evt="onPrev">
+                <p:cond evt="onPrev" delay="0">
                   <p:tgtEl>
                     <p:sldTgt/>
                   </p:tgtEl>
                 </p:cond>
               </p:prevCondLst>
               <p:nextCondLst>
-                <p:cond delay="0" evt="onNext">
+                <p:cond evt="onNext" delay="0">
                   <p:tgtEl>
                     <p:sldTgt/>
                   </p:tgtEl>
@@ -7855,7 +9178,7 @@
 </file>
 
 <file path=ppt/slides/slide20.xml><?xml version="1.0" encoding="utf-8"?>
-<p:sld xmlns:a="http://schemas.openxmlformats.org/drawingml/2006/main" xmlns:p="http://schemas.openxmlformats.org/presentationml/2006/main" xmlns:r="http://schemas.openxmlformats.org/officeDocument/2006/relationships">
+<p:sld xmlns:a="http://schemas.openxmlformats.org/drawingml/2006/main" xmlns:r="http://schemas.openxmlformats.org/officeDocument/2006/relationships" xmlns:p="http://schemas.openxmlformats.org/presentationml/2006/main">
   <p:cSld>
     <p:spTree>
       <p:nvGrpSpPr>
@@ -7891,7 +9214,8 @@
           </a:ln>
         </p:spPr>
         <p:txBody>
-          <a:bodyPr lIns="90000" rIns="90000" tIns="91440" bIns="91440" anchor="ctr"/>
+          <a:bodyPr lIns="90000" tIns="91440" rIns="90000" bIns="91440" anchor="ctr"/>
+          <a:lstStyle/>
           <a:p>
             <a:pPr algn="ctr">
               <a:lnSpc>
@@ -7899,9 +9223,9 @@
               </a:lnSpc>
             </a:pPr>
             <a:r>
-              <a:rPr lang="zxx" sz="4200">
+              <a:rPr lang="x-none" sz="4200">
                 <a:solidFill>
-                  <a:srgbClr val="ffffff"/>
+                  <a:srgbClr val="FFFFFF"/>
                 </a:solidFill>
                 <a:latin typeface="Roboto"/>
                 <a:ea typeface="Roboto"/>
@@ -7914,11 +9238,14 @@
       </p:sp>
     </p:spTree>
   </p:cSld>
+  <p:clrMapOvr>
+    <a:masterClrMapping/>
+  </p:clrMapOvr>
 </p:sld>
 </file>
 
 <file path=ppt/slides/slide3.xml><?xml version="1.0" encoding="utf-8"?>
-<p:sld xmlns:a="http://schemas.openxmlformats.org/drawingml/2006/main" xmlns:p="http://schemas.openxmlformats.org/presentationml/2006/main" xmlns:r="http://schemas.openxmlformats.org/officeDocument/2006/relationships">
+<p:sld xmlns:a="http://schemas.openxmlformats.org/drawingml/2006/main" xmlns:r="http://schemas.openxmlformats.org/officeDocument/2006/relationships" xmlns:p="http://schemas.openxmlformats.org/presentationml/2006/main">
   <p:cSld>
     <p:spTree>
       <p:nvGrpSpPr>
@@ -7954,7 +9281,8 @@
           </a:ln>
         </p:spPr>
         <p:txBody>
-          <a:bodyPr lIns="90000" rIns="90000" tIns="91440" bIns="91440" anchor="b"/>
+          <a:bodyPr lIns="90000" tIns="91440" rIns="90000" bIns="91440" anchor="b"/>
+          <a:lstStyle/>
           <a:p>
             <a:pPr>
               <a:lnSpc>
@@ -7962,9 +9290,9 @@
               </a:lnSpc>
             </a:pPr>
             <a:r>
-              <a:rPr lang="zxx" sz="3200">
+              <a:rPr lang="x-none" sz="3200">
                 <a:solidFill>
-                  <a:srgbClr val="ffffff"/>
+                  <a:srgbClr val="FFFFFF"/>
                 </a:solidFill>
                 <a:latin typeface="Roboto"/>
                 <a:ea typeface="Roboto"/>
@@ -7977,32 +9305,7 @@
       </p:sp>
       <p:pic>
         <p:nvPicPr>
-          <p:cNvPr id="122" name="Shape 80" descr=""/>
-          <p:cNvPicPr/>
-          <p:nvPr/>
-        </p:nvPicPr>
-        <p:blipFill>
-          <a:blip r:embed="rId1"/>
-          <a:stretch>
-            <a:fillRect/>
-          </a:stretch>
-        </p:blipFill>
-        <p:spPr>
-          <a:xfrm>
-            <a:off x="380880" y="2174400"/>
-            <a:ext cx="2768400" cy="2076120"/>
-          </a:xfrm>
-          <a:prstGeom prst="rect">
-            <a:avLst/>
-          </a:prstGeom>
-          <a:ln>
-            <a:noFill/>
-          </a:ln>
-        </p:spPr>
-      </p:pic>
-      <p:pic>
-        <p:nvPicPr>
-          <p:cNvPr id="123" name="Shape 81" descr=""/>
+          <p:cNvPr id="122" name="Shape 80"/>
           <p:cNvPicPr/>
           <p:nvPr/>
         </p:nvPicPr>
@@ -8014,8 +9317,8 @@
         </p:blipFill>
         <p:spPr>
           <a:xfrm>
-            <a:off x="3150000" y="2174400"/>
-            <a:ext cx="2768400" cy="2124000"/>
+            <a:off x="380880" y="2174400"/>
+            <a:ext cx="2768400" cy="2076120"/>
           </a:xfrm>
           <a:prstGeom prst="rect">
             <a:avLst/>
@@ -8027,7 +9330,7 @@
       </p:pic>
       <p:pic>
         <p:nvPicPr>
-          <p:cNvPr id="124" name="Shape 82" descr=""/>
+          <p:cNvPr id="123" name="Shape 81"/>
           <p:cNvPicPr/>
           <p:nvPr/>
         </p:nvPicPr>
@@ -8039,6 +9342,31 @@
         </p:blipFill>
         <p:spPr>
           <a:xfrm>
+            <a:off x="3150000" y="2174400"/>
+            <a:ext cx="2768400" cy="2124000"/>
+          </a:xfrm>
+          <a:prstGeom prst="rect">
+            <a:avLst/>
+          </a:prstGeom>
+          <a:ln>
+            <a:noFill/>
+          </a:ln>
+        </p:spPr>
+      </p:pic>
+      <p:pic>
+        <p:nvPicPr>
+          <p:cNvPr id="124" name="Shape 82"/>
+          <p:cNvPicPr/>
+          <p:nvPr/>
+        </p:nvPicPr>
+        <p:blipFill>
+          <a:blip r:embed="rId4"/>
+          <a:stretch>
+            <a:fillRect/>
+          </a:stretch>
+        </p:blipFill>
+        <p:spPr>
+          <a:xfrm>
             <a:off x="5960880" y="2174400"/>
             <a:ext cx="2768400" cy="2076120"/>
           </a:xfrm>
@@ -8072,22 +9400,25 @@
       </p:sp>
     </p:spTree>
   </p:cSld>
+  <p:clrMapOvr>
+    <a:masterClrMapping/>
+  </p:clrMapOvr>
   <p:timing>
     <p:tnLst>
       <p:par>
-        <p:cTn id="5" dur="indefinite" restart="never" nodeType="tmRoot">
+        <p:cTn id="1" dur="indefinite" restart="never" nodeType="tmRoot">
           <p:childTnLst>
             <p:seq>
-              <p:cTn id="6" nodeType="mainSeq"/>
+              <p:cTn id="2" nodeType="mainSeq"/>
               <p:prevCondLst>
-                <p:cond delay="0" evt="onPrev">
+                <p:cond evt="onPrev" delay="0">
                   <p:tgtEl>
                     <p:sldTgt/>
                   </p:tgtEl>
                 </p:cond>
               </p:prevCondLst>
               <p:nextCondLst>
-                <p:cond delay="0" evt="onNext">
+                <p:cond evt="onNext" delay="0">
                   <p:tgtEl>
                     <p:sldTgt/>
                   </p:tgtEl>
@@ -8103,7 +9434,7 @@
 </file>
 
 <file path=ppt/slides/slide4.xml><?xml version="1.0" encoding="utf-8"?>
-<p:sld xmlns:a="http://schemas.openxmlformats.org/drawingml/2006/main" xmlns:p="http://schemas.openxmlformats.org/presentationml/2006/main" xmlns:r="http://schemas.openxmlformats.org/officeDocument/2006/relationships">
+<p:sld xmlns:a="http://schemas.openxmlformats.org/drawingml/2006/main" xmlns:r="http://schemas.openxmlformats.org/officeDocument/2006/relationships" xmlns:p="http://schemas.openxmlformats.org/presentationml/2006/main">
   <p:cSld>
     <p:spTree>
       <p:nvGrpSpPr>
@@ -8139,7 +9470,8 @@
           </a:ln>
         </p:spPr>
         <p:txBody>
-          <a:bodyPr lIns="90000" rIns="90000" tIns="91440" bIns="91440" anchor="b"/>
+          <a:bodyPr lIns="90000" tIns="91440" rIns="90000" bIns="91440" anchor="b"/>
+          <a:lstStyle/>
           <a:p>
             <a:pPr>
               <a:lnSpc>
@@ -8147,9 +9479,9 @@
               </a:lnSpc>
             </a:pPr>
             <a:r>
-              <a:rPr lang="zxx" sz="3200">
+              <a:rPr lang="x-none" sz="3200">
                 <a:solidFill>
-                  <a:srgbClr val="ffffff"/>
+                  <a:srgbClr val="FFFFFF"/>
                 </a:solidFill>
                 <a:latin typeface="Roboto"/>
                 <a:ea typeface="Roboto"/>
@@ -8182,22 +9514,25 @@
       </p:sp>
     </p:spTree>
   </p:cSld>
+  <p:clrMapOvr>
+    <a:masterClrMapping/>
+  </p:clrMapOvr>
   <p:timing>
     <p:tnLst>
       <p:par>
-        <p:cTn id="7" dur="indefinite" restart="never" nodeType="tmRoot">
+        <p:cTn id="1" dur="indefinite" restart="never" nodeType="tmRoot">
           <p:childTnLst>
             <p:seq>
-              <p:cTn id="8" nodeType="mainSeq"/>
+              <p:cTn id="2" nodeType="mainSeq"/>
               <p:prevCondLst>
-                <p:cond delay="0" evt="onPrev">
+                <p:cond evt="onPrev" delay="0">
                   <p:tgtEl>
                     <p:sldTgt/>
                   </p:tgtEl>
                 </p:cond>
               </p:prevCondLst>
               <p:nextCondLst>
-                <p:cond delay="0" evt="onNext">
+                <p:cond evt="onNext" delay="0">
                   <p:tgtEl>
                     <p:sldTgt/>
                   </p:tgtEl>
@@ -8213,7 +9548,7 @@
 </file>
 
 <file path=ppt/slides/slide5.xml><?xml version="1.0" encoding="utf-8"?>
-<p:sld xmlns:a="http://schemas.openxmlformats.org/drawingml/2006/main" xmlns:p="http://schemas.openxmlformats.org/presentationml/2006/main" xmlns:r="http://schemas.openxmlformats.org/officeDocument/2006/relationships">
+<p:sld xmlns:a="http://schemas.openxmlformats.org/drawingml/2006/main" xmlns:r="http://schemas.openxmlformats.org/officeDocument/2006/relationships" xmlns:p="http://schemas.openxmlformats.org/presentationml/2006/main">
   <p:cSld>
     <p:spTree>
       <p:nvGrpSpPr>
@@ -8249,7 +9584,8 @@
           </a:ln>
         </p:spPr>
         <p:txBody>
-          <a:bodyPr lIns="90000" rIns="90000" tIns="91440" bIns="91440" anchor="b"/>
+          <a:bodyPr lIns="90000" tIns="91440" rIns="90000" bIns="91440" anchor="b"/>
+          <a:lstStyle/>
           <a:p>
             <a:pPr>
               <a:lnSpc>
@@ -8257,9 +9593,9 @@
               </a:lnSpc>
             </a:pPr>
             <a:r>
-              <a:rPr lang="zxx" sz="3200">
+              <a:rPr lang="x-none" sz="3200">
                 <a:solidFill>
-                  <a:srgbClr val="ffffff"/>
+                  <a:srgbClr val="FFFFFF"/>
                 </a:solidFill>
                 <a:latin typeface="Roboto"/>
                 <a:ea typeface="Roboto"/>
@@ -8290,15 +9626,16 @@
           </a:ln>
         </p:spPr>
         <p:txBody>
-          <a:bodyPr lIns="90000" rIns="90000" tIns="91440" bIns="91440"/>
-          <a:p>
-            <a:pPr>
+          <a:bodyPr lIns="90000" tIns="91440" rIns="90000" bIns="91440"/>
+          <a:lstStyle/>
+          <a:p>
+            <a:pPr algn="l">
               <a:lnSpc>
                 <a:spcPct val="100000"/>
               </a:lnSpc>
             </a:pPr>
             <a:r>
-              <a:rPr lang="zxx">
+              <a:rPr lang="x-none" dirty="0">
                 <a:solidFill>
                   <a:srgbClr val="737373"/>
                 </a:solidFill>
@@ -8307,16 +9644,16 @@
               </a:rPr>
               <a:t>Histogram of lengths after filtering.</a:t>
             </a:r>
-            <a:endParaRPr/>
-          </a:p>
-          <a:p>
-            <a:pPr>
+            <a:endParaRPr dirty="0"/>
+          </a:p>
+          <a:p>
+            <a:pPr algn="l">
               <a:lnSpc>
                 <a:spcPct val="100000"/>
               </a:lnSpc>
             </a:pPr>
             <a:r>
-              <a:rPr lang="zxx">
+              <a:rPr lang="x-none" dirty="0">
                 <a:solidFill>
                   <a:srgbClr val="737373"/>
                 </a:solidFill>
@@ -8325,16 +9662,16 @@
               </a:rPr>
               <a:t>As we can see the histogram starts</a:t>
             </a:r>
-            <a:endParaRPr/>
-          </a:p>
-          <a:p>
-            <a:pPr>
+            <a:endParaRPr dirty="0"/>
+          </a:p>
+          <a:p>
+            <a:pPr algn="l">
               <a:lnSpc>
                 <a:spcPct val="100000"/>
               </a:lnSpc>
             </a:pPr>
             <a:r>
-              <a:rPr lang="zxx">
+              <a:rPr lang="x-none" dirty="0">
                 <a:solidFill>
                   <a:srgbClr val="737373"/>
                 </a:solidFill>
@@ -8343,16 +9680,16 @@
               </a:rPr>
               <a:t>from length 40 as all sequences of </a:t>
             </a:r>
-            <a:endParaRPr/>
-          </a:p>
-          <a:p>
-            <a:pPr>
+            <a:endParaRPr dirty="0"/>
+          </a:p>
+          <a:p>
+            <a:pPr algn="l">
               <a:lnSpc>
                 <a:spcPct val="100000"/>
               </a:lnSpc>
             </a:pPr>
             <a:r>
-              <a:rPr lang="zxx">
+              <a:rPr lang="x-none" dirty="0">
                 <a:solidFill>
                   <a:srgbClr val="737373"/>
                 </a:solidFill>
@@ -8361,7 +9698,7 @@
               </a:rPr>
               <a:t>length less than 40 were filtered out </a:t>
             </a:r>
-            <a:endParaRPr/>
+            <a:endParaRPr dirty="0"/>
           </a:p>
           <a:p>
             <a:pPr>
@@ -8370,7 +9707,7 @@
               </a:lnSpc>
             </a:pPr>
             <a:r>
-              <a:rPr lang="zxx">
+              <a:rPr lang="x-none" dirty="0">
                 <a:solidFill>
                   <a:srgbClr val="737373"/>
                 </a:solidFill>
@@ -8379,7 +9716,7 @@
               </a:rPr>
               <a:t> </a:t>
             </a:r>
-            <a:endParaRPr/>
+            <a:endParaRPr dirty="0"/>
           </a:p>
           <a:p>
             <a:pPr>
@@ -8387,25 +9724,25 @@
                 <a:spcPct val="100000"/>
               </a:lnSpc>
             </a:pPr>
-            <a:endParaRPr/>
+            <a:endParaRPr dirty="0"/>
           </a:p>
         </p:txBody>
       </p:sp>
       <p:pic>
         <p:nvPicPr>
-          <p:cNvPr id="130" name="Shape 96" descr=""/>
+          <p:cNvPr id="130" name="Shape 96"/>
           <p:cNvPicPr/>
           <p:nvPr/>
         </p:nvPicPr>
         <p:blipFill>
-          <a:blip r:embed="rId1"/>
+          <a:blip r:embed="rId2"/>
           <a:stretch>
             <a:fillRect/>
           </a:stretch>
         </p:blipFill>
         <p:spPr>
           <a:xfrm>
-            <a:off x="4681080" y="1965600"/>
+            <a:off x="5052936" y="1983600"/>
             <a:ext cx="3712320" cy="2783880"/>
           </a:xfrm>
           <a:prstGeom prst="rect">
@@ -8418,22 +9755,25 @@
       </p:pic>
     </p:spTree>
   </p:cSld>
+  <p:clrMapOvr>
+    <a:masterClrMapping/>
+  </p:clrMapOvr>
   <p:timing>
     <p:tnLst>
       <p:par>
-        <p:cTn id="9" dur="indefinite" restart="never" nodeType="tmRoot">
+        <p:cTn id="1" dur="indefinite" restart="never" nodeType="tmRoot">
           <p:childTnLst>
             <p:seq>
-              <p:cTn id="10" nodeType="mainSeq"/>
+              <p:cTn id="2" nodeType="mainSeq"/>
               <p:prevCondLst>
-                <p:cond delay="0" evt="onPrev">
+                <p:cond evt="onPrev" delay="0">
                   <p:tgtEl>
                     <p:sldTgt/>
                   </p:tgtEl>
                 </p:cond>
               </p:prevCondLst>
               <p:nextCondLst>
-                <p:cond delay="0" evt="onNext">
+                <p:cond evt="onNext" delay="0">
                   <p:tgtEl>
                     <p:sldTgt/>
                   </p:tgtEl>
@@ -8449,7 +9789,7 @@
 </file>
 
 <file path=ppt/slides/slide6.xml><?xml version="1.0" encoding="utf-8"?>
-<p:sld xmlns:a="http://schemas.openxmlformats.org/drawingml/2006/main" xmlns:p="http://schemas.openxmlformats.org/presentationml/2006/main" xmlns:r="http://schemas.openxmlformats.org/officeDocument/2006/relationships">
+<p:sld xmlns:a="http://schemas.openxmlformats.org/drawingml/2006/main" xmlns:r="http://schemas.openxmlformats.org/officeDocument/2006/relationships" xmlns:p="http://schemas.openxmlformats.org/presentationml/2006/main">
   <p:cSld>
     <p:spTree>
       <p:nvGrpSpPr>
@@ -8485,7 +9825,8 @@
           </a:ln>
         </p:spPr>
         <p:txBody>
-          <a:bodyPr lIns="90000" rIns="90000" tIns="91440" bIns="91440" anchor="b"/>
+          <a:bodyPr lIns="90000" tIns="91440" rIns="90000" bIns="91440" anchor="b"/>
+          <a:lstStyle/>
           <a:p>
             <a:pPr>
               <a:lnSpc>
@@ -8493,9 +9834,9 @@
               </a:lnSpc>
             </a:pPr>
             <a:r>
-              <a:rPr lang="zxx" sz="3200">
+              <a:rPr lang="x-none" sz="3200">
                 <a:solidFill>
-                  <a:srgbClr val="ffffff"/>
+                  <a:srgbClr val="FFFFFF"/>
                 </a:solidFill>
                 <a:latin typeface="Roboto"/>
                 <a:ea typeface="Roboto"/>
@@ -8526,15 +9867,16 @@
           </a:ln>
         </p:spPr>
         <p:txBody>
-          <a:bodyPr lIns="90000" rIns="90000" tIns="91440" bIns="91440"/>
-          <a:p>
-            <a:pPr>
+          <a:bodyPr lIns="90000" tIns="91440" rIns="90000" bIns="91440"/>
+          <a:lstStyle/>
+          <a:p>
+            <a:pPr algn="l">
               <a:lnSpc>
                 <a:spcPct val="100000"/>
               </a:lnSpc>
             </a:pPr>
             <a:r>
-              <a:rPr lang="zxx" u="sng">
+              <a:rPr lang="x-none" u="sng" dirty="0">
                 <a:solidFill>
                   <a:srgbClr val="737373"/>
                 </a:solidFill>
@@ -8543,16 +9885,16 @@
               </a:rPr>
               <a:t>histogram of multiple appearances</a:t>
             </a:r>
-            <a:endParaRPr/>
-          </a:p>
-          <a:p>
-            <a:pPr>
+            <a:endParaRPr dirty="0"/>
+          </a:p>
+          <a:p>
+            <a:pPr algn="l">
               <a:lnSpc>
                 <a:spcPct val="100000"/>
               </a:lnSpc>
             </a:pPr>
             <a:r>
-              <a:rPr lang="zxx">
+              <a:rPr lang="x-none" dirty="0">
                 <a:solidFill>
                   <a:srgbClr val="737373"/>
                 </a:solidFill>
@@ -8561,16 +9903,16 @@
               </a:rPr>
               <a:t>We checked for multiple appearances</a:t>
             </a:r>
-            <a:endParaRPr/>
-          </a:p>
-          <a:p>
-            <a:pPr>
+            <a:endParaRPr dirty="0"/>
+          </a:p>
+          <a:p>
+            <a:pPr algn="l">
               <a:lnSpc>
                 <a:spcPct val="100000"/>
               </a:lnSpc>
             </a:pPr>
             <a:r>
-              <a:rPr lang="zxx">
+              <a:rPr lang="x-none" dirty="0">
                 <a:solidFill>
                   <a:srgbClr val="737373"/>
                 </a:solidFill>
@@ -8579,16 +9921,16 @@
               </a:rPr>
               <a:t>in each sequence and computed the median</a:t>
             </a:r>
-            <a:endParaRPr/>
-          </a:p>
-          <a:p>
-            <a:pPr>
+            <a:endParaRPr dirty="0"/>
+          </a:p>
+          <a:p>
+            <a:pPr algn="l">
               <a:lnSpc>
                 <a:spcPct val="100000"/>
               </a:lnSpc>
             </a:pPr>
             <a:r>
-              <a:rPr lang="zxx">
+              <a:rPr lang="x-none" dirty="0">
                 <a:solidFill>
                   <a:srgbClr val="737373"/>
                 </a:solidFill>
@@ -8597,25 +9939,25 @@
               </a:rPr>
               <a:t>of the occurrences.</a:t>
             </a:r>
-            <a:endParaRPr/>
+            <a:endParaRPr dirty="0"/>
           </a:p>
         </p:txBody>
       </p:sp>
       <p:pic>
         <p:nvPicPr>
-          <p:cNvPr id="133" name="Shape 103" descr=""/>
+          <p:cNvPr id="133" name="Shape 103"/>
           <p:cNvPicPr/>
           <p:nvPr/>
         </p:nvPicPr>
         <p:blipFill>
-          <a:blip r:embed="rId1"/>
+          <a:blip r:embed="rId2"/>
           <a:stretch>
             <a:fillRect/>
           </a:stretch>
         </p:blipFill>
         <p:spPr>
           <a:xfrm>
-            <a:off x="5047200" y="1953720"/>
+            <a:off x="5089872" y="1953720"/>
             <a:ext cx="3879720" cy="2909520"/>
           </a:xfrm>
           <a:prstGeom prst="rect">
@@ -8628,22 +9970,25 @@
       </p:pic>
     </p:spTree>
   </p:cSld>
+  <p:clrMapOvr>
+    <a:masterClrMapping/>
+  </p:clrMapOvr>
   <p:timing>
     <p:tnLst>
       <p:par>
-        <p:cTn id="11" dur="indefinite" restart="never" nodeType="tmRoot">
+        <p:cTn id="1" dur="indefinite" restart="never" nodeType="tmRoot">
           <p:childTnLst>
             <p:seq>
-              <p:cTn id="12" nodeType="mainSeq"/>
+              <p:cTn id="2" nodeType="mainSeq"/>
               <p:prevCondLst>
-                <p:cond delay="0" evt="onPrev">
+                <p:cond evt="onPrev" delay="0">
                   <p:tgtEl>
                     <p:sldTgt/>
                   </p:tgtEl>
                 </p:cond>
               </p:prevCondLst>
               <p:nextCondLst>
-                <p:cond delay="0" evt="onNext">
+                <p:cond evt="onNext" delay="0">
                   <p:tgtEl>
                     <p:sldTgt/>
                   </p:tgtEl>
@@ -8659,7 +10004,7 @@
 </file>
 
 <file path=ppt/slides/slide7.xml><?xml version="1.0" encoding="utf-8"?>
-<p:sld xmlns:a="http://schemas.openxmlformats.org/drawingml/2006/main" xmlns:p="http://schemas.openxmlformats.org/presentationml/2006/main" xmlns:r="http://schemas.openxmlformats.org/officeDocument/2006/relationships">
+<p:sld xmlns:a="http://schemas.openxmlformats.org/drawingml/2006/main" xmlns:r="http://schemas.openxmlformats.org/officeDocument/2006/relationships" xmlns:p="http://schemas.openxmlformats.org/presentationml/2006/main">
   <p:cSld>
     <p:spTree>
       <p:nvGrpSpPr>
@@ -8695,7 +10040,8 @@
           </a:ln>
         </p:spPr>
         <p:txBody>
-          <a:bodyPr lIns="90000" rIns="90000" tIns="91440" bIns="91440" anchor="b"/>
+          <a:bodyPr lIns="90000" tIns="91440" rIns="90000" bIns="91440" anchor="b"/>
+          <a:lstStyle/>
           <a:p>
             <a:pPr>
               <a:lnSpc>
@@ -8703,9 +10049,9 @@
               </a:lnSpc>
             </a:pPr>
             <a:r>
-              <a:rPr lang="zxx" sz="3200">
+              <a:rPr lang="x-none" sz="3200">
                 <a:solidFill>
-                  <a:srgbClr val="ffffff"/>
+                  <a:srgbClr val="FFFFFF"/>
                 </a:solidFill>
                 <a:latin typeface="Roboto"/>
                 <a:ea typeface="Roboto"/>
@@ -8713,9 +10059,9 @@
               <a:t>Simple Characteristics (</a:t>
             </a:r>
             <a:r>
-              <a:rPr lang="zxx" sz="2500">
+              <a:rPr lang="x-none" sz="2500">
                 <a:solidFill>
-                  <a:srgbClr val="ffffff"/>
+                  <a:srgbClr val="FFFFFF"/>
                 </a:solidFill>
                 <a:latin typeface="Roboto"/>
                 <a:ea typeface="Roboto"/>
@@ -8723,9 +10069,9 @@
               <a:t>getPercentageSquared.m</a:t>
             </a:r>
             <a:r>
-              <a:rPr lang="zxx" sz="3200">
+              <a:rPr lang="x-none" sz="3200">
                 <a:solidFill>
-                  <a:srgbClr val="ffffff"/>
+                  <a:srgbClr val="FFFFFF"/>
                 </a:solidFill>
                 <a:latin typeface="Roboto"/>
                 <a:ea typeface="Roboto"/>
@@ -8756,15 +10102,16 @@
           </a:ln>
         </p:spPr>
         <p:txBody>
-          <a:bodyPr lIns="90000" rIns="90000" tIns="91440" bIns="91440"/>
-          <a:p>
-            <a:pPr>
+          <a:bodyPr lIns="90000" tIns="91440" rIns="90000" bIns="91440"/>
+          <a:lstStyle/>
+          <a:p>
+            <a:pPr algn="l">
               <a:lnSpc>
                 <a:spcPct val="100000"/>
               </a:lnSpc>
             </a:pPr>
             <a:r>
-              <a:rPr lang="zxx" u="sng">
+              <a:rPr lang="x-none" u="sng" dirty="0">
                 <a:solidFill>
                   <a:srgbClr val="737373"/>
                 </a:solidFill>
@@ -8773,10 +10120,10 @@
               </a:rPr>
               <a:t>Squared percentage</a:t>
             </a:r>
-            <a:endParaRPr/>
-          </a:p>
-          <a:p>
-            <a:pPr>
+            <a:endParaRPr dirty="0"/>
+          </a:p>
+          <a:p>
+            <a:pPr algn="l">
               <a:lnSpc>
                 <a:spcPct val="100000"/>
               </a:lnSpc>
@@ -8784,7 +10131,7 @@
               <a:buChar char="●"/>
             </a:pPr>
             <a:r>
-              <a:rPr lang="zxx">
+              <a:rPr lang="x-none" dirty="0">
                 <a:solidFill>
                   <a:srgbClr val="737373"/>
                 </a:solidFill>
@@ -8793,10 +10140,10 @@
               </a:rPr>
               <a:t>declines exponentially</a:t>
             </a:r>
-            <a:endParaRPr/>
-          </a:p>
-          <a:p>
-            <a:pPr>
+            <a:endParaRPr dirty="0"/>
+          </a:p>
+          <a:p>
+            <a:pPr algn="l">
               <a:lnSpc>
                 <a:spcPct val="100000"/>
               </a:lnSpc>
@@ -8804,7 +10151,7 @@
               <a:buChar char="●"/>
             </a:pPr>
             <a:r>
-              <a:rPr lang="zxx">
+              <a:rPr lang="x-none" dirty="0">
                 <a:solidFill>
                   <a:srgbClr val="737373"/>
                 </a:solidFill>
@@ -8813,25 +10160,25 @@
               </a:rPr>
               <a:t>small peak at 100%</a:t>
             </a:r>
-            <a:endParaRPr/>
+            <a:endParaRPr dirty="0"/>
           </a:p>
         </p:txBody>
       </p:sp>
       <p:pic>
         <p:nvPicPr>
-          <p:cNvPr id="136" name="Shape 110" descr=""/>
+          <p:cNvPr id="136" name="Shape 110"/>
           <p:cNvPicPr/>
           <p:nvPr/>
         </p:nvPicPr>
         <p:blipFill>
-          <a:blip r:embed="rId1"/>
+          <a:blip r:embed="rId3"/>
           <a:stretch>
             <a:fillRect/>
           </a:stretch>
         </p:blipFill>
         <p:spPr>
           <a:xfrm>
-            <a:off x="4826160" y="1703520"/>
+            <a:off x="4515264" y="1788084"/>
             <a:ext cx="4547160" cy="3410280"/>
           </a:xfrm>
           <a:prstGeom prst="rect">
@@ -8844,22 +10191,25 @@
       </p:pic>
     </p:spTree>
   </p:cSld>
+  <p:clrMapOvr>
+    <a:masterClrMapping/>
+  </p:clrMapOvr>
   <p:timing>
     <p:tnLst>
       <p:par>
-        <p:cTn id="13" dur="indefinite" restart="never" nodeType="tmRoot">
+        <p:cTn id="1" dur="indefinite" restart="never" nodeType="tmRoot">
           <p:childTnLst>
             <p:seq>
-              <p:cTn id="14" nodeType="mainSeq"/>
+              <p:cTn id="2" nodeType="mainSeq"/>
               <p:prevCondLst>
-                <p:cond delay="0" evt="onPrev">
+                <p:cond evt="onPrev" delay="0">
                   <p:tgtEl>
                     <p:sldTgt/>
                   </p:tgtEl>
                 </p:cond>
               </p:prevCondLst>
               <p:nextCondLst>
-                <p:cond delay="0" evt="onNext">
+                <p:cond evt="onNext" delay="0">
                   <p:tgtEl>
                     <p:sldTgt/>
                   </p:tgtEl>
@@ -8875,7 +10225,7 @@
 </file>
 
 <file path=ppt/slides/slide8.xml><?xml version="1.0" encoding="utf-8"?>
-<p:sld xmlns:a="http://schemas.openxmlformats.org/drawingml/2006/main" xmlns:p="http://schemas.openxmlformats.org/presentationml/2006/main" xmlns:r="http://schemas.openxmlformats.org/officeDocument/2006/relationships">
+<p:sld xmlns:a="http://schemas.openxmlformats.org/drawingml/2006/main" xmlns:r="http://schemas.openxmlformats.org/officeDocument/2006/relationships" xmlns:p="http://schemas.openxmlformats.org/presentationml/2006/main">
   <p:cSld>
     <p:spTree>
       <p:nvGrpSpPr>
@@ -8911,7 +10261,8 @@
           </a:ln>
         </p:spPr>
         <p:txBody>
-          <a:bodyPr lIns="90000" rIns="90000" tIns="91440" bIns="91440" anchor="b"/>
+          <a:bodyPr lIns="90000" tIns="91440" rIns="90000" bIns="91440" anchor="b"/>
+          <a:lstStyle/>
           <a:p>
             <a:pPr>
               <a:lnSpc>
@@ -8919,9 +10270,9 @@
               </a:lnSpc>
             </a:pPr>
             <a:r>
-              <a:rPr lang="zxx" sz="3200">
+              <a:rPr lang="x-none" sz="3200">
                 <a:solidFill>
-                  <a:srgbClr val="ffffff"/>
+                  <a:srgbClr val="FFFFFF"/>
                 </a:solidFill>
                 <a:latin typeface="Roboto"/>
                 <a:ea typeface="Roboto"/>
@@ -8929,9 +10280,9 @@
               <a:t>Simple Characteristics (</a:t>
             </a:r>
             <a:r>
-              <a:rPr lang="zxx" sz="2500">
+              <a:rPr lang="x-none" sz="2500">
                 <a:solidFill>
-                  <a:srgbClr val="ffffff"/>
+                  <a:srgbClr val="FFFFFF"/>
                 </a:solidFill>
                 <a:latin typeface="Roboto"/>
                 <a:ea typeface="Roboto"/>
@@ -8939,9 +10290,9 @@
               <a:t>getPercentageCubed.m</a:t>
             </a:r>
             <a:r>
-              <a:rPr lang="zxx" sz="3200">
+              <a:rPr lang="x-none" sz="3200">
                 <a:solidFill>
-                  <a:srgbClr val="ffffff"/>
+                  <a:srgbClr val="FFFFFF"/>
                 </a:solidFill>
                 <a:latin typeface="Roboto"/>
                 <a:ea typeface="Roboto"/>
@@ -8972,15 +10323,16 @@
           </a:ln>
         </p:spPr>
         <p:txBody>
-          <a:bodyPr lIns="90000" rIns="90000" tIns="91440" bIns="91440"/>
-          <a:p>
-            <a:pPr>
+          <a:bodyPr lIns="90000" tIns="91440" rIns="90000" bIns="91440"/>
+          <a:lstStyle/>
+          <a:p>
+            <a:pPr algn="l">
               <a:lnSpc>
                 <a:spcPct val="100000"/>
               </a:lnSpc>
             </a:pPr>
             <a:r>
-              <a:rPr lang="zxx" u="sng">
+              <a:rPr lang="x-none" u="sng" dirty="0">
                 <a:solidFill>
                   <a:srgbClr val="737373"/>
                 </a:solidFill>
@@ -8989,10 +10341,10 @@
               </a:rPr>
               <a:t>Squared percentage</a:t>
             </a:r>
-            <a:endParaRPr/>
-          </a:p>
-          <a:p>
-            <a:pPr>
+            <a:endParaRPr dirty="0"/>
+          </a:p>
+          <a:p>
+            <a:pPr algn="l">
               <a:lnSpc>
                 <a:spcPct val="100000"/>
               </a:lnSpc>
@@ -9000,7 +10352,7 @@
               <a:buChar char="●"/>
             </a:pPr>
             <a:r>
-              <a:rPr lang="zxx">
+              <a:rPr lang="x-none" dirty="0">
                 <a:solidFill>
                   <a:srgbClr val="737373"/>
                 </a:solidFill>
@@ -9009,10 +10361,10 @@
               </a:rPr>
               <a:t>declines exponentially</a:t>
             </a:r>
-            <a:endParaRPr/>
-          </a:p>
-          <a:p>
-            <a:pPr>
+            <a:endParaRPr dirty="0"/>
+          </a:p>
+          <a:p>
+            <a:pPr algn="l">
               <a:lnSpc>
                 <a:spcPct val="100000"/>
               </a:lnSpc>
@@ -9020,7 +10372,7 @@
               <a:buChar char="●"/>
             </a:pPr>
             <a:r>
-              <a:rPr lang="zxx">
+              <a:rPr lang="x-none" dirty="0">
                 <a:solidFill>
                   <a:srgbClr val="737373"/>
                 </a:solidFill>
@@ -9029,7 +10381,7 @@
               </a:rPr>
               <a:t>smaller peak at 100%</a:t>
             </a:r>
-            <a:endParaRPr/>
+            <a:endParaRPr dirty="0"/>
           </a:p>
           <a:p>
             <a:pPr>
@@ -9037,25 +10389,25 @@
                 <a:spcPct val="100000"/>
               </a:lnSpc>
             </a:pPr>
-            <a:endParaRPr/>
+            <a:endParaRPr dirty="0"/>
           </a:p>
         </p:txBody>
       </p:sp>
       <p:pic>
         <p:nvPicPr>
-          <p:cNvPr id="139" name="Shape 117" descr=""/>
+          <p:cNvPr id="139" name="Shape 117"/>
           <p:cNvPicPr/>
           <p:nvPr/>
         </p:nvPicPr>
         <p:blipFill>
-          <a:blip r:embed="rId1"/>
+          <a:blip r:embed="rId3"/>
           <a:stretch>
             <a:fillRect/>
           </a:stretch>
         </p:blipFill>
         <p:spPr>
           <a:xfrm>
-            <a:off x="4467240" y="1776960"/>
+            <a:off x="4339224" y="1725660"/>
             <a:ext cx="4487760" cy="3365640"/>
           </a:xfrm>
           <a:prstGeom prst="rect">
@@ -9068,22 +10420,25 @@
       </p:pic>
     </p:spTree>
   </p:cSld>
+  <p:clrMapOvr>
+    <a:masterClrMapping/>
+  </p:clrMapOvr>
   <p:timing>
     <p:tnLst>
       <p:par>
-        <p:cTn id="15" dur="indefinite" restart="never" nodeType="tmRoot">
+        <p:cTn id="1" dur="indefinite" restart="never" nodeType="tmRoot">
           <p:childTnLst>
             <p:seq>
-              <p:cTn id="16" nodeType="mainSeq"/>
+              <p:cTn id="2" nodeType="mainSeq"/>
               <p:prevCondLst>
-                <p:cond delay="0" evt="onPrev">
+                <p:cond evt="onPrev" delay="0">
                   <p:tgtEl>
                     <p:sldTgt/>
                   </p:tgtEl>
                 </p:cond>
               </p:prevCondLst>
               <p:nextCondLst>
-                <p:cond delay="0" evt="onNext">
+                <p:cond evt="onNext" delay="0">
                   <p:tgtEl>
                     <p:sldTgt/>
                   </p:tgtEl>
@@ -9099,7 +10454,7 @@
 </file>
 
 <file path=ppt/slides/slide9.xml><?xml version="1.0" encoding="utf-8"?>
-<p:sld xmlns:a="http://schemas.openxmlformats.org/drawingml/2006/main" xmlns:p="http://schemas.openxmlformats.org/presentationml/2006/main" xmlns:r="http://schemas.openxmlformats.org/officeDocument/2006/relationships">
+<p:sld xmlns:a="http://schemas.openxmlformats.org/drawingml/2006/main" xmlns:r="http://schemas.openxmlformats.org/officeDocument/2006/relationships" xmlns:p="http://schemas.openxmlformats.org/presentationml/2006/main">
   <p:cSld>
     <p:spTree>
       <p:nvGrpSpPr>
@@ -9135,7 +10490,8 @@
           </a:ln>
         </p:spPr>
         <p:txBody>
-          <a:bodyPr lIns="90000" rIns="90000" tIns="91440" bIns="91440" anchor="b"/>
+          <a:bodyPr lIns="90000" tIns="91440" rIns="90000" bIns="91440" anchor="b"/>
+          <a:lstStyle/>
           <a:p>
             <a:pPr>
               <a:lnSpc>
@@ -9143,9 +10499,9 @@
               </a:lnSpc>
             </a:pPr>
             <a:r>
-              <a:rPr lang="zxx" sz="3200">
+              <a:rPr lang="x-none" sz="3200">
                 <a:solidFill>
-                  <a:srgbClr val="ffffff"/>
+                  <a:srgbClr val="FFFFFF"/>
                 </a:solidFill>
                 <a:latin typeface="Roboto"/>
                 <a:ea typeface="Roboto"/>
@@ -9153,9 +10509,9 @@
               <a:t>Simple Characteristics (</a:t>
             </a:r>
             <a:r>
-              <a:rPr lang="zxx" sz="2500">
+              <a:rPr lang="x-none" sz="2500">
                 <a:solidFill>
-                  <a:srgbClr val="ffffff"/>
+                  <a:srgbClr val="FFFFFF"/>
                 </a:solidFill>
                 <a:latin typeface="Roboto"/>
                 <a:ea typeface="Roboto"/>
@@ -9163,9 +10519,9 @@
               <a:t>monoSeq.m</a:t>
             </a:r>
             <a:r>
-              <a:rPr lang="zxx" sz="3200">
+              <a:rPr lang="x-none" sz="3200">
                 <a:solidFill>
-                  <a:srgbClr val="ffffff"/>
+                  <a:srgbClr val="FFFFFF"/>
                 </a:solidFill>
                 <a:latin typeface="Roboto"/>
                 <a:ea typeface="Roboto"/>
@@ -9196,15 +10552,16 @@
           </a:ln>
         </p:spPr>
         <p:txBody>
-          <a:bodyPr lIns="90000" rIns="90000" tIns="91440" bIns="91440"/>
-          <a:p>
-            <a:pPr>
+          <a:bodyPr lIns="90000" tIns="91440" rIns="90000" bIns="91440"/>
+          <a:lstStyle/>
+          <a:p>
+            <a:pPr algn="l">
               <a:lnSpc>
                 <a:spcPct val="100000"/>
               </a:lnSpc>
             </a:pPr>
             <a:r>
-              <a:rPr lang="zxx" u="sng">
+              <a:rPr lang="x-none" u="sng" dirty="0">
                 <a:solidFill>
                   <a:srgbClr val="737373"/>
                 </a:solidFill>
@@ -9213,51 +10570,43 @@
               </a:rPr>
               <a:t>Monotonic sequences</a:t>
             </a:r>
-            <a:endParaRPr/>
-          </a:p>
-          <a:p>
-            <a:pPr>
+            <a:endParaRPr dirty="0"/>
+          </a:p>
+          <a:p>
+            <a:pPr algn="l">
               <a:lnSpc>
                 <a:spcPct val="100000"/>
               </a:lnSpc>
             </a:pPr>
-            <a:endParaRPr/>
-          </a:p>
-          <a:p>
-            <a:pPr>
+            <a:endParaRPr dirty="0"/>
+          </a:p>
+          <a:p>
+            <a:pPr algn="l">
               <a:lnSpc>
                 <a:spcPct val="100000"/>
               </a:lnSpc>
             </a:pPr>
-            <a:endParaRPr/>
-          </a:p>
-          <a:p>
-            <a:pPr>
-              <a:lnSpc>
-                <a:spcPct val="100000"/>
-              </a:lnSpc>
-            </a:pPr>
-            <a:endParaRPr/>
-          </a:p>
-          <a:p>
-            <a:pPr>
-              <a:lnSpc>
-                <a:spcPct val="100000"/>
-              </a:lnSpc>
-              <a:buFont typeface="Roboto"/>
-              <a:buChar char="-"/>
-            </a:pPr>
-            <a:r>
-              <a:rPr lang="zxx">
+            <a:r>
+              <a:rPr lang="x-none" dirty="0" smtClean="0">
                 <a:solidFill>
                   <a:srgbClr val="737373"/>
                 </a:solidFill>
                 <a:latin typeface="Roboto"/>
                 <a:ea typeface="Roboto"/>
               </a:rPr>
-              <a:t>We split the sequences according to monotonic characteristics. Can be found in our folder.</a:t>
-            </a:r>
-            <a:endParaRPr/>
+              <a:t>We </a:t>
+            </a:r>
+            <a:r>
+              <a:rPr lang="x-none" dirty="0">
+                <a:solidFill>
+                  <a:srgbClr val="737373"/>
+                </a:solidFill>
+                <a:latin typeface="Roboto"/>
+                <a:ea typeface="Roboto"/>
+              </a:rPr>
+              <a:t>split the sequences according to monotonic characteristics. Can be found in our folder.</a:t>
+            </a:r>
+            <a:endParaRPr dirty="0"/>
           </a:p>
         </p:txBody>
       </p:sp>
@@ -9265,25 +10614,32 @@
         <p:nvGraphicFramePr>
           <p:cNvPr id="142" name="Table 3"/>
           <p:cNvGraphicFramePr/>
-          <p:nvPr/>
+          <p:nvPr>
+            <p:extLst>
+              <p:ext uri="{D42A27DB-BD31-4B8C-83A1-F6EECF244321}">
+                <p14:modId xmlns:p14="http://schemas.microsoft.com/office/powerpoint/2010/main" val="2381666089"/>
+              </p:ext>
+            </p:extLst>
+          </p:nvPr>
         </p:nvGraphicFramePr>
         <p:xfrm>
-          <a:off x="963360" y="3027960"/>
-          <a:ext cx="2999160" cy="2999160"/>
+          <a:off x="2481072" y="3408480"/>
+          <a:ext cx="4340353" cy="1290888"/>
         </p:xfrm>
         <a:graphic>
           <a:graphicData uri="http://schemas.openxmlformats.org/drawingml/2006/table">
             <a:tbl>
               <a:tblPr/>
               <a:tblGrid>
-                <a:gridCol w="1000080"/>
-                <a:gridCol w="1000080"/>
-                <a:gridCol w="999360"/>
+                <a:gridCol w="1304544"/>
+                <a:gridCol w="1968200"/>
+                <a:gridCol w="1067609"/>
               </a:tblGrid>
-              <a:tr h="2014200">
+              <a:tr h="605056">
                 <a:tc>
                   <a:txBody>
                     <a:bodyPr/>
+                    <a:lstStyle/>
                     <a:p>
                       <a:pPr>
                         <a:lnSpc>
@@ -9291,7 +10647,7 @@
                         </a:lnSpc>
                       </a:pPr>
                       <a:r>
-                        <a:rPr lang="zxx" sz="1400">
+                        <a:rPr lang="x-none" sz="1400" dirty="0">
                           <a:solidFill>
                             <a:srgbClr val="000000"/>
                           </a:solidFill>
@@ -9300,7 +10656,7 @@
                         </a:rPr>
                         <a:t>Non decreasing</a:t>
                       </a:r>
-                      <a:endParaRPr/>
+                      <a:endParaRPr dirty="0"/>
                     </a:p>
                   </a:txBody>
                   <a:tcPr/>
@@ -9308,6 +10664,7 @@
                 <a:tc>
                   <a:txBody>
                     <a:bodyPr/>
+                    <a:lstStyle/>
                     <a:p>
                       <a:pPr>
                         <a:lnSpc>
@@ -9315,7 +10672,7 @@
                         </a:lnSpc>
                       </a:pPr>
                       <a:r>
-                        <a:rPr lang="zxx" sz="1400">
+                        <a:rPr lang="x-none" sz="1400" dirty="0">
                           <a:solidFill>
                             <a:srgbClr val="000000"/>
                           </a:solidFill>
@@ -9324,7 +10681,7 @@
                         </a:rPr>
                         <a:t>Non increasing</a:t>
                       </a:r>
-                      <a:endParaRPr/>
+                      <a:endParaRPr dirty="0"/>
                     </a:p>
                   </a:txBody>
                   <a:tcPr/>
@@ -9332,6 +10689,7 @@
                 <a:tc>
                   <a:txBody>
                     <a:bodyPr/>
+                    <a:lstStyle/>
                     <a:p>
                       <a:pPr>
                         <a:lnSpc>
@@ -9339,7 +10697,7 @@
                         </a:lnSpc>
                       </a:pPr>
                       <a:r>
-                        <a:rPr lang="zxx" sz="1400">
+                        <a:rPr lang="x-none" sz="1400" dirty="0">
                           <a:solidFill>
                             <a:srgbClr val="000000"/>
                           </a:solidFill>
@@ -9348,16 +10706,17 @@
                         </a:rPr>
                         <a:t>Non monotonic</a:t>
                       </a:r>
-                      <a:endParaRPr/>
+                      <a:endParaRPr dirty="0"/>
                     </a:p>
                   </a:txBody>
                   <a:tcPr/>
                 </a:tc>
               </a:tr>
-              <a:tr h="985320">
+              <a:tr h="685832">
                 <a:tc>
                   <a:txBody>
                     <a:bodyPr/>
+                    <a:lstStyle/>
                     <a:p>
                       <a:pPr>
                         <a:lnSpc>
@@ -9365,7 +10724,7 @@
                         </a:lnSpc>
                       </a:pPr>
                       <a:r>
-                        <a:rPr lang="zxx" sz="1400">
+                        <a:rPr lang="x-none" sz="1400">
                           <a:solidFill>
                             <a:srgbClr val="000000"/>
                           </a:solidFill>
@@ -9382,6 +10741,7 @@
                 <a:tc>
                   <a:txBody>
                     <a:bodyPr/>
+                    <a:lstStyle/>
                     <a:p>
                       <a:pPr>
                         <a:lnSpc>
@@ -9389,7 +10749,7 @@
                         </a:lnSpc>
                       </a:pPr>
                       <a:r>
-                        <a:rPr lang="zxx" sz="1400">
+                        <a:rPr lang="x-none" sz="1400">
                           <a:solidFill>
                             <a:srgbClr val="000000"/>
                           </a:solidFill>
@@ -9406,6 +10766,7 @@
                 <a:tc>
                   <a:txBody>
                     <a:bodyPr/>
+                    <a:lstStyle/>
                     <a:p>
                       <a:pPr>
                         <a:lnSpc>
@@ -9413,7 +10774,7 @@
                         </a:lnSpc>
                       </a:pPr>
                       <a:r>
-                        <a:rPr lang="zxx" sz="1400">
+                        <a:rPr lang="x-none" sz="1400" dirty="0">
                           <a:solidFill>
                             <a:srgbClr val="000000"/>
                           </a:solidFill>
@@ -9422,7 +10783,7 @@
                         </a:rPr>
                         <a:t>47.88%</a:t>
                       </a:r>
-                      <a:endParaRPr/>
+                      <a:endParaRPr dirty="0"/>
                     </a:p>
                   </a:txBody>
                   <a:tcPr/>
@@ -9434,22 +10795,25 @@
       </p:graphicFrame>
     </p:spTree>
   </p:cSld>
+  <p:clrMapOvr>
+    <a:masterClrMapping/>
+  </p:clrMapOvr>
   <p:timing>
     <p:tnLst>
       <p:par>
-        <p:cTn id="17" dur="indefinite" restart="never" nodeType="tmRoot">
+        <p:cTn id="1" dur="indefinite" restart="never" nodeType="tmRoot">
           <p:childTnLst>
             <p:seq>
-              <p:cTn id="18" nodeType="mainSeq"/>
+              <p:cTn id="2" nodeType="mainSeq"/>
               <p:prevCondLst>
-                <p:cond delay="0" evt="onPrev">
+                <p:cond evt="onPrev" delay="0">
                   <p:tgtEl>
                     <p:sldTgt/>
                   </p:tgtEl>
                 </p:cond>
               </p:prevCondLst>
               <p:nextCondLst>
-                <p:cond delay="0" evt="onNext">
+                <p:cond evt="onNext" delay="0">
                   <p:tgtEl>
                     <p:sldTgt/>
                   </p:tgtEl>
@@ -9684,6 +11048,8 @@
       </a:bgFillStyleLst>
     </a:fmtScheme>
   </a:themeElements>
+  <a:objectDefaults/>
+  <a:extraClrSchemeLst/>
 </a:theme>
 </file>
 
@@ -9907,6 +11273,8 @@
       </a:bgFillStyleLst>
     </a:fmtScheme>
   </a:themeElements>
+  <a:objectDefaults/>
+  <a:extraClrSchemeLst/>
 </a:theme>
 </file>
 
@@ -10130,6 +11498,8 @@
       </a:bgFillStyleLst>
     </a:fmtScheme>
   </a:themeElements>
+  <a:objectDefaults/>
+  <a:extraClrSchemeLst/>
 </a:theme>
 </file>
 
@@ -10353,5 +11723,7 @@
       </a:bgFillStyleLst>
     </a:fmtScheme>
   </a:themeElements>
+  <a:objectDefaults/>
+  <a:extraClrSchemeLst/>
 </a:theme>
 </file>
--- a/Filtering and summary statistics/filtering+stats.pptx
+++ b/Filtering and summary statistics/filtering+stats.pptx
@@ -7,7 +7,7 @@
     <p:sldMasterId id="2147483674" r:id="rId3"/>
   </p:sldMasterIdLst>
   <p:notesMasterIdLst>
-    <p:notesMasterId r:id="rId24"/>
+    <p:notesMasterId r:id="rId23"/>
   </p:notesMasterIdLst>
   <p:sldIdLst>
     <p:sldId id="256" r:id="rId4"/>
@@ -24,12 +24,11 @@
     <p:sldId id="267" r:id="rId15"/>
     <p:sldId id="268" r:id="rId16"/>
     <p:sldId id="269" r:id="rId17"/>
-    <p:sldId id="270" r:id="rId18"/>
-    <p:sldId id="271" r:id="rId19"/>
-    <p:sldId id="272" r:id="rId20"/>
-    <p:sldId id="273" r:id="rId21"/>
-    <p:sldId id="274" r:id="rId22"/>
-    <p:sldId id="275" r:id="rId23"/>
+    <p:sldId id="271" r:id="rId18"/>
+    <p:sldId id="272" r:id="rId19"/>
+    <p:sldId id="273" r:id="rId20"/>
+    <p:sldId id="274" r:id="rId21"/>
+    <p:sldId id="275" r:id="rId22"/>
   </p:sldIdLst>
   <p:sldSz cx="9144000" cy="5143500" type="screen16x9"/>
   <p:notesSz cx="6858000" cy="9144000"/>
@@ -128,6 +127,11 @@
       </a:defRPr>
     </a:lvl9pPr>
   </p:defaultTextStyle>
+  <p:extLst>
+    <p:ext uri="{EFAFB233-063F-42B5-8137-9DF3F51BA10A}">
+      <p15:sldGuideLst xmlns:p15="http://schemas.microsoft.com/office/powerpoint/2012/main"/>
+    </p:ext>
+  </p:extLst>
 </p:presentation>
 </file>
 
@@ -7445,7 +7449,7 @@
           <p:nvPr>
             <p:extLst>
               <p:ext uri="{D42A27DB-BD31-4B8C-83A1-F6EECF244321}">
-                <p14:modId xmlns:p14="http://schemas.microsoft.com/office/powerpoint/2010/main" val="2577083199"/>
+                <p14:modId xmlns:p14="http://schemas.microsoft.com/office/powerpoint/2010/main" val="392299022"/>
               </p:ext>
             </p:extLst>
           </p:nvPr>
@@ -7475,7 +7479,7 @@
                         </a:lnSpc>
                       </a:pPr>
                       <a:r>
-                        <a:rPr lang="x-none" sz="1400">
+                        <a:rPr lang="x-none" sz="1400" dirty="0">
                           <a:solidFill>
                             <a:srgbClr val="000000"/>
                           </a:solidFill>
@@ -7484,7 +7488,7 @@
                         </a:rPr>
                         <a:t>convergence</a:t>
                       </a:r>
-                      <a:endParaRPr/>
+                      <a:endParaRPr dirty="0"/>
                     </a:p>
                   </a:txBody>
                   <a:tcPr/>
@@ -7552,16 +7556,16 @@
                         </a:lnSpc>
                       </a:pPr>
                       <a:r>
-                        <a:rPr lang="x-none" sz="1400">
+                        <a:rPr lang="en-US" sz="1400" dirty="0" smtClean="0">
                           <a:solidFill>
                             <a:srgbClr val="000000"/>
                           </a:solidFill>
                           <a:latin typeface="Arial"/>
                           <a:ea typeface="Arial"/>
                         </a:rPr>
-                        <a:t>16</a:t>
+                        <a:t>132</a:t>
                       </a:r>
-                      <a:endParaRPr/>
+                      <a:endParaRPr dirty="0"/>
                     </a:p>
                   </a:txBody>
                   <a:tcPr/>
@@ -7577,16 +7581,16 @@
                         </a:lnSpc>
                       </a:pPr>
                       <a:r>
-                        <a:rPr lang="x-none" sz="1400">
+                        <a:rPr lang="x-none" sz="1400" dirty="0" smtClean="0">
                           <a:solidFill>
                             <a:srgbClr val="000000"/>
                           </a:solidFill>
-                          <a:latin typeface="Arial"/>
+                          <a:latin typeface="+mn-lt"/>
                           <a:ea typeface="Arial"/>
                         </a:rPr>
-                        <a:t>2191</a:t>
+                        <a:t>2937</a:t>
                       </a:r>
-                      <a:endParaRPr/>
+                      <a:endParaRPr dirty="0"/>
                     </a:p>
                   </a:txBody>
                   <a:tcPr/>
@@ -7602,14 +7606,24 @@
                         </a:lnSpc>
                       </a:pPr>
                       <a:r>
-                        <a:rPr lang="x-none" sz="1400" dirty="0">
+                        <a:rPr lang="x-none" sz="1400" dirty="0" smtClean="0">
                           <a:solidFill>
                             <a:srgbClr val="000000"/>
                           </a:solidFill>
                           <a:latin typeface="Arial"/>
                           <a:ea typeface="Arial"/>
                         </a:rPr>
-                        <a:t>94574</a:t>
+                        <a:t>9</a:t>
+                      </a:r>
+                      <a:r>
+                        <a:rPr lang="en-US" sz="1400" dirty="0" smtClean="0">
+                          <a:solidFill>
+                            <a:srgbClr val="000000"/>
+                          </a:solidFill>
+                          <a:latin typeface="Arial"/>
+                          <a:ea typeface="Arial"/>
+                        </a:rPr>
+                        <a:t>3712</a:t>
                       </a:r>
                       <a:endParaRPr dirty="0"/>
                     </a:p>
@@ -7623,27 +7637,32 @@
       </p:graphicFrame>
       <p:pic>
         <p:nvPicPr>
-          <p:cNvPr id="161" name="Shape 158"/>
-          <p:cNvPicPr/>
+          <p:cNvPr id="4" name="Picture 3"/>
+          <p:cNvPicPr>
+            <a:picLocks noChangeAspect="1"/>
+          </p:cNvPicPr>
           <p:nvPr/>
         </p:nvPicPr>
         <p:blipFill>
-          <a:blip r:embed="rId3"/>
+          <a:blip r:embed="rId3" cstate="print">
+            <a:extLst>
+              <a:ext uri="{28A0092B-C50C-407E-A947-70E740481C1C}">
+                <a14:useLocalDpi xmlns:a14="http://schemas.microsoft.com/office/drawing/2010/main" val="0"/>
+              </a:ext>
+            </a:extLst>
+          </a:blip>
           <a:stretch>
             <a:fillRect/>
           </a:stretch>
         </p:blipFill>
         <p:spPr>
           <a:xfrm>
-            <a:off x="5244840" y="1678320"/>
-            <a:ext cx="4047120" cy="3035160"/>
-          </a:xfrm>
-          <a:prstGeom prst="rect">
-            <a:avLst/>
-          </a:prstGeom>
-          <a:ln>
-            <a:noFill/>
-          </a:ln>
+            <a:off x="5203534" y="1876392"/>
+            <a:ext cx="3756866" cy="2817649"/>
+          </a:xfrm>
+          <a:prstGeom prst="rect">
+            <a:avLst/>
+          </a:prstGeom>
         </p:spPr>
       </p:pic>
     </p:spTree>
@@ -7882,7 +7901,7 @@
       </p:grpSpPr>
       <p:sp>
         <p:nvSpPr>
-          <p:cNvPr id="164" name="CustomShape 1"/>
+          <p:cNvPr id="167" name="CustomShape 1"/>
           <p:cNvSpPr/>
           <p:nvPr/>
         </p:nvSpPr>
@@ -7916,35 +7935,15 @@
                 <a:latin typeface="Roboto"/>
                 <a:ea typeface="Roboto"/>
               </a:rPr>
-              <a:t>Complex Characteristics </a:t>
-            </a:r>
-            <a:r>
-              <a:rPr lang="x-none" sz="3100">
-                <a:solidFill>
-                  <a:srgbClr val="FFFFFF"/>
-                </a:solidFill>
-                <a:latin typeface="Roboto"/>
-                <a:ea typeface="Roboto"/>
-              </a:rPr>
-              <a:t>(</a:t>
-            </a:r>
-            <a:r>
-              <a:rPr lang="x-none" sz="2700">
-                <a:solidFill>
-                  <a:srgbClr val="FFFFFF"/>
-                </a:solidFill>
-                <a:latin typeface="Roboto"/>
-                <a:ea typeface="Roboto"/>
-              </a:rPr>
-              <a:t>getMedianModulo.m)</a:t>
-            </a:r>
-            <a:endParaRPr/>
-          </a:p>
-        </p:txBody>
-      </p:sp>
-      <p:sp>
-        <p:nvSpPr>
-          <p:cNvPr id="165" name="CustomShape 2"/>
+              <a:t>Feature space (primeFacFeatSpace.m)</a:t>
+            </a:r>
+            <a:endParaRPr/>
+          </a:p>
+        </p:txBody>
+      </p:sp>
+      <p:sp>
+        <p:nvSpPr>
+          <p:cNvPr id="168" name="CustomShape 2"/>
           <p:cNvSpPr/>
           <p:nvPr/>
         </p:nvSpPr>
@@ -7965,30 +7964,10 @@
           <a:bodyPr lIns="90000" tIns="91440" rIns="90000" bIns="91440"/>
           <a:lstStyle/>
           <a:p>
-            <a:pPr algn="l">
+            <a:pPr algn="l" rtl="0">
               <a:lnSpc>
                 <a:spcPct val="100000"/>
               </a:lnSpc>
-            </a:pPr>
-            <a:r>
-              <a:rPr lang="x-none" u="sng" dirty="0">
-                <a:solidFill>
-                  <a:srgbClr val="737373"/>
-                </a:solidFill>
-                <a:latin typeface="Roboto"/>
-                <a:ea typeface="Roboto"/>
-              </a:rPr>
-              <a:t>medianModulo</a:t>
-            </a:r>
-            <a:endParaRPr dirty="0"/>
-          </a:p>
-          <a:p>
-            <a:pPr algn="l">
-              <a:lnSpc>
-                <a:spcPct val="100000"/>
-              </a:lnSpc>
-              <a:buFont typeface="Roboto"/>
-              <a:buChar char="●"/>
             </a:pPr>
             <a:r>
               <a:rPr lang="x-none" dirty="0">
@@ -7998,12 +7977,12 @@
                 <a:latin typeface="Roboto"/>
                 <a:ea typeface="Roboto"/>
               </a:rPr>
-              <a:t>We did modulo of the first 10 median</a:t>
+              <a:t>We looked for a new feature space:</a:t>
             </a:r>
             <a:endParaRPr dirty="0"/>
           </a:p>
           <a:p>
-            <a:pPr algn="l">
+            <a:pPr algn="l" rtl="0">
               <a:lnSpc>
                 <a:spcPct val="100000"/>
               </a:lnSpc>
@@ -8016,15 +7995,17 @@
                 <a:latin typeface="Roboto"/>
                 <a:ea typeface="Roboto"/>
               </a:rPr>
-              <a:t>numbers and calculated the median</a:t>
+              <a:t>For each seq=(x1,x2,x3,......x40) (we took only seq with length(seq)=40)</a:t>
             </a:r>
             <a:endParaRPr dirty="0"/>
           </a:p>
           <a:p>
-            <a:pPr algn="l">
+            <a:pPr algn="l" rtl="0">
               <a:lnSpc>
                 <a:spcPct val="100000"/>
               </a:lnSpc>
+              <a:buFont typeface="Roboto"/>
+              <a:buAutoNum type="arabicPeriod"/>
             </a:pPr>
             <a:r>
               <a:rPr lang="x-none" dirty="0">
@@ -8034,15 +8015,17 @@
                 <a:latin typeface="Roboto"/>
                 <a:ea typeface="Roboto"/>
               </a:rPr>
-              <a:t>It seems like the numbers are not in a </a:t>
+              <a:t>factor(xi)=p1*p2*....*pj ∀i∈[1,40]</a:t>
             </a:r>
             <a:endParaRPr dirty="0"/>
           </a:p>
           <a:p>
-            <a:pPr>
+            <a:pPr algn="l" rtl="0">
               <a:lnSpc>
                 <a:spcPct val="100000"/>
               </a:lnSpc>
+              <a:buFont typeface="Roboto"/>
+              <a:buAutoNum type="arabicPeriod"/>
             </a:pPr>
             <a:r>
               <a:rPr lang="x-none" dirty="0">
@@ -8052,7 +8035,27 @@
                 <a:latin typeface="Roboto"/>
                 <a:ea typeface="Roboto"/>
               </a:rPr>
-              <a:t>uniform or normal distribution</a:t>
+              <a:t>Compute the med_prime_xi=median(p1,p2,...pj) ∀i∈[1,40]</a:t>
+            </a:r>
+            <a:endParaRPr dirty="0"/>
+          </a:p>
+          <a:p>
+            <a:pPr algn="l" rtl="0">
+              <a:lnSpc>
+                <a:spcPct val="100000"/>
+              </a:lnSpc>
+              <a:buFont typeface="Roboto"/>
+              <a:buAutoNum type="arabicPeriod"/>
+            </a:pPr>
+            <a:r>
+              <a:rPr lang="x-none" dirty="0">
+                <a:solidFill>
+                  <a:srgbClr val="737373"/>
+                </a:solidFill>
+                <a:latin typeface="Roboto"/>
+                <a:ea typeface="Roboto"/>
+              </a:rPr>
+              <a:t> Xi &lt;- med_prime_xi</a:t>
             </a:r>
             <a:endParaRPr dirty="0"/>
           </a:p>
@@ -8060,7 +8063,7 @@
       </p:sp>
       <p:pic>
         <p:nvPicPr>
-          <p:cNvPr id="166" name="Shape 171"/>
+          <p:cNvPr id="169" name="Shape 178"/>
           <p:cNvPicPr/>
           <p:nvPr/>
         </p:nvPicPr>
@@ -8072,8 +8075,8 @@
         </p:blipFill>
         <p:spPr>
           <a:xfrm>
-            <a:off x="5080320" y="1919160"/>
-            <a:ext cx="3612960" cy="2709360"/>
+            <a:off x="6834984" y="3218328"/>
+            <a:ext cx="2160000" cy="1620000"/>
           </a:xfrm>
           <a:prstGeom prst="rect">
             <a:avLst/>
@@ -8110,7 +8113,7 @@
       </p:grpSpPr>
       <p:sp>
         <p:nvSpPr>
-          <p:cNvPr id="167" name="CustomShape 1"/>
+          <p:cNvPr id="170" name="CustomShape 1"/>
           <p:cNvSpPr/>
           <p:nvPr/>
         </p:nvSpPr>
@@ -8144,21 +8147,21 @@
                 <a:latin typeface="Roboto"/>
                 <a:ea typeface="Roboto"/>
               </a:rPr>
-              <a:t>Feature space (primeFacFeatSpace.m)</a:t>
-            </a:r>
-            <a:endParaRPr/>
-          </a:p>
-        </p:txBody>
-      </p:sp>
-      <p:sp>
-        <p:nvSpPr>
-          <p:cNvPr id="168" name="CustomShape 2"/>
+              <a:t>PCA plot (PCA.m)</a:t>
+            </a:r>
+            <a:endParaRPr/>
+          </a:p>
+        </p:txBody>
+      </p:sp>
+      <p:sp>
+        <p:nvSpPr>
+          <p:cNvPr id="171" name="CustomShape 2"/>
           <p:cNvSpPr/>
           <p:nvPr/>
         </p:nvSpPr>
         <p:spPr>
           <a:xfrm>
-            <a:off x="471960" y="1919160"/>
+            <a:off x="471960" y="1766520"/>
             <a:ext cx="8221320" cy="2709360"/>
           </a:xfrm>
           <a:prstGeom prst="rect">
@@ -8173,7 +8176,7 @@
           <a:bodyPr lIns="90000" tIns="91440" rIns="90000" bIns="91440"/>
           <a:lstStyle/>
           <a:p>
-            <a:pPr algn="l" rtl="0">
+            <a:pPr algn="l">
               <a:lnSpc>
                 <a:spcPct val="100000"/>
               </a:lnSpc>
@@ -8186,12 +8189,12 @@
                 <a:latin typeface="Roboto"/>
                 <a:ea typeface="Roboto"/>
               </a:rPr>
-              <a:t>We looked for a new feature space:</a:t>
+              <a:t>-Using the feature space we have created, we reduce the dimension space to p=2 using PCA (variance explained = 35%). </a:t>
             </a:r>
             <a:endParaRPr dirty="0"/>
           </a:p>
           <a:p>
-            <a:pPr algn="l" rtl="0">
+            <a:pPr>
               <a:lnSpc>
                 <a:spcPct val="100000"/>
               </a:lnSpc>
@@ -8204,75 +8207,23 @@
                 <a:latin typeface="Roboto"/>
                 <a:ea typeface="Roboto"/>
               </a:rPr>
-              <a:t>For each seq=(x1,x2,x3,......x40) (we took only seq with length(seq)=40)</a:t>
+              <a:t>- Positive linear correlation</a:t>
             </a:r>
             <a:endParaRPr dirty="0"/>
           </a:p>
           <a:p>
-            <a:pPr algn="l" rtl="0">
+            <a:pPr>
               <a:lnSpc>
                 <a:spcPct val="100000"/>
               </a:lnSpc>
-              <a:buFont typeface="Roboto"/>
-              <a:buAutoNum type="arabicPeriod"/>
-            </a:pPr>
-            <a:r>
-              <a:rPr lang="x-none" dirty="0">
-                <a:solidFill>
-                  <a:srgbClr val="737373"/>
-                </a:solidFill>
-                <a:latin typeface="Roboto"/>
-                <a:ea typeface="Roboto"/>
-              </a:rPr>
-              <a:t>factor(xi)=p1*p2*....*pj ∀i∈[1,40]</a:t>
-            </a:r>
-            <a:endParaRPr dirty="0"/>
-          </a:p>
-          <a:p>
-            <a:pPr algn="l" rtl="0">
-              <a:lnSpc>
-                <a:spcPct val="100000"/>
-              </a:lnSpc>
-              <a:buFont typeface="Roboto"/>
-              <a:buAutoNum type="arabicPeriod"/>
-            </a:pPr>
-            <a:r>
-              <a:rPr lang="x-none" dirty="0">
-                <a:solidFill>
-                  <a:srgbClr val="737373"/>
-                </a:solidFill>
-                <a:latin typeface="Roboto"/>
-                <a:ea typeface="Roboto"/>
-              </a:rPr>
-              <a:t>Compute the med_prime_xi=median(p1,p2,...pj) ∀i∈[1,40]</a:t>
-            </a:r>
-            <a:endParaRPr dirty="0"/>
-          </a:p>
-          <a:p>
-            <a:pPr algn="l" rtl="0">
-              <a:lnSpc>
-                <a:spcPct val="100000"/>
-              </a:lnSpc>
-              <a:buFont typeface="Roboto"/>
-              <a:buAutoNum type="arabicPeriod"/>
-            </a:pPr>
-            <a:r>
-              <a:rPr lang="x-none" dirty="0">
-                <a:solidFill>
-                  <a:srgbClr val="737373"/>
-                </a:solidFill>
-                <a:latin typeface="Roboto"/>
-                <a:ea typeface="Roboto"/>
-              </a:rPr>
-              <a:t> Xi &lt;- med_prime_xi</a:t>
-            </a:r>
+            </a:pPr>
             <a:endParaRPr dirty="0"/>
           </a:p>
         </p:txBody>
       </p:sp>
       <p:pic>
         <p:nvPicPr>
-          <p:cNvPr id="169" name="Shape 178"/>
+          <p:cNvPr id="172" name="Shape 185"/>
           <p:cNvPicPr/>
           <p:nvPr/>
         </p:nvPicPr>
@@ -8284,8 +8235,8 @@
         </p:blipFill>
         <p:spPr>
           <a:xfrm>
-            <a:off x="6834984" y="3218328"/>
-            <a:ext cx="2160000" cy="1620000"/>
+            <a:off x="4936800" y="2260980"/>
+            <a:ext cx="4009680" cy="2882520"/>
           </a:xfrm>
           <a:prstGeom prst="rect">
             <a:avLst/>
@@ -8322,7 +8273,7 @@
       </p:grpSpPr>
       <p:sp>
         <p:nvSpPr>
-          <p:cNvPr id="170" name="CustomShape 1"/>
+          <p:cNvPr id="173" name="CustomShape 1"/>
           <p:cNvSpPr/>
           <p:nvPr/>
         </p:nvSpPr>
@@ -8356,21 +8307,21 @@
                 <a:latin typeface="Roboto"/>
                 <a:ea typeface="Roboto"/>
               </a:rPr>
-              <a:t>PCA plot (PCA.m)</a:t>
-            </a:r>
-            <a:endParaRPr/>
-          </a:p>
-        </p:txBody>
-      </p:sp>
-      <p:sp>
-        <p:nvSpPr>
-          <p:cNvPr id="171" name="CustomShape 2"/>
+              <a:t>Use of mat file in python</a:t>
+            </a:r>
+            <a:endParaRPr/>
+          </a:p>
+        </p:txBody>
+      </p:sp>
+      <p:sp>
+        <p:nvSpPr>
+          <p:cNvPr id="174" name="CustomShape 2"/>
           <p:cNvSpPr/>
           <p:nvPr/>
         </p:nvSpPr>
         <p:spPr>
           <a:xfrm>
-            <a:off x="471960" y="1766520"/>
+            <a:off x="471960" y="1919160"/>
             <a:ext cx="8221320" cy="2709360"/>
           </a:xfrm>
           <a:prstGeom prst="rect">
@@ -8389,6 +8340,8 @@
               <a:lnSpc>
                 <a:spcPct val="100000"/>
               </a:lnSpc>
+              <a:buFont typeface="Roboto"/>
+              <a:buChar char="●"/>
             </a:pPr>
             <a:r>
               <a:rPr lang="x-none" dirty="0">
@@ -8398,12 +8351,12 @@
                 <a:latin typeface="Roboto"/>
                 <a:ea typeface="Roboto"/>
               </a:rPr>
-              <a:t>-Using the feature space we have created, we reduce the dimension space to p=2 using PCA (variance explained = 35%). </a:t>
+              <a:t>No matlab on computer:</a:t>
             </a:r>
             <a:endParaRPr dirty="0"/>
           </a:p>
           <a:p>
-            <a:pPr>
+            <a:pPr algn="l">
               <a:lnSpc>
                 <a:spcPct val="100000"/>
               </a:lnSpc>
@@ -8416,7 +8369,209 @@
                 <a:latin typeface="Roboto"/>
                 <a:ea typeface="Roboto"/>
               </a:rPr>
-              <a:t>- Positive linear correlation</a:t>
+              <a:t> </a:t>
+            </a:r>
+            <a:r>
+              <a:rPr lang="x-none" sz="1000" dirty="0">
+                <a:solidFill>
+                  <a:srgbClr val="101094"/>
+                </a:solidFill>
+                <a:latin typeface="Consolas"/>
+                <a:ea typeface="Consolas"/>
+              </a:rPr>
+              <a:t>import</a:t>
+            </a:r>
+            <a:r>
+              <a:rPr lang="x-none" sz="1000" dirty="0">
+                <a:solidFill>
+                  <a:srgbClr val="303336"/>
+                </a:solidFill>
+                <a:latin typeface="Consolas"/>
+                <a:ea typeface="Consolas"/>
+              </a:rPr>
+              <a:t> scipy.io </a:t>
+            </a:r>
+            <a:r>
+              <a:rPr lang="x-none" sz="1000" dirty="0">
+                <a:solidFill>
+                  <a:srgbClr val="101094"/>
+                </a:solidFill>
+                <a:latin typeface="Consolas"/>
+                <a:ea typeface="Consolas"/>
+              </a:rPr>
+              <a:t>as</a:t>
+            </a:r>
+            <a:r>
+              <a:rPr lang="x-none" sz="1000" dirty="0">
+                <a:solidFill>
+                  <a:srgbClr val="303336"/>
+                </a:solidFill>
+                <a:latin typeface="Consolas"/>
+                <a:ea typeface="Consolas"/>
+              </a:rPr>
+              <a:t> sio</a:t>
+            </a:r>
+            <a:endParaRPr dirty="0"/>
+          </a:p>
+          <a:p>
+            <a:pPr algn="l">
+              <a:lnSpc>
+                <a:spcPct val="100000"/>
+              </a:lnSpc>
+            </a:pPr>
+            <a:r>
+              <a:rPr lang="x-none" sz="1000" dirty="0">
+                <a:solidFill>
+                  <a:srgbClr val="303336"/>
+                </a:solidFill>
+                <a:latin typeface="Consolas"/>
+                <a:ea typeface="Consolas"/>
+              </a:rPr>
+              <a:t>    test = sio.loadmat(</a:t>
+            </a:r>
+            <a:r>
+              <a:rPr lang="x-none" sz="1000" dirty="0">
+                <a:solidFill>
+                  <a:srgbClr val="7D2727"/>
+                </a:solidFill>
+                <a:latin typeface="Consolas"/>
+                <a:ea typeface="Consolas"/>
+              </a:rPr>
+              <a:t>'cleaned_dataP.mat'</a:t>
+            </a:r>
+            <a:r>
+              <a:rPr lang="x-none" sz="1000" dirty="0">
+                <a:solidFill>
+                  <a:srgbClr val="303336"/>
+                </a:solidFill>
+                <a:latin typeface="Consolas"/>
+                <a:ea typeface="Consolas"/>
+              </a:rPr>
+              <a:t>)</a:t>
+            </a:r>
+            <a:endParaRPr dirty="0"/>
+          </a:p>
+          <a:p>
+            <a:pPr algn="l">
+              <a:lnSpc>
+                <a:spcPct val="100000"/>
+              </a:lnSpc>
+              <a:buFont typeface="Roboto"/>
+              <a:buChar char="●"/>
+            </a:pPr>
+            <a:r>
+              <a:rPr lang="x-none" sz="1000" dirty="0">
+                <a:solidFill>
+                  <a:srgbClr val="737373"/>
+                </a:solidFill>
+                <a:latin typeface="Roboto"/>
+                <a:ea typeface="Roboto"/>
+              </a:rPr>
+              <a:t>matlab(2014b&gt;) on computer:</a:t>
+            </a:r>
+            <a:endParaRPr dirty="0"/>
+          </a:p>
+          <a:p>
+            <a:pPr algn="l">
+              <a:lnSpc>
+                <a:spcPct val="100000"/>
+              </a:lnSpc>
+            </a:pPr>
+            <a:r>
+              <a:rPr lang="x-none" sz="1000" dirty="0">
+                <a:solidFill>
+                  <a:srgbClr val="101094"/>
+                </a:solidFill>
+                <a:latin typeface="Consolas"/>
+                <a:ea typeface="Consolas"/>
+              </a:rPr>
+              <a:t>import</a:t>
+            </a:r>
+            <a:r>
+              <a:rPr lang="x-none" sz="1000" dirty="0">
+                <a:solidFill>
+                  <a:srgbClr val="303336"/>
+                </a:solidFill>
+                <a:latin typeface="Consolas"/>
+                <a:ea typeface="Consolas"/>
+              </a:rPr>
+              <a:t> matlab.engine </a:t>
+            </a:r>
+            <a:endParaRPr dirty="0"/>
+          </a:p>
+          <a:p>
+            <a:pPr algn="l">
+              <a:lnSpc>
+                <a:spcPct val="100000"/>
+              </a:lnSpc>
+            </a:pPr>
+            <a:r>
+              <a:rPr lang="x-none" sz="1000" dirty="0">
+                <a:solidFill>
+                  <a:srgbClr val="303336"/>
+                </a:solidFill>
+                <a:latin typeface="Consolas"/>
+                <a:ea typeface="Consolas"/>
+              </a:rPr>
+              <a:t>eng = matlab.engine.start_matlab() </a:t>
+            </a:r>
+            <a:endParaRPr dirty="0"/>
+          </a:p>
+          <a:p>
+            <a:pPr algn="l">
+              <a:lnSpc>
+                <a:spcPct val="100000"/>
+              </a:lnSpc>
+            </a:pPr>
+            <a:r>
+              <a:rPr lang="x-none" sz="1000" dirty="0">
+                <a:solidFill>
+                  <a:srgbClr val="303336"/>
+                </a:solidFill>
+                <a:latin typeface="Consolas"/>
+                <a:ea typeface="Consolas"/>
+              </a:rPr>
+              <a:t>content = eng.load(</a:t>
+            </a:r>
+            <a:r>
+              <a:rPr lang="x-none" sz="1000" dirty="0">
+                <a:solidFill>
+                  <a:srgbClr val="7D2727"/>
+                </a:solidFill>
+                <a:latin typeface="Consolas"/>
+                <a:ea typeface="Consolas"/>
+              </a:rPr>
+              <a:t>"cleaned_dataP.mat"</a:t>
+            </a:r>
+            <a:r>
+              <a:rPr lang="x-none" sz="1000" dirty="0">
+                <a:solidFill>
+                  <a:srgbClr val="303336"/>
+                </a:solidFill>
+                <a:latin typeface="Consolas"/>
+                <a:ea typeface="Consolas"/>
+              </a:rPr>
+              <a:t>,nargout=</a:t>
+            </a:r>
+            <a:r>
+              <a:rPr lang="x-none" sz="1000" dirty="0">
+                <a:solidFill>
+                  <a:srgbClr val="7D2727"/>
+                </a:solidFill>
+                <a:latin typeface="Consolas"/>
+                <a:ea typeface="Consolas"/>
+              </a:rPr>
+              <a:t>1</a:t>
+            </a:r>
+            <a:r>
+              <a:rPr lang="x-none" sz="1000" dirty="0">
+                <a:solidFill>
+                  <a:srgbClr val="303336"/>
+                </a:solidFill>
+                <a:latin typeface="Consolas"/>
+                <a:ea typeface="Consolas"/>
+              </a:rPr>
+              <a:t>)</a:t>
             </a:r>
             <a:endParaRPr dirty="0"/>
           </a:p>
@@ -8428,33 +8583,32 @@
             </a:pPr>
             <a:endParaRPr dirty="0"/>
           </a:p>
-        </p:txBody>
-      </p:sp>
-      <p:pic>
-        <p:nvPicPr>
-          <p:cNvPr id="172" name="Shape 185"/>
-          <p:cNvPicPr/>
-          <p:nvPr/>
-        </p:nvPicPr>
-        <p:blipFill>
-          <a:blip r:embed="rId2"/>
-          <a:stretch>
-            <a:fillRect/>
-          </a:stretch>
-        </p:blipFill>
-        <p:spPr>
-          <a:xfrm>
-            <a:off x="4936800" y="2260980"/>
-            <a:ext cx="4009680" cy="2882520"/>
-          </a:xfrm>
-          <a:prstGeom prst="rect">
-            <a:avLst/>
-          </a:prstGeom>
-          <a:ln>
-            <a:noFill/>
-          </a:ln>
-        </p:spPr>
-      </p:pic>
+          <a:p>
+            <a:pPr>
+              <a:lnSpc>
+                <a:spcPct val="100000"/>
+              </a:lnSpc>
+            </a:pPr>
+            <a:endParaRPr dirty="0"/>
+          </a:p>
+          <a:p>
+            <a:pPr>
+              <a:lnSpc>
+                <a:spcPct val="100000"/>
+              </a:lnSpc>
+            </a:pPr>
+            <a:endParaRPr dirty="0"/>
+          </a:p>
+          <a:p>
+            <a:pPr>
+              <a:lnSpc>
+                <a:spcPct val="100000"/>
+              </a:lnSpc>
+            </a:pPr>
+            <a:endParaRPr dirty="0"/>
+          </a:p>
+        </p:txBody>
+      </p:sp>
     </p:spTree>
   </p:cSld>
   <p:clrMapOvr>
@@ -8482,7 +8636,7 @@
       </p:grpSpPr>
       <p:sp>
         <p:nvSpPr>
-          <p:cNvPr id="173" name="CustomShape 1"/>
+          <p:cNvPr id="175" name="CustomShape 1"/>
           <p:cNvSpPr/>
           <p:nvPr/>
         </p:nvSpPr>
@@ -8516,15 +8670,15 @@
                 <a:latin typeface="Roboto"/>
                 <a:ea typeface="Roboto"/>
               </a:rPr>
-              <a:t>Use of mat file in python</a:t>
-            </a:r>
-            <a:endParaRPr/>
-          </a:p>
-        </p:txBody>
-      </p:sp>
-      <p:sp>
-        <p:nvSpPr>
-          <p:cNvPr id="174" name="CustomShape 2"/>
+              <a:t>Summary</a:t>
+            </a:r>
+            <a:endParaRPr/>
+          </a:p>
+        </p:txBody>
+      </p:sp>
+      <p:sp>
+        <p:nvSpPr>
+          <p:cNvPr id="176" name="CustomShape 2"/>
           <p:cNvSpPr/>
           <p:nvPr/>
         </p:nvSpPr>
@@ -8541,282 +8695,6 @@
             <a:noFill/>
           </a:ln>
         </p:spPr>
-        <p:txBody>
-          <a:bodyPr lIns="90000" tIns="91440" rIns="90000" bIns="91440"/>
-          <a:lstStyle/>
-          <a:p>
-            <a:pPr algn="l">
-              <a:lnSpc>
-                <a:spcPct val="100000"/>
-              </a:lnSpc>
-              <a:buFont typeface="Roboto"/>
-              <a:buChar char="●"/>
-            </a:pPr>
-            <a:r>
-              <a:rPr lang="x-none" dirty="0">
-                <a:solidFill>
-                  <a:srgbClr val="737373"/>
-                </a:solidFill>
-                <a:latin typeface="Roboto"/>
-                <a:ea typeface="Roboto"/>
-              </a:rPr>
-              <a:t>No matlab on computer:</a:t>
-            </a:r>
-            <a:endParaRPr dirty="0"/>
-          </a:p>
-          <a:p>
-            <a:pPr algn="l">
-              <a:lnSpc>
-                <a:spcPct val="100000"/>
-              </a:lnSpc>
-            </a:pPr>
-            <a:r>
-              <a:rPr lang="x-none" dirty="0">
-                <a:solidFill>
-                  <a:srgbClr val="737373"/>
-                </a:solidFill>
-                <a:latin typeface="Roboto"/>
-                <a:ea typeface="Roboto"/>
-              </a:rPr>
-              <a:t> </a:t>
-            </a:r>
-            <a:r>
-              <a:rPr lang="x-none" sz="1000" dirty="0">
-                <a:solidFill>
-                  <a:srgbClr val="101094"/>
-                </a:solidFill>
-                <a:latin typeface="Consolas"/>
-                <a:ea typeface="Consolas"/>
-              </a:rPr>
-              <a:t>import</a:t>
-            </a:r>
-            <a:r>
-              <a:rPr lang="x-none" sz="1000" dirty="0">
-                <a:solidFill>
-                  <a:srgbClr val="303336"/>
-                </a:solidFill>
-                <a:latin typeface="Consolas"/>
-                <a:ea typeface="Consolas"/>
-              </a:rPr>
-              <a:t> scipy.io </a:t>
-            </a:r>
-            <a:r>
-              <a:rPr lang="x-none" sz="1000" dirty="0">
-                <a:solidFill>
-                  <a:srgbClr val="101094"/>
-                </a:solidFill>
-                <a:latin typeface="Consolas"/>
-                <a:ea typeface="Consolas"/>
-              </a:rPr>
-              <a:t>as</a:t>
-            </a:r>
-            <a:r>
-              <a:rPr lang="x-none" sz="1000" dirty="0">
-                <a:solidFill>
-                  <a:srgbClr val="303336"/>
-                </a:solidFill>
-                <a:latin typeface="Consolas"/>
-                <a:ea typeface="Consolas"/>
-              </a:rPr>
-              <a:t> sio</a:t>
-            </a:r>
-            <a:endParaRPr dirty="0"/>
-          </a:p>
-          <a:p>
-            <a:pPr algn="l">
-              <a:lnSpc>
-                <a:spcPct val="100000"/>
-              </a:lnSpc>
-            </a:pPr>
-            <a:r>
-              <a:rPr lang="x-none" sz="1000" dirty="0">
-                <a:solidFill>
-                  <a:srgbClr val="303336"/>
-                </a:solidFill>
-                <a:latin typeface="Consolas"/>
-                <a:ea typeface="Consolas"/>
-              </a:rPr>
-              <a:t>    test = sio.loadmat(</a:t>
-            </a:r>
-            <a:r>
-              <a:rPr lang="x-none" sz="1000" dirty="0">
-                <a:solidFill>
-                  <a:srgbClr val="7D2727"/>
-                </a:solidFill>
-                <a:latin typeface="Consolas"/>
-                <a:ea typeface="Consolas"/>
-              </a:rPr>
-              <a:t>'cleaned_dataP.mat'</a:t>
-            </a:r>
-            <a:r>
-              <a:rPr lang="x-none" sz="1000" dirty="0">
-                <a:solidFill>
-                  <a:srgbClr val="303336"/>
-                </a:solidFill>
-                <a:latin typeface="Consolas"/>
-                <a:ea typeface="Consolas"/>
-              </a:rPr>
-              <a:t>)</a:t>
-            </a:r>
-            <a:endParaRPr dirty="0"/>
-          </a:p>
-          <a:p>
-            <a:pPr algn="l">
-              <a:lnSpc>
-                <a:spcPct val="100000"/>
-              </a:lnSpc>
-              <a:buFont typeface="Roboto"/>
-              <a:buChar char="●"/>
-            </a:pPr>
-            <a:r>
-              <a:rPr lang="x-none" sz="1000" dirty="0">
-                <a:solidFill>
-                  <a:srgbClr val="737373"/>
-                </a:solidFill>
-                <a:latin typeface="Roboto"/>
-                <a:ea typeface="Roboto"/>
-              </a:rPr>
-              <a:t>matlab(2014b&gt;) on computer:</a:t>
-            </a:r>
-            <a:endParaRPr dirty="0"/>
-          </a:p>
-          <a:p>
-            <a:pPr algn="l">
-              <a:lnSpc>
-                <a:spcPct val="100000"/>
-              </a:lnSpc>
-            </a:pPr>
-            <a:r>
-              <a:rPr lang="x-none" sz="1000" dirty="0">
-                <a:solidFill>
-                  <a:srgbClr val="101094"/>
-                </a:solidFill>
-                <a:latin typeface="Consolas"/>
-                <a:ea typeface="Consolas"/>
-              </a:rPr>
-              <a:t>import</a:t>
-            </a:r>
-            <a:r>
-              <a:rPr lang="x-none" sz="1000" dirty="0">
-                <a:solidFill>
-                  <a:srgbClr val="303336"/>
-                </a:solidFill>
-                <a:latin typeface="Consolas"/>
-                <a:ea typeface="Consolas"/>
-              </a:rPr>
-              <a:t> matlab.engine </a:t>
-            </a:r>
-            <a:endParaRPr dirty="0"/>
-          </a:p>
-          <a:p>
-            <a:pPr algn="l">
-              <a:lnSpc>
-                <a:spcPct val="100000"/>
-              </a:lnSpc>
-            </a:pPr>
-            <a:r>
-              <a:rPr lang="x-none" sz="1000" dirty="0">
-                <a:solidFill>
-                  <a:srgbClr val="303336"/>
-                </a:solidFill>
-                <a:latin typeface="Consolas"/>
-                <a:ea typeface="Consolas"/>
-              </a:rPr>
-              <a:t>eng = matlab.engine.start_matlab() </a:t>
-            </a:r>
-            <a:endParaRPr dirty="0"/>
-          </a:p>
-          <a:p>
-            <a:pPr algn="l">
-              <a:lnSpc>
-                <a:spcPct val="100000"/>
-              </a:lnSpc>
-            </a:pPr>
-            <a:r>
-              <a:rPr lang="x-none" sz="1000" dirty="0">
-                <a:solidFill>
-                  <a:srgbClr val="303336"/>
-                </a:solidFill>
-                <a:latin typeface="Consolas"/>
-                <a:ea typeface="Consolas"/>
-              </a:rPr>
-              <a:t>content = eng.load(</a:t>
-            </a:r>
-            <a:r>
-              <a:rPr lang="x-none" sz="1000" dirty="0">
-                <a:solidFill>
-                  <a:srgbClr val="7D2727"/>
-                </a:solidFill>
-                <a:latin typeface="Consolas"/>
-                <a:ea typeface="Consolas"/>
-              </a:rPr>
-              <a:t>"cleaned_dataP.mat"</a:t>
-            </a:r>
-            <a:r>
-              <a:rPr lang="x-none" sz="1000" dirty="0">
-                <a:solidFill>
-                  <a:srgbClr val="303336"/>
-                </a:solidFill>
-                <a:latin typeface="Consolas"/>
-                <a:ea typeface="Consolas"/>
-              </a:rPr>
-              <a:t>,nargout=</a:t>
-            </a:r>
-            <a:r>
-              <a:rPr lang="x-none" sz="1000" dirty="0">
-                <a:solidFill>
-                  <a:srgbClr val="7D2727"/>
-                </a:solidFill>
-                <a:latin typeface="Consolas"/>
-                <a:ea typeface="Consolas"/>
-              </a:rPr>
-              <a:t>1</a:t>
-            </a:r>
-            <a:r>
-              <a:rPr lang="x-none" sz="1000" dirty="0">
-                <a:solidFill>
-                  <a:srgbClr val="303336"/>
-                </a:solidFill>
-                <a:latin typeface="Consolas"/>
-                <a:ea typeface="Consolas"/>
-              </a:rPr>
-              <a:t>)</a:t>
-            </a:r>
-            <a:endParaRPr dirty="0"/>
-          </a:p>
-          <a:p>
-            <a:pPr>
-              <a:lnSpc>
-                <a:spcPct val="100000"/>
-              </a:lnSpc>
-            </a:pPr>
-            <a:endParaRPr dirty="0"/>
-          </a:p>
-          <a:p>
-            <a:pPr>
-              <a:lnSpc>
-                <a:spcPct val="100000"/>
-              </a:lnSpc>
-            </a:pPr>
-            <a:endParaRPr dirty="0"/>
-          </a:p>
-          <a:p>
-            <a:pPr>
-              <a:lnSpc>
-                <a:spcPct val="100000"/>
-              </a:lnSpc>
-            </a:pPr>
-            <a:endParaRPr dirty="0"/>
-          </a:p>
-          <a:p>
-            <a:pPr>
-              <a:lnSpc>
-                <a:spcPct val="100000"/>
-              </a:lnSpc>
-            </a:pPr>
-            <a:endParaRPr dirty="0"/>
-          </a:p>
-        </p:txBody>
       </p:sp>
     </p:spTree>
   </p:cSld>
@@ -8845,14 +8723,14 @@
       </p:grpSpPr>
       <p:sp>
         <p:nvSpPr>
-          <p:cNvPr id="175" name="CustomShape 1"/>
+          <p:cNvPr id="177" name="CustomShape 1"/>
           <p:cNvSpPr/>
           <p:nvPr/>
         </p:nvSpPr>
         <p:spPr>
           <a:xfrm>
-            <a:off x="471960" y="738720"/>
-            <a:ext cx="8221320" cy="767160"/>
+            <a:off x="460800" y="2065320"/>
+            <a:ext cx="8221320" cy="1011960"/>
           </a:xfrm>
           <a:prstGeom prst="rect">
             <a:avLst/>
@@ -8863,47 +8741,27 @@
           </a:ln>
         </p:spPr>
         <p:txBody>
-          <a:bodyPr lIns="90000" tIns="91440" rIns="90000" bIns="91440" anchor="b"/>
-          <a:lstStyle/>
-          <a:p>
-            <a:pPr>
+          <a:bodyPr lIns="90000" tIns="91440" rIns="90000" bIns="91440" anchor="ctr"/>
+          <a:lstStyle/>
+          <a:p>
+            <a:pPr algn="ctr">
               <a:lnSpc>
                 <a:spcPct val="100000"/>
               </a:lnSpc>
             </a:pPr>
             <a:r>
-              <a:rPr lang="x-none" sz="3200">
+              <a:rPr lang="x-none" sz="4200">
                 <a:solidFill>
                   <a:srgbClr val="FFFFFF"/>
                 </a:solidFill>
                 <a:latin typeface="Roboto"/>
                 <a:ea typeface="Roboto"/>
               </a:rPr>
-              <a:t>Summary</a:t>
-            </a:r>
-            <a:endParaRPr/>
-          </a:p>
-        </p:txBody>
-      </p:sp>
-      <p:sp>
-        <p:nvSpPr>
-          <p:cNvPr id="176" name="CustomShape 2"/>
-          <p:cNvSpPr/>
-          <p:nvPr/>
-        </p:nvSpPr>
-        <p:spPr>
-          <a:xfrm>
-            <a:off x="471960" y="1919160"/>
-            <a:ext cx="8221320" cy="2709360"/>
-          </a:xfrm>
-          <a:prstGeom prst="rect">
-            <a:avLst/>
-          </a:prstGeom>
-          <a:noFill/>
-          <a:ln>
-            <a:noFill/>
-          </a:ln>
-        </p:spPr>
+              <a:t>Questions?</a:t>
+            </a:r>
+            <a:endParaRPr/>
+          </a:p>
+        </p:txBody>
       </p:sp>
     </p:spTree>
   </p:cSld>
@@ -9174,73 +9032,6 @@
       </p:par>
     </p:tnLst>
   </p:timing>
-</p:sld>
-</file>
-
-<file path=ppt/slides/slide20.xml><?xml version="1.0" encoding="utf-8"?>
-<p:sld xmlns:a="http://schemas.openxmlformats.org/drawingml/2006/main" xmlns:r="http://schemas.openxmlformats.org/officeDocument/2006/relationships" xmlns:p="http://schemas.openxmlformats.org/presentationml/2006/main">
-  <p:cSld>
-    <p:spTree>
-      <p:nvGrpSpPr>
-        <p:cNvPr id="1" name=""/>
-        <p:cNvGrpSpPr/>
-        <p:nvPr/>
-      </p:nvGrpSpPr>
-      <p:grpSpPr>
-        <a:xfrm>
-          <a:off x="0" y="0"/>
-          <a:ext cx="0" cy="0"/>
-          <a:chOff x="0" y="0"/>
-          <a:chExt cx="0" cy="0"/>
-        </a:xfrm>
-      </p:grpSpPr>
-      <p:sp>
-        <p:nvSpPr>
-          <p:cNvPr id="177" name="CustomShape 1"/>
-          <p:cNvSpPr/>
-          <p:nvPr/>
-        </p:nvSpPr>
-        <p:spPr>
-          <a:xfrm>
-            <a:off x="460800" y="2065320"/>
-            <a:ext cx="8221320" cy="1011960"/>
-          </a:xfrm>
-          <a:prstGeom prst="rect">
-            <a:avLst/>
-          </a:prstGeom>
-          <a:noFill/>
-          <a:ln>
-            <a:noFill/>
-          </a:ln>
-        </p:spPr>
-        <p:txBody>
-          <a:bodyPr lIns="90000" tIns="91440" rIns="90000" bIns="91440" anchor="ctr"/>
-          <a:lstStyle/>
-          <a:p>
-            <a:pPr algn="ctr">
-              <a:lnSpc>
-                <a:spcPct val="100000"/>
-              </a:lnSpc>
-            </a:pPr>
-            <a:r>
-              <a:rPr lang="x-none" sz="4200">
-                <a:solidFill>
-                  <a:srgbClr val="FFFFFF"/>
-                </a:solidFill>
-                <a:latin typeface="Roboto"/>
-                <a:ea typeface="Roboto"/>
-              </a:rPr>
-              <a:t>Questions?</a:t>
-            </a:r>
-            <a:endParaRPr/>
-          </a:p>
-        </p:txBody>
-      </p:sp>
-    </p:spTree>
-  </p:cSld>
-  <p:clrMapOvr>
-    <a:masterClrMapping/>
-  </p:clrMapOvr>
 </p:sld>
 </file>
 
